--- a/MPI.pptx
+++ b/MPI.pptx
@@ -6,7 +6,7 @@
     <p:sldMasterId id="2147483655" r:id="rId2"/>
   </p:sldMasterIdLst>
   <p:notesMasterIdLst>
-    <p:notesMasterId r:id="rId20"/>
+    <p:notesMasterId r:id="rId23"/>
   </p:notesMasterIdLst>
   <p:sldIdLst>
     <p:sldId id="256" r:id="rId3"/>
@@ -18,14 +18,17 @@
     <p:sldId id="262" r:id="rId9"/>
     <p:sldId id="276" r:id="rId10"/>
     <p:sldId id="274" r:id="rId11"/>
-    <p:sldId id="263" r:id="rId12"/>
-    <p:sldId id="264" r:id="rId13"/>
-    <p:sldId id="265" r:id="rId14"/>
-    <p:sldId id="266" r:id="rId15"/>
-    <p:sldId id="267" r:id="rId16"/>
-    <p:sldId id="268" r:id="rId17"/>
-    <p:sldId id="275" r:id="rId18"/>
-    <p:sldId id="269" r:id="rId19"/>
+    <p:sldId id="277" r:id="rId12"/>
+    <p:sldId id="278" r:id="rId13"/>
+    <p:sldId id="279" r:id="rId14"/>
+    <p:sldId id="263" r:id="rId15"/>
+    <p:sldId id="264" r:id="rId16"/>
+    <p:sldId id="265" r:id="rId17"/>
+    <p:sldId id="266" r:id="rId18"/>
+    <p:sldId id="267" r:id="rId19"/>
+    <p:sldId id="268" r:id="rId20"/>
+    <p:sldId id="275" r:id="rId21"/>
+    <p:sldId id="269" r:id="rId22"/>
   </p:sldIdLst>
   <p:sldSz cx="9144000" cy="5143500" type="screen16x9"/>
   <p:notesSz cx="5143500" cy="9144000"/>
@@ -211,7 +214,7 @@
           <a:p>
             <a:fld id="{5282F153-3F37-0F45-9E97-73ACFA13230C}" type="datetimeFigureOut">
               <a:rPr lang="en-US"/>
-              <a:t>4/19/2023</a:t>
+              <a:t>4/20/2023</a:t>
             </a:fld>
             <a:endParaRPr lang="en-US"/>
           </a:p>
@@ -624,6 +627,11 @@
         </p:txBody>
       </p:sp>
     </p:spTree>
+    <p:extLst>
+      <p:ext uri="{BB962C8B-B14F-4D97-AF65-F5344CB8AC3E}">
+        <p14:creationId xmlns:p14="http://schemas.microsoft.com/office/powerpoint/2010/main" val="1070753733"/>
+      </p:ext>
+    </p:extLst>
   </p:cSld>
   <p:clrMapOvr>
     <a:masterClrMapping/>
@@ -703,6 +711,11 @@
         </p:txBody>
       </p:sp>
     </p:spTree>
+    <p:extLst>
+      <p:ext uri="{BB962C8B-B14F-4D97-AF65-F5344CB8AC3E}">
+        <p14:creationId xmlns:p14="http://schemas.microsoft.com/office/powerpoint/2010/main" val="3209954012"/>
+      </p:ext>
+    </p:extLst>
   </p:cSld>
   <p:clrMapOvr>
     <a:masterClrMapping/>
@@ -782,6 +795,11 @@
         </p:txBody>
       </p:sp>
     </p:spTree>
+    <p:extLst>
+      <p:ext uri="{BB962C8B-B14F-4D97-AF65-F5344CB8AC3E}">
+        <p14:creationId xmlns:p14="http://schemas.microsoft.com/office/powerpoint/2010/main" val="3913370053"/>
+      </p:ext>
+    </p:extLst>
   </p:cSld>
   <p:clrMapOvr>
     <a:masterClrMapping/>
@@ -1091,7 +1109,244 @@
           <a:p>
             <a:fld id="{F7021451-1387-4CA6-816F-3879F97B5CBC}" type="slidenum">
               <a:rPr lang="en-US"/>
+              <a:t>16</a:t>
+            </a:fld>
+            <a:endParaRPr lang="en-US"/>
+          </a:p>
+        </p:txBody>
+      </p:sp>
+    </p:spTree>
+  </p:cSld>
+  <p:clrMapOvr>
+    <a:masterClrMapping/>
+  </p:clrMapOvr>
+</p:notes>
+</file>
+
+<file path=ppt/notesSlides/notesSlide17.xml><?xml version="1.0" encoding="utf-8"?>
+<p:notes xmlns:a="http://schemas.openxmlformats.org/drawingml/2006/main" xmlns:r="http://schemas.openxmlformats.org/officeDocument/2006/relationships" xmlns:p="http://schemas.openxmlformats.org/presentationml/2006/main">
+  <p:cSld>
+    <p:spTree>
+      <p:nvGrpSpPr>
+        <p:cNvPr id="1" name=""/>
+        <p:cNvGrpSpPr/>
+        <p:nvPr/>
+      </p:nvGrpSpPr>
+      <p:grpSpPr>
+        <a:xfrm>
+          <a:off x="0" y="0"/>
+          <a:ext cx="0" cy="0"/>
+          <a:chOff x="0" y="0"/>
+          <a:chExt cx="0" cy="0"/>
+        </a:xfrm>
+      </p:grpSpPr>
+      <p:sp>
+        <p:nvSpPr>
+          <p:cNvPr id="2" name="Slide Image Placeholder 1"/>
+          <p:cNvSpPr>
+            <a:spLocks noGrp="1" noRot="1" noChangeAspect="1"/>
+          </p:cNvSpPr>
+          <p:nvPr>
+            <p:ph type="sldImg"/>
+          </p:nvPr>
+        </p:nvSpPr>
+        <p:spPr/>
+      </p:sp>
+      <p:sp>
+        <p:nvSpPr>
+          <p:cNvPr id="3" name="Notes Placeholder 2"/>
+          <p:cNvSpPr>
+            <a:spLocks noGrp="1"/>
+          </p:cNvSpPr>
+          <p:nvPr>
+            <p:ph type="body" idx="1"/>
+          </p:nvPr>
+        </p:nvSpPr>
+        <p:spPr/>
+        <p:txBody>
+          <a:bodyPr/>
+          <a:lstStyle/>
+          <a:p>
+            <a:endParaRPr lang="en-US" dirty="0"/>
+          </a:p>
+        </p:txBody>
+      </p:sp>
+      <p:sp>
+        <p:nvSpPr>
+          <p:cNvPr id="4" name="Slide Number Placeholder 3"/>
+          <p:cNvSpPr>
+            <a:spLocks noGrp="1"/>
+          </p:cNvSpPr>
+          <p:nvPr>
+            <p:ph type="sldNum" sz="quarter" idx="10"/>
+          </p:nvPr>
+        </p:nvSpPr>
+        <p:spPr/>
+        <p:txBody>
+          <a:bodyPr/>
+          <a:lstStyle/>
+          <a:p>
+            <a:fld id="{F7021451-1387-4CA6-816F-3879F97B5CBC}" type="slidenum">
+              <a:rPr lang="en-US"/>
               <a:t>17</a:t>
+            </a:fld>
+            <a:endParaRPr lang="en-US"/>
+          </a:p>
+        </p:txBody>
+      </p:sp>
+    </p:spTree>
+  </p:cSld>
+  <p:clrMapOvr>
+    <a:masterClrMapping/>
+  </p:clrMapOvr>
+</p:notes>
+</file>
+
+<file path=ppt/notesSlides/notesSlide18.xml><?xml version="1.0" encoding="utf-8"?>
+<p:notes xmlns:a="http://schemas.openxmlformats.org/drawingml/2006/main" xmlns:r="http://schemas.openxmlformats.org/officeDocument/2006/relationships" xmlns:p="http://schemas.openxmlformats.org/presentationml/2006/main">
+  <p:cSld>
+    <p:spTree>
+      <p:nvGrpSpPr>
+        <p:cNvPr id="1" name=""/>
+        <p:cNvGrpSpPr/>
+        <p:nvPr/>
+      </p:nvGrpSpPr>
+      <p:grpSpPr>
+        <a:xfrm>
+          <a:off x="0" y="0"/>
+          <a:ext cx="0" cy="0"/>
+          <a:chOff x="0" y="0"/>
+          <a:chExt cx="0" cy="0"/>
+        </a:xfrm>
+      </p:grpSpPr>
+      <p:sp>
+        <p:nvSpPr>
+          <p:cNvPr id="2" name="Slide Image Placeholder 1"/>
+          <p:cNvSpPr>
+            <a:spLocks noGrp="1" noRot="1" noChangeAspect="1"/>
+          </p:cNvSpPr>
+          <p:nvPr>
+            <p:ph type="sldImg"/>
+          </p:nvPr>
+        </p:nvSpPr>
+        <p:spPr/>
+      </p:sp>
+      <p:sp>
+        <p:nvSpPr>
+          <p:cNvPr id="3" name="Notes Placeholder 2"/>
+          <p:cNvSpPr>
+            <a:spLocks noGrp="1"/>
+          </p:cNvSpPr>
+          <p:nvPr>
+            <p:ph type="body" idx="1"/>
+          </p:nvPr>
+        </p:nvSpPr>
+        <p:spPr/>
+        <p:txBody>
+          <a:bodyPr/>
+          <a:lstStyle/>
+          <a:p>
+            <a:endParaRPr lang="en-US" dirty="0"/>
+          </a:p>
+        </p:txBody>
+      </p:sp>
+      <p:sp>
+        <p:nvSpPr>
+          <p:cNvPr id="4" name="Slide Number Placeholder 3"/>
+          <p:cNvSpPr>
+            <a:spLocks noGrp="1"/>
+          </p:cNvSpPr>
+          <p:nvPr>
+            <p:ph type="sldNum" sz="quarter" idx="10"/>
+          </p:nvPr>
+        </p:nvSpPr>
+        <p:spPr/>
+        <p:txBody>
+          <a:bodyPr/>
+          <a:lstStyle/>
+          <a:p>
+            <a:fld id="{F7021451-1387-4CA6-816F-3879F97B5CBC}" type="slidenum">
+              <a:rPr lang="en-US"/>
+              <a:t>18</a:t>
+            </a:fld>
+            <a:endParaRPr lang="en-US"/>
+          </a:p>
+        </p:txBody>
+      </p:sp>
+    </p:spTree>
+  </p:cSld>
+  <p:clrMapOvr>
+    <a:masterClrMapping/>
+  </p:clrMapOvr>
+</p:notes>
+</file>
+
+<file path=ppt/notesSlides/notesSlide19.xml><?xml version="1.0" encoding="utf-8"?>
+<p:notes xmlns:a="http://schemas.openxmlformats.org/drawingml/2006/main" xmlns:r="http://schemas.openxmlformats.org/officeDocument/2006/relationships" xmlns:p="http://schemas.openxmlformats.org/presentationml/2006/main">
+  <p:cSld>
+    <p:spTree>
+      <p:nvGrpSpPr>
+        <p:cNvPr id="1" name=""/>
+        <p:cNvGrpSpPr/>
+        <p:nvPr/>
+      </p:nvGrpSpPr>
+      <p:grpSpPr>
+        <a:xfrm>
+          <a:off x="0" y="0"/>
+          <a:ext cx="0" cy="0"/>
+          <a:chOff x="0" y="0"/>
+          <a:chExt cx="0" cy="0"/>
+        </a:xfrm>
+      </p:grpSpPr>
+      <p:sp>
+        <p:nvSpPr>
+          <p:cNvPr id="2" name="Slide Image Placeholder 1"/>
+          <p:cNvSpPr>
+            <a:spLocks noGrp="1" noRot="1" noChangeAspect="1"/>
+          </p:cNvSpPr>
+          <p:nvPr>
+            <p:ph type="sldImg"/>
+          </p:nvPr>
+        </p:nvSpPr>
+        <p:spPr/>
+      </p:sp>
+      <p:sp>
+        <p:nvSpPr>
+          <p:cNvPr id="3" name="Notes Placeholder 2"/>
+          <p:cNvSpPr>
+            <a:spLocks noGrp="1"/>
+          </p:cNvSpPr>
+          <p:nvPr>
+            <p:ph type="body" idx="1"/>
+          </p:nvPr>
+        </p:nvSpPr>
+        <p:spPr/>
+        <p:txBody>
+          <a:bodyPr/>
+          <a:lstStyle/>
+          <a:p>
+            <a:endParaRPr lang="en-US" dirty="0"/>
+          </a:p>
+        </p:txBody>
+      </p:sp>
+      <p:sp>
+        <p:nvSpPr>
+          <p:cNvPr id="4" name="Slide Number Placeholder 3"/>
+          <p:cNvSpPr>
+            <a:spLocks noGrp="1"/>
+          </p:cNvSpPr>
+          <p:nvPr>
+            <p:ph type="sldNum" sz="quarter" idx="10"/>
+          </p:nvPr>
+        </p:nvSpPr>
+        <p:spPr/>
+        <p:txBody>
+          <a:bodyPr/>
+          <a:lstStyle/>
+          <a:p>
+            <a:fld id="{F7021451-1387-4CA6-816F-3879F97B5CBC}" type="slidenum">
+              <a:rPr lang="en-US"/>
+              <a:t>20</a:t>
             </a:fld>
             <a:endParaRPr lang="en-US"/>
           </a:p>
@@ -3080,7 +3335,7 @@
       </p:grpSpPr>
       <p:pic>
         <p:nvPicPr>
-          <p:cNvPr id="2" name="Image 0" descr="preencoded.png"/>
+          <p:cNvPr id="2" name="Image 0" descr="https://assets.mindshow.fun/themes/yellow_bee_honeycomb_vplus_20230307/Content_header.jpg"/>
           <p:cNvPicPr>
             <a:picLocks noChangeAspect="1"/>
           </p:cNvPicPr>
@@ -3095,7 +3350,7 @@
         <p:spPr>
           <a:xfrm>
             <a:off x="0" y="0"/>
-            <a:ext cx="9144000" cy="5143500"/>
+            <a:ext cx="9144000" cy="1000125"/>
           </a:xfrm>
           <a:prstGeom prst="rect">
             <a:avLst/>
@@ -3110,8 +3365,8 @@
         </p:nvSpPr>
         <p:spPr>
           <a:xfrm>
-            <a:off x="623887" y="319087"/>
-            <a:ext cx="7891462" cy="528638"/>
+            <a:off x="762000" y="228600"/>
+            <a:ext cx="6949440" cy="552450"/>
           </a:xfrm>
           <a:prstGeom prst="rect">
             <a:avLst/>
@@ -3119,148 +3374,48 @@
           <a:noFill/>
         </p:spPr>
         <p:txBody>
-          <a:bodyPr wrap="square" rtlCol="0" anchor="t"/>
-          <a:lstStyle/>
-          <a:p>
-            <a:r>
-              <a:rPr lang="en-US" sz="2200" b="1" dirty="0">
-                <a:solidFill>
-                  <a:srgbClr val="383838"/>
+          <a:bodyPr wrap="square" rtlCol="0" anchor="ctr"/>
+          <a:lstStyle/>
+          <a:p>
+            <a:r>
+              <a:rPr lang="en-US" sz="2400" b="1" dirty="0">
+                <a:solidFill>
+                  <a:srgbClr val="3A1515"/>
                 </a:solidFill>
                 <a:latin typeface="Noto Sans SC" pitchFamily="34" charset="0"/>
                 <a:ea typeface="Noto Sans SC" pitchFamily="34" charset="-122"/>
                 <a:cs typeface="Noto Sans SC" pitchFamily="34" charset="-120"/>
               </a:rPr>
-              <a:t>4. &lt;b&gt;Python函数与模块&lt;/b&gt;</a:t>
-            </a:r>
-            <a:endParaRPr lang="en-US" sz="2240" dirty="0"/>
-          </a:p>
-        </p:txBody>
-      </p:sp>
-      <p:sp>
-        <p:nvSpPr>
-          <p:cNvPr id="4" name="Text 1"/>
-          <p:cNvSpPr/>
-          <p:nvPr/>
-        </p:nvSpPr>
-        <p:spPr>
-          <a:xfrm>
-            <a:off x="1462087" y="1524000"/>
-            <a:ext cx="5610225" cy="381000"/>
-          </a:xfrm>
-          <a:prstGeom prst="rect">
-            <a:avLst/>
-          </a:prstGeom>
-          <a:noFill/>
-        </p:spPr>
-        <p:txBody>
-          <a:bodyPr wrap="square" rtlCol="0" anchor="t"/>
-          <a:lstStyle/>
-          <a:p>
-            <a:pPr marL="0" indent="0" algn="l">
-              <a:lnSpc>
-                <a:spcPts val="1920"/>
-              </a:lnSpc>
-              <a:buNone/>
-            </a:pPr>
-            <a:r>
-              <a:rPr lang="en-US" sz="1300" b="0" dirty="0">
-                <a:solidFill>
-                  <a:srgbClr val="383838"/>
+              <a:t>3. MPI</a:t>
+            </a:r>
+            <a:r>
+              <a:rPr lang="zh-CN" sz="2400" b="1" dirty="0">
+                <a:solidFill>
+                  <a:srgbClr val="3A1515"/>
                 </a:solidFill>
                 <a:latin typeface="Noto Sans SC" pitchFamily="34" charset="0"/>
                 <a:ea typeface="Noto Sans SC" pitchFamily="34" charset="-122"/>
                 <a:cs typeface="Noto Sans SC" pitchFamily="34" charset="-120"/>
               </a:rPr>
-              <a:t>函数定义与调用</a:t>
-            </a:r>
-            <a:endParaRPr lang="en-US" sz="1280" dirty="0"/>
-          </a:p>
-        </p:txBody>
-      </p:sp>
-      <p:sp>
-        <p:nvSpPr>
-          <p:cNvPr id="5" name="Text 2"/>
-          <p:cNvSpPr/>
-          <p:nvPr/>
-        </p:nvSpPr>
-        <p:spPr>
-          <a:xfrm>
-            <a:off x="1462087" y="3819525"/>
-            <a:ext cx="5610225" cy="381000"/>
-          </a:xfrm>
-          <a:prstGeom prst="rect">
-            <a:avLst/>
-          </a:prstGeom>
-          <a:noFill/>
-        </p:spPr>
-        <p:txBody>
-          <a:bodyPr wrap="square" rtlCol="0" anchor="t"/>
-          <a:lstStyle/>
-          <a:p>
-            <a:pPr marL="0" indent="0" algn="l">
-              <a:lnSpc>
-                <a:spcPts val="1920"/>
-              </a:lnSpc>
-              <a:buNone/>
-            </a:pPr>
-            <a:r>
-              <a:rPr lang="en-US" sz="1300" b="0" dirty="0">
-                <a:solidFill>
-                  <a:srgbClr val="383838"/>
-                </a:solidFill>
-                <a:latin typeface="Noto Sans SC" pitchFamily="34" charset="0"/>
-                <a:ea typeface="Noto Sans SC" pitchFamily="34" charset="-122"/>
-                <a:cs typeface="Noto Sans SC" pitchFamily="34" charset="-120"/>
-              </a:rPr>
-              <a:t>Python模块与包</a:t>
-            </a:r>
-            <a:endParaRPr lang="en-US" sz="1280" dirty="0"/>
-          </a:p>
-        </p:txBody>
-      </p:sp>
-      <p:sp>
-        <p:nvSpPr>
-          <p:cNvPr id="6" name="Text 3"/>
-          <p:cNvSpPr/>
-          <p:nvPr/>
-        </p:nvSpPr>
-        <p:spPr>
-          <a:xfrm>
-            <a:off x="1738312" y="2686050"/>
-            <a:ext cx="5610225" cy="381000"/>
-          </a:xfrm>
-          <a:prstGeom prst="rect">
-            <a:avLst/>
-          </a:prstGeom>
-          <a:noFill/>
-        </p:spPr>
-        <p:txBody>
-          <a:bodyPr wrap="square" rtlCol="0" anchor="t"/>
-          <a:lstStyle/>
-          <a:p>
-            <a:pPr marL="0" indent="0" algn="l">
-              <a:lnSpc>
-                <a:spcPts val="1920"/>
-              </a:lnSpc>
-              <a:buNone/>
-            </a:pPr>
-            <a:r>
-              <a:rPr lang="en-US" sz="1300" b="0" dirty="0">
-                <a:solidFill>
-                  <a:srgbClr val="383838"/>
-                </a:solidFill>
-                <a:latin typeface="Noto Sans SC" pitchFamily="34" charset="0"/>
-                <a:ea typeface="Noto Sans SC" pitchFamily="34" charset="-122"/>
-                <a:cs typeface="Noto Sans SC" pitchFamily="34" charset="-120"/>
-              </a:rPr>
-              <a:t>参数传递</a:t>
-            </a:r>
-            <a:endParaRPr lang="en-US" sz="1280" dirty="0"/>
+              <a:t>点对点通信</a:t>
+            </a:r>
+            <a:endParaRPr lang="zh-CN" altLang="zh-CN" sz="2400" b="1" dirty="0">
+              <a:solidFill>
+                <a:srgbClr val="3A1515"/>
+              </a:solidFill>
+              <a:latin typeface="Noto Sans SC" pitchFamily="34" charset="0"/>
+              <a:ea typeface="Noto Sans SC" pitchFamily="34" charset="-122"/>
+              <a:cs typeface="Noto Sans SC" pitchFamily="34" charset="-120"/>
+            </a:endParaRPr>
           </a:p>
         </p:txBody>
       </p:sp>
     </p:spTree>
+    <p:extLst>
+      <p:ext uri="{BB962C8B-B14F-4D97-AF65-F5344CB8AC3E}">
+        <p14:creationId xmlns:p14="http://schemas.microsoft.com/office/powerpoint/2010/main" val="3205941134"/>
+      </p:ext>
+    </p:extLst>
   </p:cSld>
   <p:clrMapOvr>
     <a:masterClrMapping/>
@@ -3338,201 +3493,36 @@
                 <a:ea typeface="Noto Sans SC" pitchFamily="34" charset="-122"/>
                 <a:cs typeface="Noto Sans SC" pitchFamily="34" charset="-120"/>
               </a:rPr>
-              <a:t>5. Python数据结构</a:t>
-            </a:r>
-            <a:endParaRPr lang="en-US" sz="2400" dirty="0"/>
-          </a:p>
-        </p:txBody>
-      </p:sp>
-      <p:pic>
-        <p:nvPicPr>
-          <p:cNvPr id="4" name="Image 1" descr="preencoded.png"/>
-          <p:cNvPicPr>
-            <a:picLocks noChangeAspect="1"/>
-          </p:cNvPicPr>
-          <p:nvPr/>
-        </p:nvPicPr>
-        <p:blipFill>
-          <a:blip r:embed="rId4"/>
-          <a:stretch>
-            <a:fillRect/>
-          </a:stretch>
-        </p:blipFill>
-        <p:spPr>
-          <a:xfrm>
-            <a:off x="895022" y="1304925"/>
-            <a:ext cx="7449207" cy="3333750"/>
-          </a:xfrm>
-          <a:prstGeom prst="rect">
-            <a:avLst/>
-          </a:prstGeom>
-        </p:spPr>
-      </p:pic>
-      <p:sp>
-        <p:nvSpPr>
-          <p:cNvPr id="5" name="Text 1"/>
-          <p:cNvSpPr/>
-          <p:nvPr/>
-        </p:nvSpPr>
-        <p:spPr>
-          <a:xfrm>
-            <a:off x="5221999" y="2477485"/>
-            <a:ext cx="2906110" cy="248307"/>
-          </a:xfrm>
-          <a:prstGeom prst="rect">
-            <a:avLst/>
-          </a:prstGeom>
-          <a:noFill/>
-        </p:spPr>
-        <p:txBody>
-          <a:bodyPr wrap="square" rtlCol="0" anchor="t"/>
-          <a:lstStyle/>
-          <a:p>
-            <a:pPr marL="0" indent="0" algn="l">
-              <a:lnSpc>
-                <a:spcPts val="1730"/>
-              </a:lnSpc>
-              <a:buNone/>
-            </a:pPr>
-            <a:r>
-              <a:rPr lang="en-US" sz="1100" b="0" dirty="0">
-                <a:solidFill>
-                  <a:srgbClr val="383838"/>
+              <a:t>3. MPI</a:t>
+            </a:r>
+            <a:r>
+              <a:rPr lang="zh-CN" sz="2400" b="1" dirty="0">
+                <a:solidFill>
+                  <a:srgbClr val="3A1515"/>
                 </a:solidFill>
                 <a:latin typeface="Noto Sans SC" pitchFamily="34" charset="0"/>
                 <a:ea typeface="Noto Sans SC" pitchFamily="34" charset="-122"/>
                 <a:cs typeface="Noto Sans SC" pitchFamily="34" charset="-120"/>
               </a:rPr>
-              <a:t>元组（Tuple）</a:t>
-            </a:r>
-            <a:endParaRPr lang="en-US" sz="1110" dirty="0"/>
-          </a:p>
-        </p:txBody>
-      </p:sp>
-      <p:sp>
-        <p:nvSpPr>
-          <p:cNvPr id="6" name="Text 2"/>
-          <p:cNvSpPr/>
-          <p:nvPr/>
-        </p:nvSpPr>
-        <p:spPr>
-          <a:xfrm>
-            <a:off x="5221999" y="3291380"/>
-            <a:ext cx="2906110" cy="248307"/>
-          </a:xfrm>
-          <a:prstGeom prst="rect">
-            <a:avLst/>
-          </a:prstGeom>
-          <a:noFill/>
-        </p:spPr>
-        <p:txBody>
-          <a:bodyPr wrap="square" rtlCol="0" anchor="t"/>
-          <a:lstStyle/>
-          <a:p>
-            <a:pPr marL="0" indent="0" algn="l">
-              <a:lnSpc>
-                <a:spcPts val="1730"/>
-              </a:lnSpc>
-              <a:buNone/>
-            </a:pPr>
-            <a:r>
-              <a:rPr lang="en-US" sz="1100" b="0" dirty="0">
-                <a:solidFill>
-                  <a:srgbClr val="383838"/>
-                </a:solidFill>
-                <a:latin typeface="Noto Sans SC" pitchFamily="34" charset="0"/>
-                <a:ea typeface="Noto Sans SC" pitchFamily="34" charset="-122"/>
-                <a:cs typeface="Noto Sans SC" pitchFamily="34" charset="-120"/>
-              </a:rPr>
-              <a:t>集合（Set）</a:t>
-            </a:r>
-            <a:endParaRPr lang="en-US" sz="1110" dirty="0"/>
-          </a:p>
-        </p:txBody>
-      </p:sp>
-      <p:sp>
-        <p:nvSpPr>
-          <p:cNvPr id="7" name="Text 3"/>
-          <p:cNvSpPr/>
-          <p:nvPr/>
-        </p:nvSpPr>
-        <p:spPr>
-          <a:xfrm>
-            <a:off x="5221999" y="4169651"/>
-            <a:ext cx="2906110" cy="248307"/>
-          </a:xfrm>
-          <a:prstGeom prst="rect">
-            <a:avLst/>
-          </a:prstGeom>
-          <a:noFill/>
-        </p:spPr>
-        <p:txBody>
-          <a:bodyPr wrap="square" rtlCol="0" anchor="t"/>
-          <a:lstStyle/>
-          <a:p>
-            <a:pPr marL="0" indent="0" algn="l">
-              <a:lnSpc>
-                <a:spcPts val="1730"/>
-              </a:lnSpc>
-              <a:buNone/>
-            </a:pPr>
-            <a:r>
-              <a:rPr lang="en-US" sz="1100" b="0" dirty="0">
-                <a:solidFill>
-                  <a:srgbClr val="383838"/>
-                </a:solidFill>
-                <a:latin typeface="Noto Sans SC" pitchFamily="34" charset="0"/>
-                <a:ea typeface="Noto Sans SC" pitchFamily="34" charset="-122"/>
-                <a:cs typeface="Noto Sans SC" pitchFamily="34" charset="-120"/>
-              </a:rPr>
-              <a:t>字典（Dictionary）</a:t>
-            </a:r>
-            <a:endParaRPr lang="en-US" sz="1110" dirty="0"/>
-          </a:p>
-        </p:txBody>
-      </p:sp>
-      <p:sp>
-        <p:nvSpPr>
-          <p:cNvPr id="8" name="Text 4"/>
-          <p:cNvSpPr/>
-          <p:nvPr/>
-        </p:nvSpPr>
-        <p:spPr>
-          <a:xfrm>
-            <a:off x="5221999" y="1658992"/>
-            <a:ext cx="2906110" cy="248307"/>
-          </a:xfrm>
-          <a:prstGeom prst="rect">
-            <a:avLst/>
-          </a:prstGeom>
-          <a:noFill/>
-        </p:spPr>
-        <p:txBody>
-          <a:bodyPr wrap="square" rtlCol="0" anchor="t"/>
-          <a:lstStyle/>
-          <a:p>
-            <a:pPr marL="0" indent="0" algn="l">
-              <a:lnSpc>
-                <a:spcPts val="1730"/>
-              </a:lnSpc>
-              <a:buNone/>
-            </a:pPr>
-            <a:r>
-              <a:rPr lang="en-US" sz="1100" b="0" dirty="0">
-                <a:solidFill>
-                  <a:srgbClr val="383838"/>
-                </a:solidFill>
-                <a:latin typeface="Noto Sans SC" pitchFamily="34" charset="0"/>
-                <a:ea typeface="Noto Sans SC" pitchFamily="34" charset="-122"/>
-                <a:cs typeface="Noto Sans SC" pitchFamily="34" charset="-120"/>
-              </a:rPr>
-              <a:t>列表（List）</a:t>
-            </a:r>
-            <a:endParaRPr lang="en-US" sz="1110" dirty="0"/>
+              <a:t>点对点通信</a:t>
+            </a:r>
+            <a:endParaRPr lang="zh-CN" altLang="zh-CN" sz="2400" b="1" dirty="0">
+              <a:solidFill>
+                <a:srgbClr val="3A1515"/>
+              </a:solidFill>
+              <a:latin typeface="Noto Sans SC" pitchFamily="34" charset="0"/>
+              <a:ea typeface="Noto Sans SC" pitchFamily="34" charset="-122"/>
+              <a:cs typeface="Noto Sans SC" pitchFamily="34" charset="-120"/>
+            </a:endParaRPr>
           </a:p>
         </p:txBody>
       </p:sp>
     </p:spTree>
+    <p:extLst>
+      <p:ext uri="{BB962C8B-B14F-4D97-AF65-F5344CB8AC3E}">
+        <p14:creationId xmlns:p14="http://schemas.microsoft.com/office/powerpoint/2010/main" val="3137373603"/>
+      </p:ext>
+    </p:extLst>
   </p:cSld>
   <p:clrMapOvr>
     <a:masterClrMapping/>
@@ -3610,156 +3600,36 @@
                 <a:ea typeface="Noto Sans SC" pitchFamily="34" charset="-122"/>
                 <a:cs typeface="Noto Sans SC" pitchFamily="34" charset="-120"/>
               </a:rPr>
-              <a:t>6. Python面向对象编程</a:t>
-            </a:r>
-            <a:endParaRPr lang="en-US" sz="2400" dirty="0"/>
-          </a:p>
-        </p:txBody>
-      </p:sp>
-      <p:pic>
-        <p:nvPicPr>
-          <p:cNvPr id="4" name="Image 1" descr="preencoded.png"/>
-          <p:cNvPicPr>
-            <a:picLocks noChangeAspect="1"/>
-          </p:cNvPicPr>
-          <p:nvPr/>
-        </p:nvPicPr>
-        <p:blipFill>
-          <a:blip r:embed="rId4"/>
-          <a:stretch>
-            <a:fillRect/>
-          </a:stretch>
-        </p:blipFill>
-        <p:spPr>
-          <a:xfrm>
-            <a:off x="895022" y="1304925"/>
-            <a:ext cx="7449207" cy="3333750"/>
-          </a:xfrm>
-          <a:prstGeom prst="rect">
-            <a:avLst/>
-          </a:prstGeom>
-        </p:spPr>
-      </p:pic>
-      <p:sp>
-        <p:nvSpPr>
-          <p:cNvPr id="5" name="Text 1"/>
-          <p:cNvSpPr/>
-          <p:nvPr/>
-        </p:nvSpPr>
-        <p:spPr>
-          <a:xfrm>
-            <a:off x="3502244" y="1378497"/>
-            <a:ext cx="2234762" cy="344871"/>
-          </a:xfrm>
-          <a:prstGeom prst="rect">
-            <a:avLst/>
-          </a:prstGeom>
-          <a:noFill/>
-        </p:spPr>
-        <p:txBody>
-          <a:bodyPr wrap="square" rtlCol="0" anchor="t"/>
-          <a:lstStyle/>
-          <a:p>
-            <a:pPr marL="0" indent="0" algn="ctr">
-              <a:lnSpc>
-                <a:spcPts val="2400"/>
-              </a:lnSpc>
-              <a:buNone/>
-            </a:pPr>
-            <a:r>
-              <a:rPr lang="en-US" sz="1500" b="0" dirty="0">
-                <a:solidFill>
-                  <a:srgbClr val="383838"/>
+              <a:t>3. MPI</a:t>
+            </a:r>
+            <a:r>
+              <a:rPr lang="zh-CN" sz="2400" b="1" dirty="0">
+                <a:solidFill>
+                  <a:srgbClr val="3A1515"/>
                 </a:solidFill>
                 <a:latin typeface="Noto Sans SC" pitchFamily="34" charset="0"/>
                 <a:ea typeface="Noto Sans SC" pitchFamily="34" charset="-122"/>
                 <a:cs typeface="Noto Sans SC" pitchFamily="34" charset="-120"/>
               </a:rPr>
-              <a:t>类与对象</a:t>
-            </a:r>
-            <a:endParaRPr lang="en-US" sz="1545" dirty="0"/>
-          </a:p>
-        </p:txBody>
-      </p:sp>
-      <p:sp>
-        <p:nvSpPr>
-          <p:cNvPr id="6" name="Text 2"/>
-          <p:cNvSpPr/>
-          <p:nvPr/>
-        </p:nvSpPr>
-        <p:spPr>
-          <a:xfrm>
-            <a:off x="1028372" y="3355756"/>
-            <a:ext cx="2234762" cy="344871"/>
-          </a:xfrm>
-          <a:prstGeom prst="rect">
-            <a:avLst/>
-          </a:prstGeom>
-          <a:noFill/>
-        </p:spPr>
-        <p:txBody>
-          <a:bodyPr wrap="square" rtlCol="0" anchor="t"/>
-          <a:lstStyle/>
-          <a:p>
-            <a:pPr marL="0" indent="0" algn="r">
-              <a:lnSpc>
-                <a:spcPts val="2400"/>
-              </a:lnSpc>
-              <a:buNone/>
-            </a:pPr>
-            <a:r>
-              <a:rPr lang="en-US" sz="1500" b="0" dirty="0">
-                <a:solidFill>
-                  <a:srgbClr val="383838"/>
-                </a:solidFill>
-                <a:latin typeface="Noto Sans SC" pitchFamily="34" charset="0"/>
-                <a:ea typeface="Noto Sans SC" pitchFamily="34" charset="-122"/>
-                <a:cs typeface="Noto Sans SC" pitchFamily="34" charset="-120"/>
-              </a:rPr>
-              <a:t>封装、继承、多态</a:t>
-            </a:r>
-            <a:endParaRPr lang="en-US" sz="1545" dirty="0"/>
-          </a:p>
-        </p:txBody>
-      </p:sp>
-      <p:sp>
-        <p:nvSpPr>
-          <p:cNvPr id="7" name="Text 3"/>
-          <p:cNvSpPr/>
-          <p:nvPr/>
-        </p:nvSpPr>
-        <p:spPr>
-          <a:xfrm>
-            <a:off x="5980715" y="3355756"/>
-            <a:ext cx="2234762" cy="689741"/>
-          </a:xfrm>
-          <a:prstGeom prst="rect">
-            <a:avLst/>
-          </a:prstGeom>
-          <a:noFill/>
-        </p:spPr>
-        <p:txBody>
-          <a:bodyPr wrap="square" rtlCol="0" anchor="t"/>
-          <a:lstStyle/>
-          <a:p>
-            <a:pPr algn="l">
-              <a:lnSpc>
-                <a:spcPts val="2400"/>
-              </a:lnSpc>
-            </a:pPr>
-            <a:r>
-              <a:rPr lang="en-US" sz="1500" dirty="0">
-                <a:solidFill>
-                  <a:srgbClr val="383838"/>
-                </a:solidFill>
-              </a:rPr>
-              <a:t>特殊方法（如__init__、str）</a:t>
-            </a:r>
-            <a:endParaRPr lang="en-US" sz="1545" dirty="0"/>
+              <a:t>点对点通信</a:t>
+            </a:r>
+            <a:endParaRPr lang="zh-CN" altLang="zh-CN" sz="2400" b="1" dirty="0">
+              <a:solidFill>
+                <a:srgbClr val="3A1515"/>
+              </a:solidFill>
+              <a:latin typeface="Noto Sans SC" pitchFamily="34" charset="0"/>
+              <a:ea typeface="Noto Sans SC" pitchFamily="34" charset="-122"/>
+              <a:cs typeface="Noto Sans SC" pitchFamily="34" charset="-120"/>
+            </a:endParaRPr>
           </a:p>
         </p:txBody>
       </p:sp>
     </p:spTree>
+    <p:extLst>
+      <p:ext uri="{BB962C8B-B14F-4D97-AF65-F5344CB8AC3E}">
+        <p14:creationId xmlns:p14="http://schemas.microsoft.com/office/powerpoint/2010/main" val="2297940233"/>
+      </p:ext>
+    </p:extLst>
   </p:cSld>
   <p:clrMapOvr>
     <a:masterClrMapping/>
@@ -3816,8 +3686,8 @@
         </p:nvSpPr>
         <p:spPr>
           <a:xfrm>
-            <a:off x="1338263" y="433388"/>
-            <a:ext cx="6462712" cy="690563"/>
+            <a:off x="623887" y="319087"/>
+            <a:ext cx="7891462" cy="528638"/>
           </a:xfrm>
           <a:prstGeom prst="rect">
             <a:avLst/>
@@ -3828,9 +3698,8 @@
           <a:bodyPr wrap="square" rtlCol="0" anchor="t"/>
           <a:lstStyle/>
           <a:p>
-            <a:pPr algn="ctr"/>
-            <a:r>
-              <a:rPr lang="en-US" sz="2600" b="1" dirty="0">
+            <a:r>
+              <a:rPr lang="en-US" sz="2200" b="1" dirty="0">
                 <a:solidFill>
                   <a:srgbClr val="383838"/>
                 </a:solidFill>
@@ -3838,9 +3707,9 @@
                 <a:ea typeface="Noto Sans SC" pitchFamily="34" charset="-122"/>
                 <a:cs typeface="Noto Sans SC" pitchFamily="34" charset="-120"/>
               </a:rPr>
-              <a:t>7. &lt;b&gt;常用Python模块&lt;/b&gt;</a:t>
-            </a:r>
-            <a:endParaRPr lang="en-US" sz="2560" dirty="0"/>
+              <a:t>4. &lt;b&gt;Python函数与模块&lt;/b&gt;</a:t>
+            </a:r>
+            <a:endParaRPr lang="en-US" sz="2240" dirty="0"/>
           </a:p>
         </p:txBody>
       </p:sp>
@@ -3852,8 +3721,8 @@
         </p:nvSpPr>
         <p:spPr>
           <a:xfrm>
-            <a:off x="757238" y="2924175"/>
-            <a:ext cx="1562100" cy="381000"/>
+            <a:off x="1462087" y="1524000"/>
+            <a:ext cx="5610225" cy="381000"/>
           </a:xfrm>
           <a:prstGeom prst="rect">
             <a:avLst/>
@@ -3864,7 +3733,7 @@
           <a:bodyPr wrap="square" rtlCol="0" anchor="t"/>
           <a:lstStyle/>
           <a:p>
-            <a:pPr marL="0" indent="0" algn="ctr">
+            <a:pPr marL="0" indent="0" algn="l">
               <a:lnSpc>
                 <a:spcPts val="1920"/>
               </a:lnSpc>
@@ -3879,7 +3748,7 @@
                 <a:ea typeface="Noto Sans SC" pitchFamily="34" charset="-122"/>
                 <a:cs typeface="Noto Sans SC" pitchFamily="34" charset="-120"/>
               </a:rPr>
-              <a:t>os模块</a:t>
+              <a:t>函数定义与调用</a:t>
             </a:r>
             <a:endParaRPr lang="en-US" sz="1280" dirty="0"/>
           </a:p>
@@ -3893,8 +3762,8 @@
         </p:nvSpPr>
         <p:spPr>
           <a:xfrm>
-            <a:off x="2776538" y="2924175"/>
-            <a:ext cx="1562100" cy="381000"/>
+            <a:off x="1462087" y="3819525"/>
+            <a:ext cx="5610225" cy="381000"/>
           </a:xfrm>
           <a:prstGeom prst="rect">
             <a:avLst/>
@@ -3905,7 +3774,7 @@
           <a:bodyPr wrap="square" rtlCol="0" anchor="t"/>
           <a:lstStyle/>
           <a:p>
-            <a:pPr marL="0" indent="0" algn="ctr">
+            <a:pPr marL="0" indent="0" algn="l">
               <a:lnSpc>
                 <a:spcPts val="1920"/>
               </a:lnSpc>
@@ -3920,7 +3789,7 @@
                 <a:ea typeface="Noto Sans SC" pitchFamily="34" charset="-122"/>
                 <a:cs typeface="Noto Sans SC" pitchFamily="34" charset="-120"/>
               </a:rPr>
-              <a:t>sys模块</a:t>
+              <a:t>Python模块与包</a:t>
             </a:r>
             <a:endParaRPr lang="en-US" sz="1280" dirty="0"/>
           </a:p>
@@ -3934,8 +3803,8 @@
         </p:nvSpPr>
         <p:spPr>
           <a:xfrm>
-            <a:off x="4805363" y="2924175"/>
-            <a:ext cx="1562100" cy="381000"/>
+            <a:off x="1738312" y="2686050"/>
+            <a:ext cx="5610225" cy="381000"/>
           </a:xfrm>
           <a:prstGeom prst="rect">
             <a:avLst/>
@@ -3946,7 +3815,7 @@
           <a:bodyPr wrap="square" rtlCol="0" anchor="t"/>
           <a:lstStyle/>
           <a:p>
-            <a:pPr marL="0" indent="0" algn="ctr">
+            <a:pPr marL="0" indent="0" algn="l">
               <a:lnSpc>
                 <a:spcPts val="1920"/>
               </a:lnSpc>
@@ -3961,48 +3830,7 @@
                 <a:ea typeface="Noto Sans SC" pitchFamily="34" charset="-122"/>
                 <a:cs typeface="Noto Sans SC" pitchFamily="34" charset="-120"/>
               </a:rPr>
-              <a:t>datetime模块</a:t>
-            </a:r>
-            <a:endParaRPr lang="en-US" sz="1280" dirty="0"/>
-          </a:p>
-        </p:txBody>
-      </p:sp>
-      <p:sp>
-        <p:nvSpPr>
-          <p:cNvPr id="7" name="Text 4"/>
-          <p:cNvSpPr/>
-          <p:nvPr/>
-        </p:nvSpPr>
-        <p:spPr>
-          <a:xfrm>
-            <a:off x="6824663" y="2924175"/>
-            <a:ext cx="1562100" cy="381000"/>
-          </a:xfrm>
-          <a:prstGeom prst="rect">
-            <a:avLst/>
-          </a:prstGeom>
-          <a:noFill/>
-        </p:spPr>
-        <p:txBody>
-          <a:bodyPr wrap="square" rtlCol="0" anchor="t"/>
-          <a:lstStyle/>
-          <a:p>
-            <a:pPr marL="0" indent="0" algn="ctr">
-              <a:lnSpc>
-                <a:spcPts val="1920"/>
-              </a:lnSpc>
-              <a:buNone/>
-            </a:pPr>
-            <a:r>
-              <a:rPr lang="en-US" sz="1300" b="0" dirty="0">
-                <a:solidFill>
-                  <a:srgbClr val="383838"/>
-                </a:solidFill>
-                <a:latin typeface="Noto Sans SC" pitchFamily="34" charset="0"/>
-                <a:ea typeface="Noto Sans SC" pitchFamily="34" charset="-122"/>
-                <a:cs typeface="Noto Sans SC" pitchFamily="34" charset="-120"/>
-              </a:rPr>
-              <a:t>math模块</a:t>
+              <a:t>参数传递</a:t>
             </a:r>
             <a:endParaRPr lang="en-US" sz="1280" dirty="0"/>
           </a:p>
@@ -4035,7 +3863,7 @@
       </p:grpSpPr>
       <p:pic>
         <p:nvPicPr>
-          <p:cNvPr id="2" name="Image 0" descr="preencoded.png"/>
+          <p:cNvPr id="2" name="Image 0" descr="https://assets.mindshow.fun/themes/yellow_bee_honeycomb_vplus_20230307/Content_header.jpg"/>
           <p:cNvPicPr>
             <a:picLocks noChangeAspect="1"/>
           </p:cNvPicPr>
@@ -4050,7 +3878,7 @@
         <p:spPr>
           <a:xfrm>
             <a:off x="0" y="0"/>
-            <a:ext cx="9144000" cy="5143500"/>
+            <a:ext cx="9144000" cy="1000125"/>
           </a:xfrm>
           <a:prstGeom prst="rect">
             <a:avLst/>
@@ -4065,8 +3893,8 @@
         </p:nvSpPr>
         <p:spPr>
           <a:xfrm>
-            <a:off x="466725" y="376238"/>
-            <a:ext cx="4086225" cy="552450"/>
+            <a:off x="762000" y="228600"/>
+            <a:ext cx="6949440" cy="552450"/>
           </a:xfrm>
           <a:prstGeom prst="rect">
             <a:avLst/>
@@ -4074,34 +3902,58 @@
           <a:noFill/>
         </p:spPr>
         <p:txBody>
-          <a:bodyPr wrap="square" rtlCol="0" anchor="t"/>
-          <a:lstStyle/>
-          <a:p>
-            <a:r>
-              <a:rPr lang="en-US" sz="1900" b="1" dirty="0">
-                <a:solidFill>
-                  <a:srgbClr val="383838"/>
+          <a:bodyPr wrap="square" rtlCol="0" anchor="ctr"/>
+          <a:lstStyle/>
+          <a:p>
+            <a:r>
+              <a:rPr lang="en-US" sz="2400" b="1" dirty="0">
+                <a:solidFill>
+                  <a:srgbClr val="3A1515"/>
                 </a:solidFill>
                 <a:latin typeface="Noto Sans SC" pitchFamily="34" charset="0"/>
                 <a:ea typeface="Noto Sans SC" pitchFamily="34" charset="-122"/>
                 <a:cs typeface="Noto Sans SC" pitchFamily="34" charset="-120"/>
               </a:rPr>
-              <a:t>8. &lt;b&gt;文件操作与异常处理&lt;/b&gt;</a:t>
-            </a:r>
-            <a:endParaRPr lang="en-US" sz="1920" dirty="0"/>
-          </a:p>
-        </p:txBody>
-      </p:sp>
-      <p:sp>
-        <p:nvSpPr>
-          <p:cNvPr id="4" name="Text 1"/>
+              <a:t>5. Python数据结构</a:t>
+            </a:r>
+            <a:endParaRPr lang="en-US" sz="2400" dirty="0"/>
+          </a:p>
+        </p:txBody>
+      </p:sp>
+      <p:pic>
+        <p:nvPicPr>
+          <p:cNvPr id="4" name="Image 1" descr="preencoded.png"/>
+          <p:cNvPicPr>
+            <a:picLocks noChangeAspect="1"/>
+          </p:cNvPicPr>
+          <p:nvPr/>
+        </p:nvPicPr>
+        <p:blipFill>
+          <a:blip r:embed="rId4"/>
+          <a:stretch>
+            <a:fillRect/>
+          </a:stretch>
+        </p:blipFill>
+        <p:spPr>
+          <a:xfrm>
+            <a:off x="895022" y="1304925"/>
+            <a:ext cx="7449207" cy="3333750"/>
+          </a:xfrm>
+          <a:prstGeom prst="rect">
+            <a:avLst/>
+          </a:prstGeom>
+        </p:spPr>
+      </p:pic>
+      <p:sp>
+        <p:nvSpPr>
+          <p:cNvPr id="5" name="Text 1"/>
           <p:cNvSpPr/>
           <p:nvPr/>
         </p:nvSpPr>
         <p:spPr>
           <a:xfrm>
-            <a:off x="552450" y="2466975"/>
-            <a:ext cx="2952750" cy="285750"/>
+            <a:off x="5221999" y="2477485"/>
+            <a:ext cx="2906110" cy="248307"/>
           </a:xfrm>
           <a:prstGeom prst="rect">
             <a:avLst/>
@@ -4114,12 +3966,12 @@
           <a:p>
             <a:pPr marL="0" indent="0" algn="l">
               <a:lnSpc>
-                <a:spcPts val="1920"/>
+                <a:spcPts val="1730"/>
               </a:lnSpc>
               <a:buNone/>
             </a:pPr>
             <a:r>
-              <a:rPr lang="en-US" sz="1300" b="0" dirty="0">
+              <a:rPr lang="en-US" sz="1100" b="0" dirty="0">
                 <a:solidFill>
                   <a:srgbClr val="383838"/>
                 </a:solidFill>
@@ -4127,22 +3979,22 @@
                 <a:ea typeface="Noto Sans SC" pitchFamily="34" charset="-122"/>
                 <a:cs typeface="Noto Sans SC" pitchFamily="34" charset="-120"/>
               </a:rPr>
-              <a:t>文件的打开、读写与关闭</a:t>
-            </a:r>
-            <a:endParaRPr lang="en-US" sz="1280" dirty="0"/>
-          </a:p>
-        </p:txBody>
-      </p:sp>
-      <p:sp>
-        <p:nvSpPr>
-          <p:cNvPr id="5" name="Text 2"/>
+              <a:t>元组（Tuple）</a:t>
+            </a:r>
+            <a:endParaRPr lang="en-US" sz="1110" dirty="0"/>
+          </a:p>
+        </p:txBody>
+      </p:sp>
+      <p:sp>
+        <p:nvSpPr>
+          <p:cNvPr id="6" name="Text 2"/>
           <p:cNvSpPr/>
           <p:nvPr/>
         </p:nvSpPr>
         <p:spPr>
           <a:xfrm>
-            <a:off x="552450" y="3038475"/>
-            <a:ext cx="2952750" cy="285750"/>
+            <a:off x="5221999" y="3291380"/>
+            <a:ext cx="2906110" cy="248307"/>
           </a:xfrm>
           <a:prstGeom prst="rect">
             <a:avLst/>
@@ -4155,12 +4007,12 @@
           <a:p>
             <a:pPr marL="0" indent="0" algn="l">
               <a:lnSpc>
-                <a:spcPts val="1920"/>
+                <a:spcPts val="1730"/>
               </a:lnSpc>
               <a:buNone/>
             </a:pPr>
             <a:r>
-              <a:rPr lang="en-US" sz="1300" b="0" dirty="0">
+              <a:rPr lang="en-US" sz="1100" b="0" dirty="0">
                 <a:solidFill>
                   <a:srgbClr val="383838"/>
                 </a:solidFill>
@@ -4168,9 +4020,91 @@
                 <a:ea typeface="Noto Sans SC" pitchFamily="34" charset="-122"/>
                 <a:cs typeface="Noto Sans SC" pitchFamily="34" charset="-120"/>
               </a:rPr>
-              <a:t>异常捕捉与处理</a:t>
-            </a:r>
-            <a:endParaRPr lang="en-US" sz="1280" dirty="0"/>
+              <a:t>集合（Set）</a:t>
+            </a:r>
+            <a:endParaRPr lang="en-US" sz="1110" dirty="0"/>
+          </a:p>
+        </p:txBody>
+      </p:sp>
+      <p:sp>
+        <p:nvSpPr>
+          <p:cNvPr id="7" name="Text 3"/>
+          <p:cNvSpPr/>
+          <p:nvPr/>
+        </p:nvSpPr>
+        <p:spPr>
+          <a:xfrm>
+            <a:off x="5221999" y="4169651"/>
+            <a:ext cx="2906110" cy="248307"/>
+          </a:xfrm>
+          <a:prstGeom prst="rect">
+            <a:avLst/>
+          </a:prstGeom>
+          <a:noFill/>
+        </p:spPr>
+        <p:txBody>
+          <a:bodyPr wrap="square" rtlCol="0" anchor="t"/>
+          <a:lstStyle/>
+          <a:p>
+            <a:pPr marL="0" indent="0" algn="l">
+              <a:lnSpc>
+                <a:spcPts val="1730"/>
+              </a:lnSpc>
+              <a:buNone/>
+            </a:pPr>
+            <a:r>
+              <a:rPr lang="en-US" sz="1100" b="0" dirty="0">
+                <a:solidFill>
+                  <a:srgbClr val="383838"/>
+                </a:solidFill>
+                <a:latin typeface="Noto Sans SC" pitchFamily="34" charset="0"/>
+                <a:ea typeface="Noto Sans SC" pitchFamily="34" charset="-122"/>
+                <a:cs typeface="Noto Sans SC" pitchFamily="34" charset="-120"/>
+              </a:rPr>
+              <a:t>字典（Dictionary）</a:t>
+            </a:r>
+            <a:endParaRPr lang="en-US" sz="1110" dirty="0"/>
+          </a:p>
+        </p:txBody>
+      </p:sp>
+      <p:sp>
+        <p:nvSpPr>
+          <p:cNvPr id="8" name="Text 4"/>
+          <p:cNvSpPr/>
+          <p:nvPr/>
+        </p:nvSpPr>
+        <p:spPr>
+          <a:xfrm>
+            <a:off x="5221999" y="1658992"/>
+            <a:ext cx="2906110" cy="248307"/>
+          </a:xfrm>
+          <a:prstGeom prst="rect">
+            <a:avLst/>
+          </a:prstGeom>
+          <a:noFill/>
+        </p:spPr>
+        <p:txBody>
+          <a:bodyPr wrap="square" rtlCol="0" anchor="t"/>
+          <a:lstStyle/>
+          <a:p>
+            <a:pPr marL="0" indent="0" algn="l">
+              <a:lnSpc>
+                <a:spcPts val="1730"/>
+              </a:lnSpc>
+              <a:buNone/>
+            </a:pPr>
+            <a:r>
+              <a:rPr lang="en-US" sz="1100" b="0" dirty="0">
+                <a:solidFill>
+                  <a:srgbClr val="383838"/>
+                </a:solidFill>
+                <a:latin typeface="Noto Sans SC" pitchFamily="34" charset="0"/>
+                <a:ea typeface="Noto Sans SC" pitchFamily="34" charset="-122"/>
+                <a:cs typeface="Noto Sans SC" pitchFamily="34" charset="-120"/>
+              </a:rPr>
+              <a:t>列表（List）</a:t>
+            </a:r>
+            <a:endParaRPr lang="en-US" sz="1110" dirty="0"/>
           </a:p>
         </p:txBody>
       </p:sp>
@@ -4201,7 +4135,7 @@
       </p:grpSpPr>
       <p:pic>
         <p:nvPicPr>
-          <p:cNvPr id="2" name="Image 0" descr="preencoded.png"/>
+          <p:cNvPr id="2" name="Image 0" descr="https://assets.mindshow.fun/themes/yellow_bee_honeycomb_vplus_20230307/Content_header.jpg"/>
           <p:cNvPicPr>
             <a:picLocks noChangeAspect="1"/>
           </p:cNvPicPr>
@@ -4216,7 +4150,7 @@
         <p:spPr>
           <a:xfrm>
             <a:off x="0" y="0"/>
-            <a:ext cx="9144000" cy="5143500"/>
+            <a:ext cx="9144000" cy="1000125"/>
           </a:xfrm>
           <a:prstGeom prst="rect">
             <a:avLst/>
@@ -4231,8 +4165,8 @@
         </p:nvSpPr>
         <p:spPr>
           <a:xfrm>
-            <a:off x="971550" y="1090613"/>
-            <a:ext cx="7286625" cy="500063"/>
+            <a:off x="762000" y="228600"/>
+            <a:ext cx="6949440" cy="552450"/>
           </a:xfrm>
           <a:prstGeom prst="rect">
             <a:avLst/>
@@ -4240,35 +4174,58 @@
           <a:noFill/>
         </p:spPr>
         <p:txBody>
-          <a:bodyPr wrap="square" rtlCol="0" anchor="t"/>
-          <a:lstStyle/>
-          <a:p>
-            <a:pPr algn="ctr"/>
-            <a:r>
-              <a:rPr lang="en-US" sz="1800" b="1" dirty="0">
-                <a:solidFill>
-                  <a:srgbClr val="383838"/>
+          <a:bodyPr wrap="square" rtlCol="0" anchor="ctr"/>
+          <a:lstStyle/>
+          <a:p>
+            <a:r>
+              <a:rPr lang="en-US" sz="2400" b="1" dirty="0">
+                <a:solidFill>
+                  <a:srgbClr val="3A1515"/>
                 </a:solidFill>
                 <a:latin typeface="Noto Sans SC" pitchFamily="34" charset="0"/>
                 <a:ea typeface="Noto Sans SC" pitchFamily="34" charset="-122"/>
                 <a:cs typeface="Noto Sans SC" pitchFamily="34" charset="-120"/>
               </a:rPr>
-              <a:t>9. &lt;b&gt;实战项目&lt;/b&gt;</a:t>
-            </a:r>
-            <a:endParaRPr lang="en-US" sz="1760" dirty="0"/>
-          </a:p>
-        </p:txBody>
-      </p:sp>
-      <p:sp>
-        <p:nvSpPr>
-          <p:cNvPr id="4" name="Text 1"/>
+              <a:t>6. Python面向对象编程</a:t>
+            </a:r>
+            <a:endParaRPr lang="en-US" sz="2400" dirty="0"/>
+          </a:p>
+        </p:txBody>
+      </p:sp>
+      <p:pic>
+        <p:nvPicPr>
+          <p:cNvPr id="4" name="Image 1" descr="preencoded.png"/>
+          <p:cNvPicPr>
+            <a:picLocks noChangeAspect="1"/>
+          </p:cNvPicPr>
+          <p:nvPr/>
+        </p:nvPicPr>
+        <p:blipFill>
+          <a:blip r:embed="rId4"/>
+          <a:stretch>
+            <a:fillRect/>
+          </a:stretch>
+        </p:blipFill>
+        <p:spPr>
+          <a:xfrm>
+            <a:off x="895022" y="1304925"/>
+            <a:ext cx="7449207" cy="3333750"/>
+          </a:xfrm>
+          <a:prstGeom prst="rect">
+            <a:avLst/>
+          </a:prstGeom>
+        </p:spPr>
+      </p:pic>
+      <p:sp>
+        <p:nvSpPr>
+          <p:cNvPr id="5" name="Text 1"/>
           <p:cNvSpPr/>
           <p:nvPr/>
         </p:nvSpPr>
         <p:spPr>
           <a:xfrm>
-            <a:off x="800100" y="3124200"/>
-            <a:ext cx="2286000" cy="381000"/>
+            <a:off x="3502244" y="1378497"/>
+            <a:ext cx="2234762" cy="344871"/>
           </a:xfrm>
           <a:prstGeom prst="rect">
             <a:avLst/>
@@ -4279,14 +4236,14 @@
           <a:bodyPr wrap="square" rtlCol="0" anchor="t"/>
           <a:lstStyle/>
           <a:p>
-            <a:pPr marL="0" indent="0" algn="l">
+            <a:pPr marL="0" indent="0" algn="ctr">
               <a:lnSpc>
-                <a:spcPts val="1920"/>
+                <a:spcPts val="2400"/>
               </a:lnSpc>
               <a:buNone/>
             </a:pPr>
             <a:r>
-              <a:rPr lang="en-US" sz="1300" b="0" dirty="0">
+              <a:rPr lang="en-US" sz="1500" b="0" dirty="0">
                 <a:solidFill>
                   <a:srgbClr val="383838"/>
                 </a:solidFill>
@@ -4294,22 +4251,22 @@
                 <a:ea typeface="Noto Sans SC" pitchFamily="34" charset="-122"/>
                 <a:cs typeface="Noto Sans SC" pitchFamily="34" charset="-120"/>
               </a:rPr>
-              <a:t>示例项目介绍</a:t>
-            </a:r>
-            <a:endParaRPr lang="en-US" sz="1280" dirty="0"/>
-          </a:p>
-        </p:txBody>
-      </p:sp>
-      <p:sp>
-        <p:nvSpPr>
-          <p:cNvPr id="5" name="Text 2"/>
+              <a:t>类与对象</a:t>
+            </a:r>
+            <a:endParaRPr lang="en-US" sz="1545" dirty="0"/>
+          </a:p>
+        </p:txBody>
+      </p:sp>
+      <p:sp>
+        <p:nvSpPr>
+          <p:cNvPr id="6" name="Text 2"/>
           <p:cNvSpPr/>
           <p:nvPr/>
         </p:nvSpPr>
         <p:spPr>
           <a:xfrm>
-            <a:off x="3429000" y="3124200"/>
-            <a:ext cx="2286000" cy="381000"/>
+            <a:off x="1028372" y="3355756"/>
+            <a:ext cx="2234762" cy="344871"/>
           </a:xfrm>
           <a:prstGeom prst="rect">
             <a:avLst/>
@@ -4320,14 +4277,14 @@
           <a:bodyPr wrap="square" rtlCol="0" anchor="t"/>
           <a:lstStyle/>
           <a:p>
-            <a:pPr marL="0" indent="0" algn="l">
+            <a:pPr marL="0" indent="0" algn="r">
               <a:lnSpc>
-                <a:spcPts val="1920"/>
+                <a:spcPts val="2400"/>
               </a:lnSpc>
               <a:buNone/>
             </a:pPr>
             <a:r>
-              <a:rPr lang="en-US" sz="1300" b="0" dirty="0">
+              <a:rPr lang="en-US" sz="1500" b="0" dirty="0">
                 <a:solidFill>
                   <a:srgbClr val="383838"/>
                 </a:solidFill>
@@ -4335,22 +4292,22 @@
                 <a:ea typeface="Noto Sans SC" pitchFamily="34" charset="-122"/>
                 <a:cs typeface="Noto Sans SC" pitchFamily="34" charset="-120"/>
               </a:rPr>
-              <a:t>逐步实现项目功能</a:t>
-            </a:r>
-            <a:endParaRPr lang="en-US" sz="1280" dirty="0"/>
-          </a:p>
-        </p:txBody>
-      </p:sp>
-      <p:sp>
-        <p:nvSpPr>
-          <p:cNvPr id="6" name="Text 3"/>
+              <a:t>封装、继承、多态</a:t>
+            </a:r>
+            <a:endParaRPr lang="en-US" sz="1545" dirty="0"/>
+          </a:p>
+        </p:txBody>
+      </p:sp>
+      <p:sp>
+        <p:nvSpPr>
+          <p:cNvPr id="7" name="Text 3"/>
           <p:cNvSpPr/>
           <p:nvPr/>
         </p:nvSpPr>
         <p:spPr>
           <a:xfrm>
-            <a:off x="6057900" y="3124200"/>
-            <a:ext cx="2286000" cy="381000"/>
+            <a:off x="5980715" y="3355756"/>
+            <a:ext cx="2234762" cy="689741"/>
           </a:xfrm>
           <a:prstGeom prst="rect">
             <a:avLst/>
@@ -4361,24 +4318,20 @@
           <a:bodyPr wrap="square" rtlCol="0" anchor="t"/>
           <a:lstStyle/>
           <a:p>
-            <a:pPr marL="0" indent="0" algn="l">
+            <a:pPr algn="l">
               <a:lnSpc>
-                <a:spcPts val="1920"/>
+                <a:spcPts val="2400"/>
               </a:lnSpc>
-              <a:buNone/>
             </a:pPr>
             <a:r>
-              <a:rPr lang="en-US" sz="1300" b="0" dirty="0">
+              <a:rPr lang="en-US" sz="1500" dirty="0">
                 <a:solidFill>
                   <a:srgbClr val="383838"/>
                 </a:solidFill>
-                <a:latin typeface="Noto Sans SC" pitchFamily="34" charset="0"/>
-                <a:ea typeface="Noto Sans SC" pitchFamily="34" charset="-122"/>
-                <a:cs typeface="Noto Sans SC" pitchFamily="34" charset="-120"/>
-              </a:rPr>
-              <a:t>总结与优化</a:t>
-            </a:r>
-            <a:endParaRPr lang="en-US" sz="1280" dirty="0"/>
+              </a:rPr>
+              <a:t>特殊方法（如__init__、str）</a:t>
+            </a:r>
+            <a:endParaRPr lang="en-US" sz="1545" dirty="0"/>
           </a:p>
         </p:txBody>
       </p:sp>
@@ -4387,13 +4340,6 @@
   <p:clrMapOvr>
     <a:masterClrMapping/>
   </p:clrMapOvr>
-  <p:timing>
-    <p:tnLst>
-      <p:par>
-        <p:cTn id="1" dur="indefinite" restart="never" nodeType="tmRoot"/>
-      </p:par>
-    </p:tnLst>
-  </p:timing>
 </p:sld>
 </file>
 
@@ -4414,16 +4360,40 @@
           <a:chExt cx="0" cy="0"/>
         </a:xfrm>
       </p:grpSpPr>
-      <p:sp>
-        <p:nvSpPr>
-          <p:cNvPr id="2" name="文本框 1"/>
-          <p:cNvSpPr txBox="1"/>
-          <p:nvPr/>
-        </p:nvSpPr>
-        <p:spPr>
-          <a:xfrm>
-            <a:off x="1450428" y="1324303"/>
-            <a:ext cx="3153103" cy="1477328"/>
+      <p:pic>
+        <p:nvPicPr>
+          <p:cNvPr id="2" name="Image 0" descr="preencoded.png"/>
+          <p:cNvPicPr>
+            <a:picLocks noChangeAspect="1"/>
+          </p:cNvPicPr>
+          <p:nvPr/>
+        </p:nvPicPr>
+        <p:blipFill>
+          <a:blip r:embed="rId3"/>
+          <a:stretch>
+            <a:fillRect/>
+          </a:stretch>
+        </p:blipFill>
+        <p:spPr>
+          <a:xfrm>
+            <a:off x="0" y="0"/>
+            <a:ext cx="9144000" cy="5143500"/>
+          </a:xfrm>
+          <a:prstGeom prst="rect">
+            <a:avLst/>
+          </a:prstGeom>
+        </p:spPr>
+      </p:pic>
+      <p:sp>
+        <p:nvSpPr>
+          <p:cNvPr id="3" name="Text 0"/>
+          <p:cNvSpPr/>
+          <p:nvPr/>
+        </p:nvSpPr>
+        <p:spPr>
+          <a:xfrm>
+            <a:off x="1338263" y="433388"/>
+            <a:ext cx="6462712" cy="690563"/>
           </a:xfrm>
           <a:prstGeom prst="rect">
             <a:avLst/>
@@ -4431,73 +4401,194 @@
           <a:noFill/>
         </p:spPr>
         <p:txBody>
-          <a:bodyPr wrap="square" rtlCol="0">
-            <a:spAutoFit/>
-          </a:bodyPr>
-          <a:lstStyle/>
-          <a:p>
-            <a:r>
-              <a:rPr lang="en-US" altLang="zh-CN" dirty="0" smtClean="0"/>
-              <a:t>Xx</a:t>
-            </a:r>
-          </a:p>
-          <a:p>
-            <a:r>
-              <a:rPr lang="en-US" altLang="zh-CN" dirty="0" err="1" smtClean="0">
-                <a:latin typeface="黑体" panose="02010609060101010101" pitchFamily="49" charset="-122"/>
-                <a:ea typeface="黑体" panose="02010609060101010101" pitchFamily="49" charset="-122"/>
-              </a:rPr>
-              <a:t>Xxxxxxxx</a:t>
-            </a:r>
-            <a:endParaRPr lang="en-US" altLang="zh-CN" dirty="0" smtClean="0">
-              <a:latin typeface="黑体" panose="02010609060101010101" pitchFamily="49" charset="-122"/>
-              <a:ea typeface="黑体" panose="02010609060101010101" pitchFamily="49" charset="-122"/>
-            </a:endParaRPr>
-          </a:p>
-          <a:p>
-            <a:r>
-              <a:rPr lang="en-US" altLang="zh-CN" dirty="0" err="1" smtClean="0">
-                <a:latin typeface="楷体" panose="02010609060101010101" pitchFamily="49" charset="-122"/>
-                <a:ea typeface="楷体" panose="02010609060101010101" pitchFamily="49" charset="-122"/>
-                <a:cs typeface="Ebrima" panose="02000000000000000000" pitchFamily="2" charset="0"/>
-              </a:rPr>
-              <a:t>Xxxxxxx</a:t>
-            </a:r>
-            <a:endParaRPr lang="en-US" altLang="zh-CN" dirty="0" smtClean="0">
-              <a:latin typeface="楷体" panose="02010609060101010101" pitchFamily="49" charset="-122"/>
-              <a:ea typeface="楷体" panose="02010609060101010101" pitchFamily="49" charset="-122"/>
-              <a:cs typeface="Ebrima" panose="02000000000000000000" pitchFamily="2" charset="0"/>
-            </a:endParaRPr>
-          </a:p>
-          <a:p>
-            <a:endParaRPr lang="en-US" altLang="zh-CN" dirty="0"/>
-          </a:p>
-          <a:p>
-            <a:r>
-              <a:rPr lang="en-US" altLang="zh-CN" dirty="0" err="1" smtClean="0"/>
-              <a:t>xxxxx</a:t>
-            </a:r>
-            <a:endParaRPr lang="zh-CN" altLang="en-US" dirty="0"/>
+          <a:bodyPr wrap="square" rtlCol="0" anchor="t"/>
+          <a:lstStyle/>
+          <a:p>
+            <a:pPr algn="ctr"/>
+            <a:r>
+              <a:rPr lang="en-US" sz="2600" b="1" dirty="0">
+                <a:solidFill>
+                  <a:srgbClr val="383838"/>
+                </a:solidFill>
+                <a:latin typeface="Noto Sans SC" pitchFamily="34" charset="0"/>
+                <a:ea typeface="Noto Sans SC" pitchFamily="34" charset="-122"/>
+                <a:cs typeface="Noto Sans SC" pitchFamily="34" charset="-120"/>
+              </a:rPr>
+              <a:t>7. &lt;b&gt;常用Python模块&lt;/b&gt;</a:t>
+            </a:r>
+            <a:endParaRPr lang="en-US" sz="2560" dirty="0"/>
+          </a:p>
+        </p:txBody>
+      </p:sp>
+      <p:sp>
+        <p:nvSpPr>
+          <p:cNvPr id="4" name="Text 1"/>
+          <p:cNvSpPr/>
+          <p:nvPr/>
+        </p:nvSpPr>
+        <p:spPr>
+          <a:xfrm>
+            <a:off x="757238" y="2924175"/>
+            <a:ext cx="1562100" cy="381000"/>
+          </a:xfrm>
+          <a:prstGeom prst="rect">
+            <a:avLst/>
+          </a:prstGeom>
+          <a:noFill/>
+        </p:spPr>
+        <p:txBody>
+          <a:bodyPr wrap="square" rtlCol="0" anchor="t"/>
+          <a:lstStyle/>
+          <a:p>
+            <a:pPr marL="0" indent="0" algn="ctr">
+              <a:lnSpc>
+                <a:spcPts val="1920"/>
+              </a:lnSpc>
+              <a:buNone/>
+            </a:pPr>
+            <a:r>
+              <a:rPr lang="en-US" sz="1300" b="0" dirty="0">
+                <a:solidFill>
+                  <a:srgbClr val="383838"/>
+                </a:solidFill>
+                <a:latin typeface="Noto Sans SC" pitchFamily="34" charset="0"/>
+                <a:ea typeface="Noto Sans SC" pitchFamily="34" charset="-122"/>
+                <a:cs typeface="Noto Sans SC" pitchFamily="34" charset="-120"/>
+              </a:rPr>
+              <a:t>os模块</a:t>
+            </a:r>
+            <a:endParaRPr lang="en-US" sz="1280" dirty="0"/>
+          </a:p>
+        </p:txBody>
+      </p:sp>
+      <p:sp>
+        <p:nvSpPr>
+          <p:cNvPr id="5" name="Text 2"/>
+          <p:cNvSpPr/>
+          <p:nvPr/>
+        </p:nvSpPr>
+        <p:spPr>
+          <a:xfrm>
+            <a:off x="2776538" y="2924175"/>
+            <a:ext cx="1562100" cy="381000"/>
+          </a:xfrm>
+          <a:prstGeom prst="rect">
+            <a:avLst/>
+          </a:prstGeom>
+          <a:noFill/>
+        </p:spPr>
+        <p:txBody>
+          <a:bodyPr wrap="square" rtlCol="0" anchor="t"/>
+          <a:lstStyle/>
+          <a:p>
+            <a:pPr marL="0" indent="0" algn="ctr">
+              <a:lnSpc>
+                <a:spcPts val="1920"/>
+              </a:lnSpc>
+              <a:buNone/>
+            </a:pPr>
+            <a:r>
+              <a:rPr lang="en-US" sz="1300" b="0" dirty="0">
+                <a:solidFill>
+                  <a:srgbClr val="383838"/>
+                </a:solidFill>
+                <a:latin typeface="Noto Sans SC" pitchFamily="34" charset="0"/>
+                <a:ea typeface="Noto Sans SC" pitchFamily="34" charset="-122"/>
+                <a:cs typeface="Noto Sans SC" pitchFamily="34" charset="-120"/>
+              </a:rPr>
+              <a:t>sys模块</a:t>
+            </a:r>
+            <a:endParaRPr lang="en-US" sz="1280" dirty="0"/>
+          </a:p>
+        </p:txBody>
+      </p:sp>
+      <p:sp>
+        <p:nvSpPr>
+          <p:cNvPr id="6" name="Text 3"/>
+          <p:cNvSpPr/>
+          <p:nvPr/>
+        </p:nvSpPr>
+        <p:spPr>
+          <a:xfrm>
+            <a:off x="4805363" y="2924175"/>
+            <a:ext cx="1562100" cy="381000"/>
+          </a:xfrm>
+          <a:prstGeom prst="rect">
+            <a:avLst/>
+          </a:prstGeom>
+          <a:noFill/>
+        </p:spPr>
+        <p:txBody>
+          <a:bodyPr wrap="square" rtlCol="0" anchor="t"/>
+          <a:lstStyle/>
+          <a:p>
+            <a:pPr marL="0" indent="0" algn="ctr">
+              <a:lnSpc>
+                <a:spcPts val="1920"/>
+              </a:lnSpc>
+              <a:buNone/>
+            </a:pPr>
+            <a:r>
+              <a:rPr lang="en-US" sz="1300" b="0" dirty="0">
+                <a:solidFill>
+                  <a:srgbClr val="383838"/>
+                </a:solidFill>
+                <a:latin typeface="Noto Sans SC" pitchFamily="34" charset="0"/>
+                <a:ea typeface="Noto Sans SC" pitchFamily="34" charset="-122"/>
+                <a:cs typeface="Noto Sans SC" pitchFamily="34" charset="-120"/>
+              </a:rPr>
+              <a:t>datetime模块</a:t>
+            </a:r>
+            <a:endParaRPr lang="en-US" sz="1280" dirty="0"/>
+          </a:p>
+        </p:txBody>
+      </p:sp>
+      <p:sp>
+        <p:nvSpPr>
+          <p:cNvPr id="7" name="Text 4"/>
+          <p:cNvSpPr/>
+          <p:nvPr/>
+        </p:nvSpPr>
+        <p:spPr>
+          <a:xfrm>
+            <a:off x="6824663" y="2924175"/>
+            <a:ext cx="1562100" cy="381000"/>
+          </a:xfrm>
+          <a:prstGeom prst="rect">
+            <a:avLst/>
+          </a:prstGeom>
+          <a:noFill/>
+        </p:spPr>
+        <p:txBody>
+          <a:bodyPr wrap="square" rtlCol="0" anchor="t"/>
+          <a:lstStyle/>
+          <a:p>
+            <a:pPr marL="0" indent="0" algn="ctr">
+              <a:lnSpc>
+                <a:spcPts val="1920"/>
+              </a:lnSpc>
+              <a:buNone/>
+            </a:pPr>
+            <a:r>
+              <a:rPr lang="en-US" sz="1300" b="0" dirty="0">
+                <a:solidFill>
+                  <a:srgbClr val="383838"/>
+                </a:solidFill>
+                <a:latin typeface="Noto Sans SC" pitchFamily="34" charset="0"/>
+                <a:ea typeface="Noto Sans SC" pitchFamily="34" charset="-122"/>
+                <a:cs typeface="Noto Sans SC" pitchFamily="34" charset="-120"/>
+              </a:rPr>
+              <a:t>math模块</a:t>
+            </a:r>
+            <a:endParaRPr lang="en-US" sz="1280" dirty="0"/>
           </a:p>
         </p:txBody>
       </p:sp>
     </p:spTree>
-    <p:extLst>
-      <p:ext uri="{BB962C8B-B14F-4D97-AF65-F5344CB8AC3E}">
-        <p14:creationId xmlns:p14="http://schemas.microsoft.com/office/powerpoint/2010/main" val="103434313"/>
-      </p:ext>
-    </p:extLst>
   </p:cSld>
   <p:clrMapOvr>
     <a:masterClrMapping/>
   </p:clrMapOvr>
-  <p:timing>
-    <p:tnLst>
-      <p:par>
-        <p:cTn id="1" dur="indefinite" restart="never" nodeType="tmRoot"/>
-      </p:par>
-    </p:tnLst>
-  </p:timing>
 </p:sld>
 </file>
 
@@ -4518,16 +4609,40 @@
           <a:chExt cx="0" cy="0"/>
         </a:xfrm>
       </p:grpSpPr>
-      <p:sp>
-        <p:nvSpPr>
-          <p:cNvPr id="2" name="Text 0"/>
+      <p:pic>
+        <p:nvPicPr>
+          <p:cNvPr id="2" name="Image 0" descr="preencoded.png"/>
+          <p:cNvPicPr>
+            <a:picLocks noChangeAspect="1"/>
+          </p:cNvPicPr>
+          <p:nvPr/>
+        </p:nvPicPr>
+        <p:blipFill>
+          <a:blip r:embed="rId3"/>
+          <a:stretch>
+            <a:fillRect/>
+          </a:stretch>
+        </p:blipFill>
+        <p:spPr>
+          <a:xfrm>
+            <a:off x="0" y="0"/>
+            <a:ext cx="9144000" cy="5143500"/>
+          </a:xfrm>
+          <a:prstGeom prst="rect">
+            <a:avLst/>
+          </a:prstGeom>
+        </p:spPr>
+      </p:pic>
+      <p:sp>
+        <p:nvSpPr>
+          <p:cNvPr id="3" name="Text 0"/>
           <p:cNvSpPr/>
           <p:nvPr/>
         </p:nvSpPr>
         <p:spPr>
           <a:xfrm>
-            <a:off x="2871788" y="2633663"/>
-            <a:ext cx="3395663" cy="552450"/>
+            <a:off x="466725" y="376238"/>
+            <a:ext cx="4086225" cy="552450"/>
           </a:xfrm>
           <a:prstGeom prst="rect">
             <a:avLst/>
@@ -4538,9 +4653,8 @@
           <a:bodyPr wrap="square" rtlCol="0" anchor="t"/>
           <a:lstStyle/>
           <a:p>
-            <a:pPr algn="ctr"/>
-            <a:r>
-              <a:rPr lang="en-US" sz="2400" b="1" dirty="0">
+            <a:r>
+              <a:rPr lang="en-US" sz="1900" b="1" dirty="0">
                 <a:solidFill>
                   <a:srgbClr val="383838"/>
                 </a:solidFill>
@@ -4548,22 +4662,22 @@
                 <a:ea typeface="Noto Sans SC" pitchFamily="34" charset="-122"/>
                 <a:cs typeface="Noto Sans SC" pitchFamily="34" charset="-120"/>
               </a:rPr>
-              <a:t>THE END</a:t>
-            </a:r>
-            <a:endParaRPr lang="en-US" sz="2400" dirty="0"/>
-          </a:p>
-        </p:txBody>
-      </p:sp>
-      <p:sp>
-        <p:nvSpPr>
-          <p:cNvPr id="3" name="Text 1"/>
+              <a:t>8. &lt;b&gt;文件操作与异常处理&lt;/b&gt;</a:t>
+            </a:r>
+            <a:endParaRPr lang="en-US" sz="1920" dirty="0"/>
+          </a:p>
+        </p:txBody>
+      </p:sp>
+      <p:sp>
+        <p:nvSpPr>
+          <p:cNvPr id="4" name="Text 1"/>
           <p:cNvSpPr/>
           <p:nvPr/>
         </p:nvSpPr>
         <p:spPr>
           <a:xfrm>
-            <a:off x="2871788" y="3076575"/>
-            <a:ext cx="3395663" cy="1033463"/>
+            <a:off x="552450" y="2466975"/>
+            <a:ext cx="2952750" cy="285750"/>
           </a:xfrm>
           <a:prstGeom prst="rect">
             <a:avLst/>
@@ -4574,23 +4688,381 @@
           <a:bodyPr wrap="square" rtlCol="0" anchor="t"/>
           <a:lstStyle/>
           <a:p>
-            <a:pPr algn="ctr"/>
-            <a:r>
-              <a:rPr lang="en-US" sz="4500" b="1" dirty="0">
-                <a:solidFill>
-                  <a:srgbClr val="3A1515"/>
+            <a:pPr marL="0" indent="0" algn="l">
+              <a:lnSpc>
+                <a:spcPts val="1920"/>
+              </a:lnSpc>
+              <a:buNone/>
+            </a:pPr>
+            <a:r>
+              <a:rPr lang="en-US" sz="1300" b="0" dirty="0">
+                <a:solidFill>
+                  <a:srgbClr val="383838"/>
                 </a:solidFill>
                 <a:latin typeface="Noto Sans SC" pitchFamily="34" charset="0"/>
                 <a:ea typeface="Noto Sans SC" pitchFamily="34" charset="-122"/>
                 <a:cs typeface="Noto Sans SC" pitchFamily="34" charset="-120"/>
               </a:rPr>
-              <a:t>THANKS</a:t>
-            </a:r>
-            <a:endParaRPr lang="en-US" sz="4500" dirty="0"/>
+              <a:t>文件的打开、读写与关闭</a:t>
+            </a:r>
+            <a:endParaRPr lang="en-US" sz="1280" dirty="0"/>
+          </a:p>
+        </p:txBody>
+      </p:sp>
+      <p:sp>
+        <p:nvSpPr>
+          <p:cNvPr id="5" name="Text 2"/>
+          <p:cNvSpPr/>
+          <p:nvPr/>
+        </p:nvSpPr>
+        <p:spPr>
+          <a:xfrm>
+            <a:off x="552450" y="3038475"/>
+            <a:ext cx="2952750" cy="285750"/>
+          </a:xfrm>
+          <a:prstGeom prst="rect">
+            <a:avLst/>
+          </a:prstGeom>
+          <a:noFill/>
+        </p:spPr>
+        <p:txBody>
+          <a:bodyPr wrap="square" rtlCol="0" anchor="t"/>
+          <a:lstStyle/>
+          <a:p>
+            <a:pPr marL="0" indent="0" algn="l">
+              <a:lnSpc>
+                <a:spcPts val="1920"/>
+              </a:lnSpc>
+              <a:buNone/>
+            </a:pPr>
+            <a:r>
+              <a:rPr lang="en-US" sz="1300" b="0" dirty="0">
+                <a:solidFill>
+                  <a:srgbClr val="383838"/>
+                </a:solidFill>
+                <a:latin typeface="Noto Sans SC" pitchFamily="34" charset="0"/>
+                <a:ea typeface="Noto Sans SC" pitchFamily="34" charset="-122"/>
+                <a:cs typeface="Noto Sans SC" pitchFamily="34" charset="-120"/>
+              </a:rPr>
+              <a:t>异常捕捉与处理</a:t>
+            </a:r>
+            <a:endParaRPr lang="en-US" sz="1280" dirty="0"/>
           </a:p>
         </p:txBody>
       </p:sp>
     </p:spTree>
+  </p:cSld>
+  <p:clrMapOvr>
+    <a:masterClrMapping/>
+  </p:clrMapOvr>
+</p:sld>
+</file>
+
+<file path=ppt/slides/slide18.xml><?xml version="1.0" encoding="utf-8"?>
+<p:sld xmlns:a="http://schemas.openxmlformats.org/drawingml/2006/main" xmlns:r="http://schemas.openxmlformats.org/officeDocument/2006/relationships" xmlns:p="http://schemas.openxmlformats.org/presentationml/2006/main">
+  <p:cSld>
+    <p:spTree>
+      <p:nvGrpSpPr>
+        <p:cNvPr id="1" name=""/>
+        <p:cNvGrpSpPr/>
+        <p:nvPr/>
+      </p:nvGrpSpPr>
+      <p:grpSpPr>
+        <a:xfrm>
+          <a:off x="0" y="0"/>
+          <a:ext cx="0" cy="0"/>
+          <a:chOff x="0" y="0"/>
+          <a:chExt cx="0" cy="0"/>
+        </a:xfrm>
+      </p:grpSpPr>
+      <p:pic>
+        <p:nvPicPr>
+          <p:cNvPr id="2" name="Image 0" descr="preencoded.png"/>
+          <p:cNvPicPr>
+            <a:picLocks noChangeAspect="1"/>
+          </p:cNvPicPr>
+          <p:nvPr/>
+        </p:nvPicPr>
+        <p:blipFill>
+          <a:blip r:embed="rId3"/>
+          <a:stretch>
+            <a:fillRect/>
+          </a:stretch>
+        </p:blipFill>
+        <p:spPr>
+          <a:xfrm>
+            <a:off x="0" y="0"/>
+            <a:ext cx="9144000" cy="5143500"/>
+          </a:xfrm>
+          <a:prstGeom prst="rect">
+            <a:avLst/>
+          </a:prstGeom>
+        </p:spPr>
+      </p:pic>
+      <p:sp>
+        <p:nvSpPr>
+          <p:cNvPr id="3" name="Text 0"/>
+          <p:cNvSpPr/>
+          <p:nvPr/>
+        </p:nvSpPr>
+        <p:spPr>
+          <a:xfrm>
+            <a:off x="971550" y="1090613"/>
+            <a:ext cx="7286625" cy="500063"/>
+          </a:xfrm>
+          <a:prstGeom prst="rect">
+            <a:avLst/>
+          </a:prstGeom>
+          <a:noFill/>
+        </p:spPr>
+        <p:txBody>
+          <a:bodyPr wrap="square" rtlCol="0" anchor="t"/>
+          <a:lstStyle/>
+          <a:p>
+            <a:pPr algn="ctr"/>
+            <a:r>
+              <a:rPr lang="en-US" sz="1800" b="1" dirty="0">
+                <a:solidFill>
+                  <a:srgbClr val="383838"/>
+                </a:solidFill>
+                <a:latin typeface="Noto Sans SC" pitchFamily="34" charset="0"/>
+                <a:ea typeface="Noto Sans SC" pitchFamily="34" charset="-122"/>
+                <a:cs typeface="Noto Sans SC" pitchFamily="34" charset="-120"/>
+              </a:rPr>
+              <a:t>9. &lt;b&gt;实战项目&lt;/b&gt;</a:t>
+            </a:r>
+            <a:endParaRPr lang="en-US" sz="1760" dirty="0"/>
+          </a:p>
+        </p:txBody>
+      </p:sp>
+      <p:sp>
+        <p:nvSpPr>
+          <p:cNvPr id="4" name="Text 1"/>
+          <p:cNvSpPr/>
+          <p:nvPr/>
+        </p:nvSpPr>
+        <p:spPr>
+          <a:xfrm>
+            <a:off x="800100" y="3124200"/>
+            <a:ext cx="2286000" cy="381000"/>
+          </a:xfrm>
+          <a:prstGeom prst="rect">
+            <a:avLst/>
+          </a:prstGeom>
+          <a:noFill/>
+        </p:spPr>
+        <p:txBody>
+          <a:bodyPr wrap="square" rtlCol="0" anchor="t"/>
+          <a:lstStyle/>
+          <a:p>
+            <a:pPr marL="0" indent="0" algn="l">
+              <a:lnSpc>
+                <a:spcPts val="1920"/>
+              </a:lnSpc>
+              <a:buNone/>
+            </a:pPr>
+            <a:r>
+              <a:rPr lang="en-US" sz="1300" b="0" dirty="0">
+                <a:solidFill>
+                  <a:srgbClr val="383838"/>
+                </a:solidFill>
+                <a:latin typeface="Noto Sans SC" pitchFamily="34" charset="0"/>
+                <a:ea typeface="Noto Sans SC" pitchFamily="34" charset="-122"/>
+                <a:cs typeface="Noto Sans SC" pitchFamily="34" charset="-120"/>
+              </a:rPr>
+              <a:t>示例项目介绍</a:t>
+            </a:r>
+            <a:endParaRPr lang="en-US" sz="1280" dirty="0"/>
+          </a:p>
+        </p:txBody>
+      </p:sp>
+      <p:sp>
+        <p:nvSpPr>
+          <p:cNvPr id="5" name="Text 2"/>
+          <p:cNvSpPr/>
+          <p:nvPr/>
+        </p:nvSpPr>
+        <p:spPr>
+          <a:xfrm>
+            <a:off x="3429000" y="3124200"/>
+            <a:ext cx="2286000" cy="381000"/>
+          </a:xfrm>
+          <a:prstGeom prst="rect">
+            <a:avLst/>
+          </a:prstGeom>
+          <a:noFill/>
+        </p:spPr>
+        <p:txBody>
+          <a:bodyPr wrap="square" rtlCol="0" anchor="t"/>
+          <a:lstStyle/>
+          <a:p>
+            <a:pPr marL="0" indent="0" algn="l">
+              <a:lnSpc>
+                <a:spcPts val="1920"/>
+              </a:lnSpc>
+              <a:buNone/>
+            </a:pPr>
+            <a:r>
+              <a:rPr lang="en-US" sz="1300" b="0" dirty="0">
+                <a:solidFill>
+                  <a:srgbClr val="383838"/>
+                </a:solidFill>
+                <a:latin typeface="Noto Sans SC" pitchFamily="34" charset="0"/>
+                <a:ea typeface="Noto Sans SC" pitchFamily="34" charset="-122"/>
+                <a:cs typeface="Noto Sans SC" pitchFamily="34" charset="-120"/>
+              </a:rPr>
+              <a:t>逐步实现项目功能</a:t>
+            </a:r>
+            <a:endParaRPr lang="en-US" sz="1280" dirty="0"/>
+          </a:p>
+        </p:txBody>
+      </p:sp>
+      <p:sp>
+        <p:nvSpPr>
+          <p:cNvPr id="6" name="Text 3"/>
+          <p:cNvSpPr/>
+          <p:nvPr/>
+        </p:nvSpPr>
+        <p:spPr>
+          <a:xfrm>
+            <a:off x="6057900" y="3124200"/>
+            <a:ext cx="2286000" cy="381000"/>
+          </a:xfrm>
+          <a:prstGeom prst="rect">
+            <a:avLst/>
+          </a:prstGeom>
+          <a:noFill/>
+        </p:spPr>
+        <p:txBody>
+          <a:bodyPr wrap="square" rtlCol="0" anchor="t"/>
+          <a:lstStyle/>
+          <a:p>
+            <a:pPr marL="0" indent="0" algn="l">
+              <a:lnSpc>
+                <a:spcPts val="1920"/>
+              </a:lnSpc>
+              <a:buNone/>
+            </a:pPr>
+            <a:r>
+              <a:rPr lang="en-US" sz="1300" b="0" dirty="0">
+                <a:solidFill>
+                  <a:srgbClr val="383838"/>
+                </a:solidFill>
+                <a:latin typeface="Noto Sans SC" pitchFamily="34" charset="0"/>
+                <a:ea typeface="Noto Sans SC" pitchFamily="34" charset="-122"/>
+                <a:cs typeface="Noto Sans SC" pitchFamily="34" charset="-120"/>
+              </a:rPr>
+              <a:t>总结与优化</a:t>
+            </a:r>
+            <a:endParaRPr lang="en-US" sz="1280" dirty="0"/>
+          </a:p>
+        </p:txBody>
+      </p:sp>
+    </p:spTree>
+  </p:cSld>
+  <p:clrMapOvr>
+    <a:masterClrMapping/>
+  </p:clrMapOvr>
+  <p:timing>
+    <p:tnLst>
+      <p:par>
+        <p:cTn id="1" dur="indefinite" restart="never" nodeType="tmRoot"/>
+      </p:par>
+    </p:tnLst>
+  </p:timing>
+</p:sld>
+</file>
+
+<file path=ppt/slides/slide19.xml><?xml version="1.0" encoding="utf-8"?>
+<p:sld xmlns:a="http://schemas.openxmlformats.org/drawingml/2006/main" xmlns:r="http://schemas.openxmlformats.org/officeDocument/2006/relationships" xmlns:p="http://schemas.openxmlformats.org/presentationml/2006/main">
+  <p:cSld>
+    <p:spTree>
+      <p:nvGrpSpPr>
+        <p:cNvPr id="1" name=""/>
+        <p:cNvGrpSpPr/>
+        <p:nvPr/>
+      </p:nvGrpSpPr>
+      <p:grpSpPr>
+        <a:xfrm>
+          <a:off x="0" y="0"/>
+          <a:ext cx="0" cy="0"/>
+          <a:chOff x="0" y="0"/>
+          <a:chExt cx="0" cy="0"/>
+        </a:xfrm>
+      </p:grpSpPr>
+      <p:sp>
+        <p:nvSpPr>
+          <p:cNvPr id="2" name="文本框 1"/>
+          <p:cNvSpPr txBox="1"/>
+          <p:nvPr/>
+        </p:nvSpPr>
+        <p:spPr>
+          <a:xfrm>
+            <a:off x="1450428" y="1324303"/>
+            <a:ext cx="3153103" cy="1477328"/>
+          </a:xfrm>
+          <a:prstGeom prst="rect">
+            <a:avLst/>
+          </a:prstGeom>
+          <a:noFill/>
+        </p:spPr>
+        <p:txBody>
+          <a:bodyPr wrap="square" rtlCol="0">
+            <a:spAutoFit/>
+          </a:bodyPr>
+          <a:lstStyle/>
+          <a:p>
+            <a:r>
+              <a:rPr lang="en-US" altLang="zh-CN" dirty="0" smtClean="0"/>
+              <a:t>Xx</a:t>
+            </a:r>
+          </a:p>
+          <a:p>
+            <a:r>
+              <a:rPr lang="en-US" altLang="zh-CN" dirty="0" err="1" smtClean="0">
+                <a:latin typeface="黑体" panose="02010609060101010101" pitchFamily="49" charset="-122"/>
+                <a:ea typeface="黑体" panose="02010609060101010101" pitchFamily="49" charset="-122"/>
+              </a:rPr>
+              <a:t>Xxxxxxxx</a:t>
+            </a:r>
+            <a:endParaRPr lang="en-US" altLang="zh-CN" dirty="0" smtClean="0">
+              <a:latin typeface="黑体" panose="02010609060101010101" pitchFamily="49" charset="-122"/>
+              <a:ea typeface="黑体" panose="02010609060101010101" pitchFamily="49" charset="-122"/>
+            </a:endParaRPr>
+          </a:p>
+          <a:p>
+            <a:r>
+              <a:rPr lang="en-US" altLang="zh-CN" dirty="0" err="1" smtClean="0">
+                <a:latin typeface="楷体" panose="02010609060101010101" pitchFamily="49" charset="-122"/>
+                <a:ea typeface="楷体" panose="02010609060101010101" pitchFamily="49" charset="-122"/>
+                <a:cs typeface="Ebrima" panose="02000000000000000000" pitchFamily="2" charset="0"/>
+              </a:rPr>
+              <a:t>Xxxxxxx</a:t>
+            </a:r>
+            <a:endParaRPr lang="en-US" altLang="zh-CN" dirty="0" smtClean="0">
+              <a:latin typeface="楷体" panose="02010609060101010101" pitchFamily="49" charset="-122"/>
+              <a:ea typeface="楷体" panose="02010609060101010101" pitchFamily="49" charset="-122"/>
+              <a:cs typeface="Ebrima" panose="02000000000000000000" pitchFamily="2" charset="0"/>
+            </a:endParaRPr>
+          </a:p>
+          <a:p>
+            <a:endParaRPr lang="en-US" altLang="zh-CN" dirty="0"/>
+          </a:p>
+          <a:p>
+            <a:r>
+              <a:rPr lang="en-US" altLang="zh-CN" dirty="0" err="1" smtClean="0"/>
+              <a:t>xxxxx</a:t>
+            </a:r>
+            <a:endParaRPr lang="zh-CN" altLang="en-US" dirty="0"/>
+          </a:p>
+        </p:txBody>
+      </p:sp>
+    </p:spTree>
+    <p:extLst>
+      <p:ext uri="{BB962C8B-B14F-4D97-AF65-F5344CB8AC3E}">
+        <p14:creationId xmlns:p14="http://schemas.microsoft.com/office/powerpoint/2010/main" val="103434313"/>
+      </p:ext>
+    </p:extLst>
   </p:cSld>
   <p:clrMapOvr>
     <a:masterClrMapping/>
@@ -4689,6 +5161,110 @@
               <a:t>目录</a:t>
             </a:r>
             <a:endParaRPr lang="en-US" sz="3840" dirty="0"/>
+          </a:p>
+        </p:txBody>
+      </p:sp>
+    </p:spTree>
+  </p:cSld>
+  <p:clrMapOvr>
+    <a:masterClrMapping/>
+  </p:clrMapOvr>
+  <p:timing>
+    <p:tnLst>
+      <p:par>
+        <p:cTn id="1" dur="indefinite" restart="never" nodeType="tmRoot"/>
+      </p:par>
+    </p:tnLst>
+  </p:timing>
+</p:sld>
+</file>
+
+<file path=ppt/slides/slide20.xml><?xml version="1.0" encoding="utf-8"?>
+<p:sld xmlns:a="http://schemas.openxmlformats.org/drawingml/2006/main" xmlns:r="http://schemas.openxmlformats.org/officeDocument/2006/relationships" xmlns:p="http://schemas.openxmlformats.org/presentationml/2006/main">
+  <p:cSld>
+    <p:spTree>
+      <p:nvGrpSpPr>
+        <p:cNvPr id="1" name=""/>
+        <p:cNvGrpSpPr/>
+        <p:nvPr/>
+      </p:nvGrpSpPr>
+      <p:grpSpPr>
+        <a:xfrm>
+          <a:off x="0" y="0"/>
+          <a:ext cx="0" cy="0"/>
+          <a:chOff x="0" y="0"/>
+          <a:chExt cx="0" cy="0"/>
+        </a:xfrm>
+      </p:grpSpPr>
+      <p:sp>
+        <p:nvSpPr>
+          <p:cNvPr id="2" name="Text 0"/>
+          <p:cNvSpPr/>
+          <p:nvPr/>
+        </p:nvSpPr>
+        <p:spPr>
+          <a:xfrm>
+            <a:off x="2871788" y="2633663"/>
+            <a:ext cx="3395663" cy="552450"/>
+          </a:xfrm>
+          <a:prstGeom prst="rect">
+            <a:avLst/>
+          </a:prstGeom>
+          <a:noFill/>
+        </p:spPr>
+        <p:txBody>
+          <a:bodyPr wrap="square" rtlCol="0" anchor="t"/>
+          <a:lstStyle/>
+          <a:p>
+            <a:pPr algn="ctr"/>
+            <a:r>
+              <a:rPr lang="en-US" sz="2400" b="1" dirty="0">
+                <a:solidFill>
+                  <a:srgbClr val="383838"/>
+                </a:solidFill>
+                <a:latin typeface="Noto Sans SC" pitchFamily="34" charset="0"/>
+                <a:ea typeface="Noto Sans SC" pitchFamily="34" charset="-122"/>
+                <a:cs typeface="Noto Sans SC" pitchFamily="34" charset="-120"/>
+              </a:rPr>
+              <a:t>THE END</a:t>
+            </a:r>
+            <a:endParaRPr lang="en-US" sz="2400" dirty="0"/>
+          </a:p>
+        </p:txBody>
+      </p:sp>
+      <p:sp>
+        <p:nvSpPr>
+          <p:cNvPr id="3" name="Text 1"/>
+          <p:cNvSpPr/>
+          <p:nvPr/>
+        </p:nvSpPr>
+        <p:spPr>
+          <a:xfrm>
+            <a:off x="2871788" y="3076575"/>
+            <a:ext cx="3395663" cy="1033463"/>
+          </a:xfrm>
+          <a:prstGeom prst="rect">
+            <a:avLst/>
+          </a:prstGeom>
+          <a:noFill/>
+        </p:spPr>
+        <p:txBody>
+          <a:bodyPr wrap="square" rtlCol="0" anchor="t"/>
+          <a:lstStyle/>
+          <a:p>
+            <a:pPr algn="ctr"/>
+            <a:r>
+              <a:rPr lang="en-US" sz="4500" b="1" dirty="0">
+                <a:solidFill>
+                  <a:srgbClr val="3A1515"/>
+                </a:solidFill>
+                <a:latin typeface="Noto Sans SC" pitchFamily="34" charset="0"/>
+                <a:ea typeface="Noto Sans SC" pitchFamily="34" charset="-122"/>
+                <a:cs typeface="Noto Sans SC" pitchFamily="34" charset="-120"/>
+              </a:rPr>
+              <a:t>THANKS</a:t>
+            </a:r>
+            <a:endParaRPr lang="en-US" sz="4500" dirty="0"/>
           </a:p>
         </p:txBody>
       </p:sp>
@@ -6463,7 +7039,7 @@
       </p:sp>
       <p:pic>
         <p:nvPicPr>
-          <p:cNvPr id="4" name="图片 3"/>
+          <p:cNvPr id="5" name="图片 4"/>
           <p:cNvPicPr>
             <a:picLocks noChangeAspect="1"/>
           </p:cNvPicPr>
@@ -6477,14 +7053,44 @@
         </p:blipFill>
         <p:spPr>
           <a:xfrm>
-            <a:off x="4227833" y="1286466"/>
-            <a:ext cx="4390190" cy="3614146"/>
+            <a:off x="630621" y="2076662"/>
+            <a:ext cx="6412919" cy="2513928"/>
           </a:xfrm>
           <a:prstGeom prst="rect">
             <a:avLst/>
           </a:prstGeom>
         </p:spPr>
       </p:pic>
+      <p:sp>
+        <p:nvSpPr>
+          <p:cNvPr id="6" name="文本框 5"/>
+          <p:cNvSpPr txBox="1"/>
+          <p:nvPr/>
+        </p:nvSpPr>
+        <p:spPr>
+          <a:xfrm>
+            <a:off x="630621" y="1179261"/>
+            <a:ext cx="4231465" cy="646331"/>
+          </a:xfrm>
+          <a:prstGeom prst="rect">
+            <a:avLst/>
+          </a:prstGeom>
+          <a:noFill/>
+        </p:spPr>
+        <p:txBody>
+          <a:bodyPr wrap="square" rtlCol="0">
+            <a:spAutoFit/>
+          </a:bodyPr>
+          <a:lstStyle/>
+          <a:p>
+            <a:r>
+              <a:rPr lang="en-US" altLang="zh-CN" sz="3600" dirty="0" smtClean="0"/>
+              <a:t>Ping-Pong</a:t>
+            </a:r>
+            <a:endParaRPr lang="zh-CN" altLang="en-US" dirty="0"/>
+          </a:p>
+        </p:txBody>
+      </p:sp>
     </p:spTree>
     <p:extLst>
       <p:ext uri="{BB962C8B-B14F-4D97-AF65-F5344CB8AC3E}">
@@ -6608,7 +7214,7 @@
         </p:blipFill>
         <p:spPr>
           <a:xfrm>
-            <a:off x="4227833" y="1286466"/>
+            <a:off x="4572000" y="1387362"/>
             <a:ext cx="4390190" cy="3614146"/>
           </a:xfrm>
           <a:prstGeom prst="rect">
@@ -6616,6 +7222,60 @@
           </a:prstGeom>
         </p:spPr>
       </p:pic>
+      <p:pic>
+        <p:nvPicPr>
+          <p:cNvPr id="5" name="图片 4"/>
+          <p:cNvPicPr>
+            <a:picLocks noChangeAspect="1"/>
+          </p:cNvPicPr>
+          <p:nvPr/>
+        </p:nvPicPr>
+        <p:blipFill>
+          <a:blip r:embed="rId5"/>
+          <a:stretch>
+            <a:fillRect/>
+          </a:stretch>
+        </p:blipFill>
+        <p:spPr>
+          <a:xfrm>
+            <a:off x="346841" y="1903650"/>
+            <a:ext cx="4112303" cy="2964198"/>
+          </a:xfrm>
+          <a:prstGeom prst="rect">
+            <a:avLst/>
+          </a:prstGeom>
+        </p:spPr>
+      </p:pic>
+      <p:sp>
+        <p:nvSpPr>
+          <p:cNvPr id="6" name="文本框 5"/>
+          <p:cNvSpPr txBox="1"/>
+          <p:nvPr/>
+        </p:nvSpPr>
+        <p:spPr>
+          <a:xfrm>
+            <a:off x="346841" y="1166648"/>
+            <a:ext cx="2837793" cy="646331"/>
+          </a:xfrm>
+          <a:prstGeom prst="rect">
+            <a:avLst/>
+          </a:prstGeom>
+          <a:noFill/>
+        </p:spPr>
+        <p:txBody>
+          <a:bodyPr wrap="square" rtlCol="0">
+            <a:spAutoFit/>
+          </a:bodyPr>
+          <a:lstStyle/>
+          <a:p>
+            <a:r>
+              <a:rPr lang="en-US" altLang="zh-CN" sz="3600" dirty="0" smtClean="0"/>
+              <a:t>Ring</a:t>
+            </a:r>
+            <a:endParaRPr lang="zh-CN" altLang="en-US" dirty="0"/>
+          </a:p>
+        </p:txBody>
+      </p:sp>
     </p:spTree>
   </p:cSld>
   <p:clrMapOvr>

--- a/MPI.pptx
+++ b/MPI.pptx
@@ -214,7 +214,7 @@
           <a:p>
             <a:fld id="{5282F153-3F37-0F45-9E97-73ACFA13230C}" type="datetimeFigureOut">
               <a:rPr lang="en-US"/>
-              <a:t>4/20/2023</a:t>
+              <a:t>2/7/2024</a:t>
             </a:fld>
             <a:endParaRPr lang="en-US"/>
           </a:p>
@@ -3178,7 +3178,7 @@
         </p:nvSpPr>
         <p:spPr>
           <a:xfrm>
-            <a:off x="4367213" y="809625"/>
+            <a:off x="4156703" y="2148264"/>
             <a:ext cx="3958590" cy="1333500"/>
           </a:xfrm>
           <a:prstGeom prst="rect">
@@ -3191,7 +3191,7 @@
           <a:lstStyle/>
           <a:p>
             <a:r>
-              <a:rPr lang="zh-CN" altLang="en-US" sz="2900" b="1" dirty="0">
+              <a:rPr lang="zh-CN" altLang="en-US" sz="6600" b="1" dirty="0">
                 <a:solidFill>
                   <a:srgbClr val="3A1515"/>
                 </a:solidFill>
@@ -3202,7 +3202,7 @@
               <a:t>一小时</a:t>
             </a:r>
             <a:r>
-              <a:rPr lang="en-US" sz="2900" b="1" dirty="0">
+              <a:rPr lang="en-US" sz="6600" b="1" dirty="0">
                 <a:solidFill>
                   <a:srgbClr val="3A1515"/>
                 </a:solidFill>
@@ -3215,7 +3215,7 @@
           </a:p>
           <a:p>
             <a:r>
-              <a:rPr lang="en-US" sz="2900" b="1" dirty="0">
+              <a:rPr lang="en-US" sz="6600" b="1" dirty="0">
                 <a:solidFill>
                   <a:srgbClr val="3A1515"/>
                 </a:solidFill>
@@ -3226,7 +3226,7 @@
               <a:t>MPI</a:t>
             </a:r>
             <a:r>
-              <a:rPr lang="zh-CN" sz="2900" b="1" dirty="0">
+              <a:rPr lang="zh-CN" sz="6600" b="1" dirty="0">
                 <a:solidFill>
                   <a:srgbClr val="3A1515"/>
                 </a:solidFill>
@@ -3306,13 +3306,6 @@
   <p:clrMapOvr>
     <a:masterClrMapping/>
   </p:clrMapOvr>
-  <p:timing>
-    <p:tnLst>
-      <p:par>
-        <p:cTn id="1" dur="indefinite" restart="never" nodeType="tmRoot"/>
-      </p:par>
-    </p:tnLst>
-  </p:timing>
 </p:sld>
 </file>
 
@@ -4963,13 +4956,6 @@
   <p:clrMapOvr>
     <a:masterClrMapping/>
   </p:clrMapOvr>
-  <p:timing>
-    <p:tnLst>
-      <p:par>
-        <p:cTn id="1" dur="indefinite" restart="never" nodeType="tmRoot"/>
-      </p:par>
-    </p:tnLst>
-  </p:timing>
 </p:sld>
 </file>
 
@@ -5013,33 +4999,33 @@
           <a:lstStyle/>
           <a:p>
             <a:r>
-              <a:rPr lang="en-US" altLang="zh-CN" dirty="0" smtClean="0"/>
+              <a:rPr lang="en-US" altLang="zh-CN" dirty="0"/>
               <a:t>Xx</a:t>
             </a:r>
           </a:p>
           <a:p>
             <a:r>
-              <a:rPr lang="en-US" altLang="zh-CN" dirty="0" err="1" smtClean="0">
+              <a:rPr lang="en-US" altLang="zh-CN" dirty="0" err="1">
                 <a:latin typeface="黑体" panose="02010609060101010101" pitchFamily="49" charset="-122"/>
                 <a:ea typeface="黑体" panose="02010609060101010101" pitchFamily="49" charset="-122"/>
               </a:rPr>
               <a:t>Xxxxxxxx</a:t>
             </a:r>
-            <a:endParaRPr lang="en-US" altLang="zh-CN" dirty="0" smtClean="0">
+            <a:endParaRPr lang="en-US" altLang="zh-CN" dirty="0">
               <a:latin typeface="黑体" panose="02010609060101010101" pitchFamily="49" charset="-122"/>
               <a:ea typeface="黑体" panose="02010609060101010101" pitchFamily="49" charset="-122"/>
             </a:endParaRPr>
           </a:p>
           <a:p>
             <a:r>
-              <a:rPr lang="en-US" altLang="zh-CN" dirty="0" err="1" smtClean="0">
+              <a:rPr lang="en-US" altLang="zh-CN" dirty="0" err="1">
                 <a:latin typeface="楷体" panose="02010609060101010101" pitchFamily="49" charset="-122"/>
                 <a:ea typeface="楷体" panose="02010609060101010101" pitchFamily="49" charset="-122"/>
                 <a:cs typeface="Ebrima" panose="02000000000000000000" pitchFamily="2" charset="0"/>
               </a:rPr>
               <a:t>Xxxxxxx</a:t>
             </a:r>
-            <a:endParaRPr lang="en-US" altLang="zh-CN" dirty="0" smtClean="0">
+            <a:endParaRPr lang="en-US" altLang="zh-CN" dirty="0">
               <a:latin typeface="楷体" panose="02010609060101010101" pitchFamily="49" charset="-122"/>
               <a:ea typeface="楷体" panose="02010609060101010101" pitchFamily="49" charset="-122"/>
               <a:cs typeface="Ebrima" panose="02000000000000000000" pitchFamily="2" charset="0"/>
@@ -5050,7 +5036,7 @@
           </a:p>
           <a:p>
             <a:r>
-              <a:rPr lang="en-US" altLang="zh-CN" dirty="0" err="1" smtClean="0"/>
+              <a:rPr lang="en-US" altLang="zh-CN" dirty="0" err="1"/>
               <a:t>xxxxx</a:t>
             </a:r>
             <a:endParaRPr lang="zh-CN" altLang="en-US" dirty="0"/>
@@ -5067,13 +5053,6 @@
   <p:clrMapOvr>
     <a:masterClrMapping/>
   </p:clrMapOvr>
-  <p:timing>
-    <p:tnLst>
-      <p:par>
-        <p:cTn id="1" dur="indefinite" restart="never" nodeType="tmRoot"/>
-      </p:par>
-    </p:tnLst>
-  </p:timing>
 </p:sld>
 </file>
 
@@ -5169,13 +5148,6 @@
   <p:clrMapOvr>
     <a:masterClrMapping/>
   </p:clrMapOvr>
-  <p:timing>
-    <p:tnLst>
-      <p:par>
-        <p:cTn id="1" dur="indefinite" restart="never" nodeType="tmRoot"/>
-      </p:par>
-    </p:tnLst>
-  </p:timing>
 </p:sld>
 </file>
 
@@ -5273,13 +5245,6 @@
   <p:clrMapOvr>
     <a:masterClrMapping/>
   </p:clrMapOvr>
-  <p:timing>
-    <p:tnLst>
-      <p:par>
-        <p:cTn id="1" dur="indefinite" restart="never" nodeType="tmRoot"/>
-      </p:par>
-    </p:tnLst>
-  </p:timing>
 </p:sld>
 </file>
 
@@ -5756,13 +5721,6 @@
   <p:clrMapOvr>
     <a:masterClrMapping/>
   </p:clrMapOvr>
-  <p:timing>
-    <p:tnLst>
-      <p:par>
-        <p:cTn id="1" dur="indefinite" restart="never" nodeType="tmRoot"/>
-      </p:par>
-    </p:tnLst>
-  </p:timing>
 </p:sld>
 </file>
 
@@ -6230,13 +6188,6 @@
   <p:clrMapOvr>
     <a:masterClrMapping/>
   </p:clrMapOvr>
-  <p:timing>
-    <p:tnLst>
-      <p:par>
-        <p:cTn id="1" dur="indefinite" restart="never" nodeType="tmRoot"/>
-      </p:par>
-    </p:tnLst>
-  </p:timing>
 </p:sld>
 </file>
 
@@ -6466,13 +6417,6 @@
   <p:clrMapOvr>
     <a:masterClrMapping/>
   </p:clrMapOvr>
-  <p:timing>
-    <p:tnLst>
-      <p:par>
-        <p:cTn id="1" dur="indefinite" restart="never" nodeType="tmRoot"/>
-      </p:par>
-    </p:tnLst>
-  </p:timing>
 </p:sld>
 </file>
 
@@ -6664,7 +6608,7 @@
             </a:r>
             <a:r>
               <a:rPr lang="zh-CN" altLang="en-US" sz="1235" dirty="0"/>
-              <a:t>配置文件设置    ./configure --disable-fortran</a:t>
+              <a:t>配置文件设置    ./configure    --disable-fortran</a:t>
             </a:r>
           </a:p>
           <a:p>
@@ -6929,6 +6873,36 @@
           <a:xfrm>
             <a:off x="3540125" y="977265"/>
             <a:ext cx="5603875" cy="4163695"/>
+          </a:xfrm>
+          <a:prstGeom prst="rect">
+            <a:avLst/>
+          </a:prstGeom>
+        </p:spPr>
+      </p:pic>
+      <p:pic>
+        <p:nvPicPr>
+          <p:cNvPr id="5" name="图片 4">
+            <a:extLst>
+              <a:ext uri="{FF2B5EF4-FFF2-40B4-BE49-F238E27FC236}">
+                <a16:creationId xmlns:a16="http://schemas.microsoft.com/office/drawing/2014/main" id="{E8E1A762-E962-68D8-561B-7C45DC8B1EAF}"/>
+              </a:ext>
+            </a:extLst>
+          </p:cNvPr>
+          <p:cNvPicPr>
+            <a:picLocks noChangeAspect="1"/>
+          </p:cNvPicPr>
+          <p:nvPr/>
+        </p:nvPicPr>
+        <p:blipFill>
+          <a:blip r:embed="rId5"/>
+          <a:stretch>
+            <a:fillRect/>
+          </a:stretch>
+        </p:blipFill>
+        <p:spPr>
+          <a:xfrm>
+            <a:off x="45183" y="4532529"/>
+            <a:ext cx="3494942" cy="523944"/>
           </a:xfrm>
           <a:prstGeom prst="rect">
             <a:avLst/>
@@ -7084,7 +7058,7 @@
           <a:lstStyle/>
           <a:p>
             <a:r>
-              <a:rPr lang="en-US" altLang="zh-CN" sz="3600" dirty="0" smtClean="0"/>
+              <a:rPr lang="en-US" altLang="zh-CN" sz="3600" dirty="0"/>
               <a:t>Ping-Pong</a:t>
             </a:r>
             <a:endParaRPr lang="zh-CN" altLang="en-US" dirty="0"/>
@@ -7269,7 +7243,7 @@
           <a:lstStyle/>
           <a:p>
             <a:r>
-              <a:rPr lang="en-US" altLang="zh-CN" sz="3600" dirty="0" smtClean="0"/>
+              <a:rPr lang="en-US" altLang="zh-CN" sz="3600" dirty="0"/>
               <a:t>Ring</a:t>
             </a:r>
             <a:endParaRPr lang="zh-CN" altLang="en-US" dirty="0"/>

--- a/MPI.pptx
+++ b/MPI.pptx
@@ -6,7 +6,7 @@
     <p:sldMasterId id="2147483655" r:id="rId2"/>
   </p:sldMasterIdLst>
   <p:notesMasterIdLst>
-    <p:notesMasterId r:id="rId23"/>
+    <p:notesMasterId r:id="rId27"/>
   </p:notesMasterIdLst>
   <p:sldIdLst>
     <p:sldId id="256" r:id="rId3"/>
@@ -16,19 +16,23 @@
     <p:sldId id="272" r:id="rId7"/>
     <p:sldId id="261" r:id="rId8"/>
     <p:sldId id="262" r:id="rId9"/>
-    <p:sldId id="276" r:id="rId10"/>
-    <p:sldId id="274" r:id="rId11"/>
-    <p:sldId id="277" r:id="rId12"/>
-    <p:sldId id="278" r:id="rId13"/>
-    <p:sldId id="279" r:id="rId14"/>
-    <p:sldId id="263" r:id="rId15"/>
-    <p:sldId id="264" r:id="rId16"/>
-    <p:sldId id="265" r:id="rId17"/>
-    <p:sldId id="266" r:id="rId18"/>
-    <p:sldId id="267" r:id="rId19"/>
-    <p:sldId id="268" r:id="rId20"/>
-    <p:sldId id="275" r:id="rId21"/>
-    <p:sldId id="269" r:id="rId22"/>
+    <p:sldId id="280" r:id="rId10"/>
+    <p:sldId id="276" r:id="rId11"/>
+    <p:sldId id="281" r:id="rId12"/>
+    <p:sldId id="282" r:id="rId13"/>
+    <p:sldId id="274" r:id="rId14"/>
+    <p:sldId id="277" r:id="rId15"/>
+    <p:sldId id="283" r:id="rId16"/>
+    <p:sldId id="288" r:id="rId17"/>
+    <p:sldId id="278" r:id="rId18"/>
+    <p:sldId id="284" r:id="rId19"/>
+    <p:sldId id="285" r:id="rId20"/>
+    <p:sldId id="286" r:id="rId21"/>
+    <p:sldId id="289" r:id="rId22"/>
+    <p:sldId id="290" r:id="rId23"/>
+    <p:sldId id="291" r:id="rId24"/>
+    <p:sldId id="287" r:id="rId25"/>
+    <p:sldId id="269" r:id="rId26"/>
   </p:sldIdLst>
   <p:sldSz cx="9144000" cy="5143500" type="screen16x9"/>
   <p:notesSz cx="5143500" cy="9144000"/>
@@ -214,7 +218,7 @@
           <a:p>
             <a:fld id="{5282F153-3F37-0F45-9E97-73ACFA13230C}" type="datetimeFigureOut">
               <a:rPr lang="en-US"/>
-              <a:t>2/7/2024</a:t>
+              <a:t>2/19/2024</a:t>
             </a:fld>
             <a:endParaRPr lang="en-US"/>
           </a:p>
@@ -599,7 +603,91 @@
           <a:bodyPr/>
           <a:lstStyle/>
           <a:p>
-            <a:endParaRPr lang="en-US" dirty="0"/>
+            <a:pPr marL="0" marR="0" lvl="0" indent="0" algn="l" defTabSz="914400" rtl="0" eaLnBrk="1" fontAlgn="auto" latinLnBrk="0" hangingPunct="1">
+              <a:lnSpc>
+                <a:spcPct val="100000"/>
+              </a:lnSpc>
+              <a:spcBef>
+                <a:spcPts val="0"/>
+              </a:spcBef>
+              <a:spcAft>
+                <a:spcPts val="0"/>
+              </a:spcAft>
+              <a:buClrTx/>
+              <a:buSzTx/>
+              <a:buFontTx/>
+              <a:buNone/>
+              <a:tabLst/>
+              <a:defRPr/>
+            </a:pPr>
+            <a:r>
+              <a:rPr lang="zh-CN" altLang="en-US" dirty="0"/>
+              <a:t>在这里我们指定了发送数据的长度，当我们不知道具体传输数据长度时，</a:t>
+            </a:r>
+            <a:r>
+              <a:rPr lang="en-US" altLang="zh-CN" dirty="0" err="1"/>
+              <a:t>mpi</a:t>
+            </a:r>
+            <a:r>
+              <a:rPr lang="zh-CN" altLang="en-US" dirty="0"/>
+              <a:t>也允许我们使用动态的方式来接受数据。</a:t>
+            </a:r>
+            <a:r>
+              <a:rPr lang="en-US" altLang="zh-CN" b="1" i="0" dirty="0">
+                <a:solidFill>
+                  <a:srgbClr val="303030"/>
+                </a:solidFill>
+                <a:effectLst/>
+                <a:latin typeface="Helvetica Neue"/>
+              </a:rPr>
+              <a:t>MPI Probe </a:t>
+            </a:r>
+            <a:r>
+              <a:rPr lang="zh-CN" altLang="en-US" b="1" i="0" dirty="0">
+                <a:solidFill>
+                  <a:srgbClr val="303030"/>
+                </a:solidFill>
+                <a:effectLst/>
+                <a:latin typeface="Helvetica Neue"/>
+              </a:rPr>
+              <a:t>和 </a:t>
+            </a:r>
+            <a:r>
+              <a:rPr lang="en-US" altLang="zh-CN" b="1" i="0" dirty="0">
+                <a:solidFill>
+                  <a:srgbClr val="303030"/>
+                </a:solidFill>
+                <a:effectLst/>
+                <a:latin typeface="Helvetica Neue"/>
+              </a:rPr>
+              <a:t>MPI Status</a:t>
+            </a:r>
+          </a:p>
+          <a:p>
+            <a:pPr marL="0" marR="0" lvl="0" indent="0" algn="l" defTabSz="914400" rtl="0" eaLnBrk="1" fontAlgn="auto" latinLnBrk="0" hangingPunct="1">
+              <a:lnSpc>
+                <a:spcPct val="100000"/>
+              </a:lnSpc>
+              <a:spcBef>
+                <a:spcPts val="0"/>
+              </a:spcBef>
+              <a:spcAft>
+                <a:spcPts val="0"/>
+              </a:spcAft>
+              <a:buClrTx/>
+              <a:buSzTx/>
+              <a:buFontTx/>
+              <a:buNone/>
+              <a:tabLst/>
+              <a:defRPr/>
+            </a:pPr>
+            <a:endParaRPr lang="en-US" altLang="zh-CN" b="1" i="0" dirty="0">
+              <a:solidFill>
+                <a:srgbClr val="303030"/>
+              </a:solidFill>
+              <a:effectLst/>
+              <a:latin typeface="Helvetica Neue"/>
+            </a:endParaRPr>
           </a:p>
         </p:txBody>
       </p:sp>
@@ -629,7 +717,7 @@
     </p:spTree>
     <p:extLst>
       <p:ext uri="{BB962C8B-B14F-4D97-AF65-F5344CB8AC3E}">
-        <p14:creationId xmlns:p14="http://schemas.microsoft.com/office/powerpoint/2010/main" val="1070753733"/>
+        <p14:creationId xmlns:p14="http://schemas.microsoft.com/office/powerpoint/2010/main" val="4229157841"/>
       </p:ext>
     </p:extLst>
   </p:cSld>
@@ -713,7 +801,7 @@
     </p:spTree>
     <p:extLst>
       <p:ext uri="{BB962C8B-B14F-4D97-AF65-F5344CB8AC3E}">
-        <p14:creationId xmlns:p14="http://schemas.microsoft.com/office/powerpoint/2010/main" val="3209954012"/>
+        <p14:creationId xmlns:p14="http://schemas.microsoft.com/office/powerpoint/2010/main" val="2638748311"/>
       </p:ext>
     </p:extLst>
   </p:cSld>
@@ -795,11 +883,6 @@
         </p:txBody>
       </p:sp>
     </p:spTree>
-    <p:extLst>
-      <p:ext uri="{BB962C8B-B14F-4D97-AF65-F5344CB8AC3E}">
-        <p14:creationId xmlns:p14="http://schemas.microsoft.com/office/powerpoint/2010/main" val="3913370053"/>
-      </p:ext>
-    </p:extLst>
   </p:cSld>
   <p:clrMapOvr>
     <a:masterClrMapping/>
@@ -879,6 +962,11 @@
         </p:txBody>
       </p:sp>
     </p:spTree>
+    <p:extLst>
+      <p:ext uri="{BB962C8B-B14F-4D97-AF65-F5344CB8AC3E}">
+        <p14:creationId xmlns:p14="http://schemas.microsoft.com/office/powerpoint/2010/main" val="1070753733"/>
+      </p:ext>
+    </p:extLst>
   </p:cSld>
   <p:clrMapOvr>
     <a:masterClrMapping/>
@@ -958,6 +1046,11 @@
         </p:txBody>
       </p:sp>
     </p:spTree>
+    <p:extLst>
+      <p:ext uri="{BB962C8B-B14F-4D97-AF65-F5344CB8AC3E}">
+        <p14:creationId xmlns:p14="http://schemas.microsoft.com/office/powerpoint/2010/main" val="513967926"/>
+      </p:ext>
+    </p:extLst>
   </p:cSld>
   <p:clrMapOvr>
     <a:masterClrMapping/>
@@ -1037,6 +1130,11 @@
         </p:txBody>
       </p:sp>
     </p:spTree>
+    <p:extLst>
+      <p:ext uri="{BB962C8B-B14F-4D97-AF65-F5344CB8AC3E}">
+        <p14:creationId xmlns:p14="http://schemas.microsoft.com/office/powerpoint/2010/main" val="898249202"/>
+      </p:ext>
+    </p:extLst>
   </p:cSld>
   <p:clrMapOvr>
     <a:masterClrMapping/>
@@ -1116,6 +1214,11 @@
         </p:txBody>
       </p:sp>
     </p:spTree>
+    <p:extLst>
+      <p:ext uri="{BB962C8B-B14F-4D97-AF65-F5344CB8AC3E}">
+        <p14:creationId xmlns:p14="http://schemas.microsoft.com/office/powerpoint/2010/main" val="3209954012"/>
+      </p:ext>
+    </p:extLst>
   </p:cSld>
   <p:clrMapOvr>
     <a:masterClrMapping/>
@@ -1195,6 +1298,11 @@
         </p:txBody>
       </p:sp>
     </p:spTree>
+    <p:extLst>
+      <p:ext uri="{BB962C8B-B14F-4D97-AF65-F5344CB8AC3E}">
+        <p14:creationId xmlns:p14="http://schemas.microsoft.com/office/powerpoint/2010/main" val="2603519928"/>
+      </p:ext>
+    </p:extLst>
   </p:cSld>
   <p:clrMapOvr>
     <a:masterClrMapping/>
@@ -1274,6 +1382,11 @@
         </p:txBody>
       </p:sp>
     </p:spTree>
+    <p:extLst>
+      <p:ext uri="{BB962C8B-B14F-4D97-AF65-F5344CB8AC3E}">
+        <p14:creationId xmlns:p14="http://schemas.microsoft.com/office/powerpoint/2010/main" val="3136075203"/>
+      </p:ext>
+    </p:extLst>
   </p:cSld>
   <p:clrMapOvr>
     <a:masterClrMapping/>
@@ -1346,13 +1459,18 @@
           <a:p>
             <a:fld id="{F7021451-1387-4CA6-816F-3879F97B5CBC}" type="slidenum">
               <a:rPr lang="en-US"/>
-              <a:t>20</a:t>
+              <a:t>19</a:t>
             </a:fld>
             <a:endParaRPr lang="en-US"/>
           </a:p>
         </p:txBody>
       </p:sp>
     </p:spTree>
+    <p:extLst>
+      <p:ext uri="{BB962C8B-B14F-4D97-AF65-F5344CB8AC3E}">
+        <p14:creationId xmlns:p14="http://schemas.microsoft.com/office/powerpoint/2010/main" val="256158571"/>
+      </p:ext>
+    </p:extLst>
   </p:cSld>
   <p:clrMapOvr>
     <a:masterClrMapping/>
@@ -1426,6 +1544,421 @@
             <a:fld id="{F7021451-1387-4CA6-816F-3879F97B5CBC}" type="slidenum">
               <a:rPr lang="en-US"/>
               <a:t>2</a:t>
+            </a:fld>
+            <a:endParaRPr lang="en-US"/>
+          </a:p>
+        </p:txBody>
+      </p:sp>
+    </p:spTree>
+  </p:cSld>
+  <p:clrMapOvr>
+    <a:masterClrMapping/>
+  </p:clrMapOvr>
+</p:notes>
+</file>
+
+<file path=ppt/notesSlides/notesSlide20.xml><?xml version="1.0" encoding="utf-8"?>
+<p:notes xmlns:a="http://schemas.openxmlformats.org/drawingml/2006/main" xmlns:r="http://schemas.openxmlformats.org/officeDocument/2006/relationships" xmlns:p="http://schemas.openxmlformats.org/presentationml/2006/main">
+  <p:cSld>
+    <p:spTree>
+      <p:nvGrpSpPr>
+        <p:cNvPr id="1" name=""/>
+        <p:cNvGrpSpPr/>
+        <p:nvPr/>
+      </p:nvGrpSpPr>
+      <p:grpSpPr>
+        <a:xfrm>
+          <a:off x="0" y="0"/>
+          <a:ext cx="0" cy="0"/>
+          <a:chOff x="0" y="0"/>
+          <a:chExt cx="0" cy="0"/>
+        </a:xfrm>
+      </p:grpSpPr>
+      <p:sp>
+        <p:nvSpPr>
+          <p:cNvPr id="2" name="Slide Image Placeholder 1"/>
+          <p:cNvSpPr>
+            <a:spLocks noGrp="1" noRot="1" noChangeAspect="1"/>
+          </p:cNvSpPr>
+          <p:nvPr>
+            <p:ph type="sldImg"/>
+          </p:nvPr>
+        </p:nvSpPr>
+        <p:spPr/>
+      </p:sp>
+      <p:sp>
+        <p:nvSpPr>
+          <p:cNvPr id="3" name="Notes Placeholder 2"/>
+          <p:cNvSpPr>
+            <a:spLocks noGrp="1"/>
+          </p:cNvSpPr>
+          <p:nvPr>
+            <p:ph type="body" idx="1"/>
+          </p:nvPr>
+        </p:nvSpPr>
+        <p:spPr/>
+        <p:txBody>
+          <a:bodyPr/>
+          <a:lstStyle/>
+          <a:p>
+            <a:endParaRPr lang="en-US" dirty="0"/>
+          </a:p>
+        </p:txBody>
+      </p:sp>
+      <p:sp>
+        <p:nvSpPr>
+          <p:cNvPr id="4" name="Slide Number Placeholder 3"/>
+          <p:cNvSpPr>
+            <a:spLocks noGrp="1"/>
+          </p:cNvSpPr>
+          <p:nvPr>
+            <p:ph type="sldNum" sz="quarter" idx="10"/>
+          </p:nvPr>
+        </p:nvSpPr>
+        <p:spPr/>
+        <p:txBody>
+          <a:bodyPr/>
+          <a:lstStyle/>
+          <a:p>
+            <a:fld id="{F7021451-1387-4CA6-816F-3879F97B5CBC}" type="slidenum">
+              <a:rPr lang="en-US"/>
+              <a:t>20</a:t>
+            </a:fld>
+            <a:endParaRPr lang="en-US"/>
+          </a:p>
+        </p:txBody>
+      </p:sp>
+    </p:spTree>
+    <p:extLst>
+      <p:ext uri="{BB962C8B-B14F-4D97-AF65-F5344CB8AC3E}">
+        <p14:creationId xmlns:p14="http://schemas.microsoft.com/office/powerpoint/2010/main" val="2114475750"/>
+      </p:ext>
+    </p:extLst>
+  </p:cSld>
+  <p:clrMapOvr>
+    <a:masterClrMapping/>
+  </p:clrMapOvr>
+</p:notes>
+</file>
+
+<file path=ppt/notesSlides/notesSlide21.xml><?xml version="1.0" encoding="utf-8"?>
+<p:notes xmlns:a="http://schemas.openxmlformats.org/drawingml/2006/main" xmlns:r="http://schemas.openxmlformats.org/officeDocument/2006/relationships" xmlns:p="http://schemas.openxmlformats.org/presentationml/2006/main">
+  <p:cSld>
+    <p:spTree>
+      <p:nvGrpSpPr>
+        <p:cNvPr id="1" name=""/>
+        <p:cNvGrpSpPr/>
+        <p:nvPr/>
+      </p:nvGrpSpPr>
+      <p:grpSpPr>
+        <a:xfrm>
+          <a:off x="0" y="0"/>
+          <a:ext cx="0" cy="0"/>
+          <a:chOff x="0" y="0"/>
+          <a:chExt cx="0" cy="0"/>
+        </a:xfrm>
+      </p:grpSpPr>
+      <p:sp>
+        <p:nvSpPr>
+          <p:cNvPr id="2" name="Slide Image Placeholder 1"/>
+          <p:cNvSpPr>
+            <a:spLocks noGrp="1" noRot="1" noChangeAspect="1"/>
+          </p:cNvSpPr>
+          <p:nvPr>
+            <p:ph type="sldImg"/>
+          </p:nvPr>
+        </p:nvSpPr>
+        <p:spPr/>
+      </p:sp>
+      <p:sp>
+        <p:nvSpPr>
+          <p:cNvPr id="3" name="Notes Placeholder 2"/>
+          <p:cNvSpPr>
+            <a:spLocks noGrp="1"/>
+          </p:cNvSpPr>
+          <p:nvPr>
+            <p:ph type="body" idx="1"/>
+          </p:nvPr>
+        </p:nvSpPr>
+        <p:spPr/>
+        <p:txBody>
+          <a:bodyPr/>
+          <a:lstStyle/>
+          <a:p>
+            <a:endParaRPr lang="en-US" dirty="0"/>
+          </a:p>
+        </p:txBody>
+      </p:sp>
+      <p:sp>
+        <p:nvSpPr>
+          <p:cNvPr id="4" name="Slide Number Placeholder 3"/>
+          <p:cNvSpPr>
+            <a:spLocks noGrp="1"/>
+          </p:cNvSpPr>
+          <p:nvPr>
+            <p:ph type="sldNum" sz="quarter" idx="10"/>
+          </p:nvPr>
+        </p:nvSpPr>
+        <p:spPr/>
+        <p:txBody>
+          <a:bodyPr/>
+          <a:lstStyle/>
+          <a:p>
+            <a:fld id="{F7021451-1387-4CA6-816F-3879F97B5CBC}" type="slidenum">
+              <a:rPr lang="en-US"/>
+              <a:t>21</a:t>
+            </a:fld>
+            <a:endParaRPr lang="en-US"/>
+          </a:p>
+        </p:txBody>
+      </p:sp>
+    </p:spTree>
+    <p:extLst>
+      <p:ext uri="{BB962C8B-B14F-4D97-AF65-F5344CB8AC3E}">
+        <p14:creationId xmlns:p14="http://schemas.microsoft.com/office/powerpoint/2010/main" val="3709079330"/>
+      </p:ext>
+    </p:extLst>
+  </p:cSld>
+  <p:clrMapOvr>
+    <a:masterClrMapping/>
+  </p:clrMapOvr>
+</p:notes>
+</file>
+
+<file path=ppt/notesSlides/notesSlide22.xml><?xml version="1.0" encoding="utf-8"?>
+<p:notes xmlns:a="http://schemas.openxmlformats.org/drawingml/2006/main" xmlns:r="http://schemas.openxmlformats.org/officeDocument/2006/relationships" xmlns:p="http://schemas.openxmlformats.org/presentationml/2006/main">
+  <p:cSld>
+    <p:spTree>
+      <p:nvGrpSpPr>
+        <p:cNvPr id="1" name=""/>
+        <p:cNvGrpSpPr/>
+        <p:nvPr/>
+      </p:nvGrpSpPr>
+      <p:grpSpPr>
+        <a:xfrm>
+          <a:off x="0" y="0"/>
+          <a:ext cx="0" cy="0"/>
+          <a:chOff x="0" y="0"/>
+          <a:chExt cx="0" cy="0"/>
+        </a:xfrm>
+      </p:grpSpPr>
+      <p:sp>
+        <p:nvSpPr>
+          <p:cNvPr id="2" name="Slide Image Placeholder 1"/>
+          <p:cNvSpPr>
+            <a:spLocks noGrp="1" noRot="1" noChangeAspect="1"/>
+          </p:cNvSpPr>
+          <p:nvPr>
+            <p:ph type="sldImg"/>
+          </p:nvPr>
+        </p:nvSpPr>
+        <p:spPr/>
+      </p:sp>
+      <p:sp>
+        <p:nvSpPr>
+          <p:cNvPr id="3" name="Notes Placeholder 2"/>
+          <p:cNvSpPr>
+            <a:spLocks noGrp="1"/>
+          </p:cNvSpPr>
+          <p:nvPr>
+            <p:ph type="body" idx="1"/>
+          </p:nvPr>
+        </p:nvSpPr>
+        <p:spPr/>
+        <p:txBody>
+          <a:bodyPr/>
+          <a:lstStyle/>
+          <a:p>
+            <a:endParaRPr lang="en-US" dirty="0"/>
+          </a:p>
+        </p:txBody>
+      </p:sp>
+      <p:sp>
+        <p:nvSpPr>
+          <p:cNvPr id="4" name="Slide Number Placeholder 3"/>
+          <p:cNvSpPr>
+            <a:spLocks noGrp="1"/>
+          </p:cNvSpPr>
+          <p:nvPr>
+            <p:ph type="sldNum" sz="quarter" idx="10"/>
+          </p:nvPr>
+        </p:nvSpPr>
+        <p:spPr/>
+        <p:txBody>
+          <a:bodyPr/>
+          <a:lstStyle/>
+          <a:p>
+            <a:fld id="{F7021451-1387-4CA6-816F-3879F97B5CBC}" type="slidenum">
+              <a:rPr lang="en-US"/>
+              <a:t>22</a:t>
+            </a:fld>
+            <a:endParaRPr lang="en-US"/>
+          </a:p>
+        </p:txBody>
+      </p:sp>
+    </p:spTree>
+    <p:extLst>
+      <p:ext uri="{BB962C8B-B14F-4D97-AF65-F5344CB8AC3E}">
+        <p14:creationId xmlns:p14="http://schemas.microsoft.com/office/powerpoint/2010/main" val="3684922354"/>
+      </p:ext>
+    </p:extLst>
+  </p:cSld>
+  <p:clrMapOvr>
+    <a:masterClrMapping/>
+  </p:clrMapOvr>
+</p:notes>
+</file>
+
+<file path=ppt/notesSlides/notesSlide23.xml><?xml version="1.0" encoding="utf-8"?>
+<p:notes xmlns:a="http://schemas.openxmlformats.org/drawingml/2006/main" xmlns:r="http://schemas.openxmlformats.org/officeDocument/2006/relationships" xmlns:p="http://schemas.openxmlformats.org/presentationml/2006/main">
+  <p:cSld>
+    <p:spTree>
+      <p:nvGrpSpPr>
+        <p:cNvPr id="1" name=""/>
+        <p:cNvGrpSpPr/>
+        <p:nvPr/>
+      </p:nvGrpSpPr>
+      <p:grpSpPr>
+        <a:xfrm>
+          <a:off x="0" y="0"/>
+          <a:ext cx="0" cy="0"/>
+          <a:chOff x="0" y="0"/>
+          <a:chExt cx="0" cy="0"/>
+        </a:xfrm>
+      </p:grpSpPr>
+      <p:sp>
+        <p:nvSpPr>
+          <p:cNvPr id="2" name="Slide Image Placeholder 1"/>
+          <p:cNvSpPr>
+            <a:spLocks noGrp="1" noRot="1" noChangeAspect="1"/>
+          </p:cNvSpPr>
+          <p:nvPr>
+            <p:ph type="sldImg"/>
+          </p:nvPr>
+        </p:nvSpPr>
+        <p:spPr/>
+      </p:sp>
+      <p:sp>
+        <p:nvSpPr>
+          <p:cNvPr id="3" name="Notes Placeholder 2"/>
+          <p:cNvSpPr>
+            <a:spLocks noGrp="1"/>
+          </p:cNvSpPr>
+          <p:nvPr>
+            <p:ph type="body" idx="1"/>
+          </p:nvPr>
+        </p:nvSpPr>
+        <p:spPr/>
+        <p:txBody>
+          <a:bodyPr/>
+          <a:lstStyle/>
+          <a:p>
+            <a:endParaRPr lang="en-US" dirty="0"/>
+          </a:p>
+        </p:txBody>
+      </p:sp>
+      <p:sp>
+        <p:nvSpPr>
+          <p:cNvPr id="4" name="Slide Number Placeholder 3"/>
+          <p:cNvSpPr>
+            <a:spLocks noGrp="1"/>
+          </p:cNvSpPr>
+          <p:nvPr>
+            <p:ph type="sldNum" sz="quarter" idx="10"/>
+          </p:nvPr>
+        </p:nvSpPr>
+        <p:spPr/>
+        <p:txBody>
+          <a:bodyPr/>
+          <a:lstStyle/>
+          <a:p>
+            <a:fld id="{F7021451-1387-4CA6-816F-3879F97B5CBC}" type="slidenum">
+              <a:rPr lang="en-US"/>
+              <a:t>23</a:t>
+            </a:fld>
+            <a:endParaRPr lang="en-US"/>
+          </a:p>
+        </p:txBody>
+      </p:sp>
+    </p:spTree>
+    <p:extLst>
+      <p:ext uri="{BB962C8B-B14F-4D97-AF65-F5344CB8AC3E}">
+        <p14:creationId xmlns:p14="http://schemas.microsoft.com/office/powerpoint/2010/main" val="3622705938"/>
+      </p:ext>
+    </p:extLst>
+  </p:cSld>
+  <p:clrMapOvr>
+    <a:masterClrMapping/>
+  </p:clrMapOvr>
+</p:notes>
+</file>
+
+<file path=ppt/notesSlides/notesSlide24.xml><?xml version="1.0" encoding="utf-8"?>
+<p:notes xmlns:a="http://schemas.openxmlformats.org/drawingml/2006/main" xmlns:r="http://schemas.openxmlformats.org/officeDocument/2006/relationships" xmlns:p="http://schemas.openxmlformats.org/presentationml/2006/main">
+  <p:cSld>
+    <p:spTree>
+      <p:nvGrpSpPr>
+        <p:cNvPr id="1" name=""/>
+        <p:cNvGrpSpPr/>
+        <p:nvPr/>
+      </p:nvGrpSpPr>
+      <p:grpSpPr>
+        <a:xfrm>
+          <a:off x="0" y="0"/>
+          <a:ext cx="0" cy="0"/>
+          <a:chOff x="0" y="0"/>
+          <a:chExt cx="0" cy="0"/>
+        </a:xfrm>
+      </p:grpSpPr>
+      <p:sp>
+        <p:nvSpPr>
+          <p:cNvPr id="2" name="Slide Image Placeholder 1"/>
+          <p:cNvSpPr>
+            <a:spLocks noGrp="1" noRot="1" noChangeAspect="1"/>
+          </p:cNvSpPr>
+          <p:nvPr>
+            <p:ph type="sldImg"/>
+          </p:nvPr>
+        </p:nvSpPr>
+        <p:spPr/>
+      </p:sp>
+      <p:sp>
+        <p:nvSpPr>
+          <p:cNvPr id="3" name="Notes Placeholder 2"/>
+          <p:cNvSpPr>
+            <a:spLocks noGrp="1"/>
+          </p:cNvSpPr>
+          <p:nvPr>
+            <p:ph type="body" idx="1"/>
+          </p:nvPr>
+        </p:nvSpPr>
+        <p:spPr/>
+        <p:txBody>
+          <a:bodyPr/>
+          <a:lstStyle/>
+          <a:p>
+            <a:endParaRPr lang="en-US" dirty="0"/>
+          </a:p>
+        </p:txBody>
+      </p:sp>
+      <p:sp>
+        <p:nvSpPr>
+          <p:cNvPr id="4" name="Slide Number Placeholder 3"/>
+          <p:cNvSpPr>
+            <a:spLocks noGrp="1"/>
+          </p:cNvSpPr>
+          <p:nvPr>
+            <p:ph type="sldNum" sz="quarter" idx="10"/>
+          </p:nvPr>
+        </p:nvSpPr>
+        <p:spPr/>
+        <p:txBody>
+          <a:bodyPr/>
+          <a:lstStyle/>
+          <a:p>
+            <a:fld id="{F7021451-1387-4CA6-816F-3879F97B5CBC}" type="slidenum">
+              <a:rPr lang="en-US"/>
+              <a:t>24</a:t>
             </a:fld>
             <a:endParaRPr lang="en-US"/>
           </a:p>
@@ -1720,6 +2253,58 @@
           <a:bodyPr/>
           <a:lstStyle/>
           <a:p>
+            <a:r>
+              <a:rPr lang="zh-CN" altLang="en-US" dirty="0"/>
+              <a:t>因为之前很多的</a:t>
+            </a:r>
+            <a:r>
+              <a:rPr lang="en-US" altLang="zh-CN" dirty="0"/>
+              <a:t>MPI</a:t>
+            </a:r>
+            <a:r>
+              <a:rPr lang="zh-CN" altLang="en-US" dirty="0"/>
+              <a:t>的实现是基于</a:t>
+            </a:r>
+            <a:r>
+              <a:rPr lang="en-US" altLang="zh-CN" dirty="0" err="1"/>
+              <a:t>fortran</a:t>
+            </a:r>
+            <a:r>
+              <a:rPr lang="zh-CN" altLang="en-US" dirty="0"/>
+              <a:t>的，但是现在的</a:t>
+            </a:r>
+            <a:r>
+              <a:rPr lang="en-US" altLang="zh-CN" dirty="0" err="1"/>
+              <a:t>linux</a:t>
+            </a:r>
+            <a:r>
+              <a:rPr lang="zh-CN" altLang="en-US" dirty="0"/>
+              <a:t>系统中可能没有默认安装</a:t>
+            </a:r>
+            <a:r>
+              <a:rPr lang="en-US" altLang="zh-CN" dirty="0" err="1"/>
+              <a:t>fortran</a:t>
+            </a:r>
+            <a:r>
+              <a:rPr lang="zh-CN" altLang="en-US" dirty="0"/>
+              <a:t>语言，我们后续的实现也是基于</a:t>
+            </a:r>
+            <a:r>
+              <a:rPr lang="en-US" altLang="zh-CN" dirty="0" err="1"/>
+              <a:t>cpp</a:t>
+            </a:r>
+            <a:r>
+              <a:rPr lang="zh-CN" altLang="en-US" dirty="0"/>
+              <a:t>，所以我们在配置的时候可以把</a:t>
+            </a:r>
+            <a:r>
+              <a:rPr lang="en-US" altLang="zh-CN" dirty="0" err="1"/>
+              <a:t>fortran</a:t>
+            </a:r>
+            <a:r>
+              <a:rPr lang="zh-CN" altLang="en-US" dirty="0"/>
+              <a:t>取消掉</a:t>
+            </a:r>
             <a:endParaRPr lang="en-US" dirty="0"/>
           </a:p>
         </p:txBody>
@@ -1908,7 +2493,7 @@
     </p:spTree>
     <p:extLst>
       <p:ext uri="{BB962C8B-B14F-4D97-AF65-F5344CB8AC3E}">
-        <p14:creationId xmlns:p14="http://schemas.microsoft.com/office/powerpoint/2010/main" val="3044978657"/>
+        <p14:creationId xmlns:p14="http://schemas.microsoft.com/office/powerpoint/2010/main" val="3090028972"/>
       </p:ext>
     </p:extLst>
   </p:cSld>
@@ -1990,6 +2575,11 @@
         </p:txBody>
       </p:sp>
     </p:spTree>
+    <p:extLst>
+      <p:ext uri="{BB962C8B-B14F-4D97-AF65-F5344CB8AC3E}">
+        <p14:creationId xmlns:p14="http://schemas.microsoft.com/office/powerpoint/2010/main" val="3044978657"/>
+      </p:ext>
+    </p:extLst>
   </p:cSld>
   <p:clrMapOvr>
     <a:masterClrMapping/>
@@ -3403,10 +3993,100 @@
           </a:p>
         </p:txBody>
       </p:sp>
+      <p:sp>
+        <p:nvSpPr>
+          <p:cNvPr id="6" name="文本框 5"/>
+          <p:cNvSpPr txBox="1"/>
+          <p:nvPr/>
+        </p:nvSpPr>
+        <p:spPr>
+          <a:xfrm>
+            <a:off x="196445" y="1071682"/>
+            <a:ext cx="4231465" cy="646331"/>
+          </a:xfrm>
+          <a:prstGeom prst="rect">
+            <a:avLst/>
+          </a:prstGeom>
+          <a:noFill/>
+        </p:spPr>
+        <p:txBody>
+          <a:bodyPr wrap="square" rtlCol="0">
+            <a:spAutoFit/>
+          </a:bodyPr>
+          <a:lstStyle/>
+          <a:p>
+            <a:r>
+              <a:rPr lang="en-US" altLang="zh-CN" sz="3600" dirty="0"/>
+              <a:t>Ping-Pong</a:t>
+            </a:r>
+            <a:endParaRPr lang="zh-CN" altLang="en-US" dirty="0"/>
+          </a:p>
+        </p:txBody>
+      </p:sp>
+      <p:pic>
+        <p:nvPicPr>
+          <p:cNvPr id="8" name="图片 7">
+            <a:extLst>
+              <a:ext uri="{FF2B5EF4-FFF2-40B4-BE49-F238E27FC236}">
+                <a16:creationId xmlns:a16="http://schemas.microsoft.com/office/drawing/2014/main" id="{97B887DC-22E1-D103-D87E-47A6E755F724}"/>
+              </a:ext>
+            </a:extLst>
+          </p:cNvPr>
+          <p:cNvPicPr>
+            <a:picLocks noChangeAspect="1"/>
+          </p:cNvPicPr>
+          <p:nvPr/>
+        </p:nvPicPr>
+        <p:blipFill>
+          <a:blip r:embed="rId4"/>
+          <a:stretch>
+            <a:fillRect/>
+          </a:stretch>
+        </p:blipFill>
+        <p:spPr>
+          <a:xfrm>
+            <a:off x="3741871" y="590432"/>
+            <a:ext cx="3969569" cy="4450451"/>
+          </a:xfrm>
+          <a:prstGeom prst="rect">
+            <a:avLst/>
+          </a:prstGeom>
+        </p:spPr>
+      </p:pic>
+      <p:pic>
+        <p:nvPicPr>
+          <p:cNvPr id="13" name="图片 12">
+            <a:extLst>
+              <a:ext uri="{FF2B5EF4-FFF2-40B4-BE49-F238E27FC236}">
+                <a16:creationId xmlns:a16="http://schemas.microsoft.com/office/drawing/2014/main" id="{53FD5333-57F2-237D-1466-652719C2FB73}"/>
+              </a:ext>
+            </a:extLst>
+          </p:cNvPr>
+          <p:cNvPicPr>
+            <a:picLocks noChangeAspect="1"/>
+          </p:cNvPicPr>
+          <p:nvPr/>
+        </p:nvPicPr>
+        <p:blipFill>
+          <a:blip r:embed="rId5"/>
+          <a:stretch>
+            <a:fillRect/>
+          </a:stretch>
+        </p:blipFill>
+        <p:spPr>
+          <a:xfrm>
+            <a:off x="281965" y="1749878"/>
+            <a:ext cx="2590631" cy="3291005"/>
+          </a:xfrm>
+          <a:prstGeom prst="rect">
+            <a:avLst/>
+          </a:prstGeom>
+        </p:spPr>
+      </p:pic>
     </p:spTree>
     <p:extLst>
       <p:ext uri="{BB962C8B-B14F-4D97-AF65-F5344CB8AC3E}">
-        <p14:creationId xmlns:p14="http://schemas.microsoft.com/office/powerpoint/2010/main" val="3205941134"/>
+        <p14:creationId xmlns:p14="http://schemas.microsoft.com/office/powerpoint/2010/main" val="1803631362"/>
       </p:ext>
     </p:extLst>
   </p:cSld>
@@ -3510,10 +4190,70 @@
           </a:p>
         </p:txBody>
       </p:sp>
+      <p:sp>
+        <p:nvSpPr>
+          <p:cNvPr id="6" name="文本框 5"/>
+          <p:cNvSpPr txBox="1"/>
+          <p:nvPr/>
+        </p:nvSpPr>
+        <p:spPr>
+          <a:xfrm>
+            <a:off x="196445" y="1071682"/>
+            <a:ext cx="4231465" cy="646331"/>
+          </a:xfrm>
+          <a:prstGeom prst="rect">
+            <a:avLst/>
+          </a:prstGeom>
+          <a:noFill/>
+        </p:spPr>
+        <p:txBody>
+          <a:bodyPr wrap="square" rtlCol="0">
+            <a:spAutoFit/>
+          </a:bodyPr>
+          <a:lstStyle/>
+          <a:p>
+            <a:r>
+              <a:rPr lang="en-US" altLang="zh-CN" sz="3600" dirty="0"/>
+              <a:t>Ping-Pong</a:t>
+            </a:r>
+            <a:endParaRPr lang="zh-CN" altLang="en-US" dirty="0"/>
+          </a:p>
+        </p:txBody>
+      </p:sp>
+      <p:pic>
+        <p:nvPicPr>
+          <p:cNvPr id="11" name="图片 10">
+            <a:extLst>
+              <a:ext uri="{FF2B5EF4-FFF2-40B4-BE49-F238E27FC236}">
+                <a16:creationId xmlns:a16="http://schemas.microsoft.com/office/drawing/2014/main" id="{F5E161A9-408D-4396-BC48-CAD914A31499}"/>
+              </a:ext>
+            </a:extLst>
+          </p:cNvPr>
+          <p:cNvPicPr>
+            <a:picLocks noChangeAspect="1"/>
+          </p:cNvPicPr>
+          <p:nvPr/>
+        </p:nvPicPr>
+        <p:blipFill>
+          <a:blip r:embed="rId4"/>
+          <a:stretch>
+            <a:fillRect/>
+          </a:stretch>
+        </p:blipFill>
+        <p:spPr>
+          <a:xfrm>
+            <a:off x="2887925" y="1009650"/>
+            <a:ext cx="5151747" cy="4133850"/>
+          </a:xfrm>
+          <a:prstGeom prst="rect">
+            <a:avLst/>
+          </a:prstGeom>
+        </p:spPr>
+      </p:pic>
     </p:spTree>
     <p:extLst>
       <p:ext uri="{BB962C8B-B14F-4D97-AF65-F5344CB8AC3E}">
-        <p14:creationId xmlns:p14="http://schemas.microsoft.com/office/powerpoint/2010/main" val="3137373603"/>
+        <p14:creationId xmlns:p14="http://schemas.microsoft.com/office/powerpoint/2010/main" val="2993108649"/>
       </p:ext>
     </p:extLst>
   </p:cSld>
@@ -3617,12 +4357,85 @@
           </a:p>
         </p:txBody>
       </p:sp>
+      <p:pic>
+        <p:nvPicPr>
+          <p:cNvPr id="4" name="图片 3"/>
+          <p:cNvPicPr>
+            <a:picLocks noChangeAspect="1"/>
+          </p:cNvPicPr>
+          <p:nvPr/>
+        </p:nvPicPr>
+        <p:blipFill>
+          <a:blip r:embed="rId4"/>
+          <a:stretch>
+            <a:fillRect/>
+          </a:stretch>
+        </p:blipFill>
+        <p:spPr>
+          <a:xfrm>
+            <a:off x="4572000" y="1387362"/>
+            <a:ext cx="4390190" cy="3614146"/>
+          </a:xfrm>
+          <a:prstGeom prst="rect">
+            <a:avLst/>
+          </a:prstGeom>
+        </p:spPr>
+      </p:pic>
+      <p:pic>
+        <p:nvPicPr>
+          <p:cNvPr id="5" name="图片 4"/>
+          <p:cNvPicPr>
+            <a:picLocks noChangeAspect="1"/>
+          </p:cNvPicPr>
+          <p:nvPr/>
+        </p:nvPicPr>
+        <p:blipFill>
+          <a:blip r:embed="rId5"/>
+          <a:stretch>
+            <a:fillRect/>
+          </a:stretch>
+        </p:blipFill>
+        <p:spPr>
+          <a:xfrm>
+            <a:off x="346841" y="1903650"/>
+            <a:ext cx="4112303" cy="2964198"/>
+          </a:xfrm>
+          <a:prstGeom prst="rect">
+            <a:avLst/>
+          </a:prstGeom>
+        </p:spPr>
+      </p:pic>
+      <p:sp>
+        <p:nvSpPr>
+          <p:cNvPr id="6" name="文本框 5"/>
+          <p:cNvSpPr txBox="1"/>
+          <p:nvPr/>
+        </p:nvSpPr>
+        <p:spPr>
+          <a:xfrm>
+            <a:off x="346841" y="1166648"/>
+            <a:ext cx="2837793" cy="646331"/>
+          </a:xfrm>
+          <a:prstGeom prst="rect">
+            <a:avLst/>
+          </a:prstGeom>
+          <a:noFill/>
+        </p:spPr>
+        <p:txBody>
+          <a:bodyPr wrap="square" rtlCol="0">
+            <a:spAutoFit/>
+          </a:bodyPr>
+          <a:lstStyle/>
+          <a:p>
+            <a:r>
+              <a:rPr lang="en-US" altLang="zh-CN" sz="3600" dirty="0"/>
+              <a:t>Ring</a:t>
+            </a:r>
+            <a:endParaRPr lang="zh-CN" altLang="en-US" dirty="0"/>
+          </a:p>
+        </p:txBody>
+      </p:sp>
     </p:spTree>
-    <p:extLst>
-      <p:ext uri="{BB962C8B-B14F-4D97-AF65-F5344CB8AC3E}">
-        <p14:creationId xmlns:p14="http://schemas.microsoft.com/office/powerpoint/2010/main" val="2297940233"/>
-      </p:ext>
-    </p:extLst>
   </p:cSld>
   <p:clrMapOvr>
     <a:masterClrMapping/>
@@ -3649,7 +4462,7 @@
       </p:grpSpPr>
       <p:pic>
         <p:nvPicPr>
-          <p:cNvPr id="2" name="Image 0" descr="preencoded.png"/>
+          <p:cNvPr id="2" name="Image 0" descr="https://assets.mindshow.fun/themes/yellow_bee_honeycomb_vplus_20230307/Content_header.jpg"/>
           <p:cNvPicPr>
             <a:picLocks noChangeAspect="1"/>
           </p:cNvPicPr>
@@ -3664,7 +4477,7 @@
         <p:spPr>
           <a:xfrm>
             <a:off x="0" y="0"/>
-            <a:ext cx="9144000" cy="5143500"/>
+            <a:ext cx="9144000" cy="1000125"/>
           </a:xfrm>
           <a:prstGeom prst="rect">
             <a:avLst/>
@@ -3679,8 +4492,8 @@
         </p:nvSpPr>
         <p:spPr>
           <a:xfrm>
-            <a:off x="623887" y="319087"/>
-            <a:ext cx="7891462" cy="528638"/>
+            <a:off x="762000" y="228600"/>
+            <a:ext cx="6949440" cy="552450"/>
           </a:xfrm>
           <a:prstGeom prst="rect">
             <a:avLst/>
@@ -3688,34 +4501,58 @@
           <a:noFill/>
         </p:spPr>
         <p:txBody>
-          <a:bodyPr wrap="square" rtlCol="0" anchor="t"/>
-          <a:lstStyle/>
-          <a:p>
-            <a:r>
-              <a:rPr lang="en-US" sz="2200" b="1" dirty="0">
-                <a:solidFill>
-                  <a:srgbClr val="383838"/>
-                </a:solidFill>
-                <a:latin typeface="Noto Sans SC" pitchFamily="34" charset="0"/>
-                <a:ea typeface="Noto Sans SC" pitchFamily="34" charset="-122"/>
-                <a:cs typeface="Noto Sans SC" pitchFamily="34" charset="-120"/>
-              </a:rPr>
-              <a:t>4. &lt;b&gt;Python函数与模块&lt;/b&gt;</a:t>
-            </a:r>
-            <a:endParaRPr lang="en-US" sz="2240" dirty="0"/>
-          </a:p>
-        </p:txBody>
-      </p:sp>
-      <p:sp>
-        <p:nvSpPr>
-          <p:cNvPr id="4" name="Text 1"/>
-          <p:cNvSpPr/>
-          <p:nvPr/>
-        </p:nvSpPr>
-        <p:spPr>
-          <a:xfrm>
-            <a:off x="1462087" y="1524000"/>
-            <a:ext cx="5610225" cy="381000"/>
+          <a:bodyPr wrap="square" rtlCol="0" anchor="ctr"/>
+          <a:lstStyle/>
+          <a:p>
+            <a:r>
+              <a:rPr lang="en-US" sz="2400" b="1" dirty="0">
+                <a:solidFill>
+                  <a:srgbClr val="3A1515"/>
+                </a:solidFill>
+                <a:latin typeface="Noto Sans SC" pitchFamily="34" charset="0"/>
+                <a:ea typeface="Noto Sans SC" pitchFamily="34" charset="-122"/>
+                <a:cs typeface="Noto Sans SC" pitchFamily="34" charset="-120"/>
+              </a:rPr>
+              <a:t>3. MPI</a:t>
+            </a:r>
+            <a:r>
+              <a:rPr lang="zh-CN" sz="2400" b="1" dirty="0">
+                <a:solidFill>
+                  <a:srgbClr val="3A1515"/>
+                </a:solidFill>
+                <a:latin typeface="Noto Sans SC" pitchFamily="34" charset="0"/>
+                <a:ea typeface="Noto Sans SC" pitchFamily="34" charset="-122"/>
+                <a:cs typeface="Noto Sans SC" pitchFamily="34" charset="-120"/>
+              </a:rPr>
+              <a:t>点对点通信</a:t>
+            </a:r>
+            <a:endParaRPr lang="zh-CN" altLang="zh-CN" sz="2400" b="1" dirty="0">
+              <a:solidFill>
+                <a:srgbClr val="3A1515"/>
+              </a:solidFill>
+              <a:latin typeface="Noto Sans SC" pitchFamily="34" charset="0"/>
+              <a:ea typeface="Noto Sans SC" pitchFamily="34" charset="-122"/>
+              <a:cs typeface="Noto Sans SC" pitchFamily="34" charset="-120"/>
+            </a:endParaRPr>
+          </a:p>
+        </p:txBody>
+      </p:sp>
+      <p:sp>
+        <p:nvSpPr>
+          <p:cNvPr id="4" name="文本框 3">
+            <a:extLst>
+              <a:ext uri="{FF2B5EF4-FFF2-40B4-BE49-F238E27FC236}">
+                <a16:creationId xmlns:a16="http://schemas.microsoft.com/office/drawing/2014/main" id="{03314E22-E3C1-857D-2077-6B9F2A809676}"/>
+              </a:ext>
+            </a:extLst>
+          </p:cNvPr>
+          <p:cNvSpPr txBox="1"/>
+          <p:nvPr/>
+        </p:nvSpPr>
+        <p:spPr>
+          <a:xfrm>
+            <a:off x="3429020" y="269229"/>
+            <a:ext cx="2045887" cy="461665"/>
           </a:xfrm>
           <a:prstGeom prst="rect">
             <a:avLst/>
@@ -3723,113 +4560,84 @@
           <a:noFill/>
         </p:spPr>
         <p:txBody>
-          <a:bodyPr wrap="square" rtlCol="0" anchor="t"/>
-          <a:lstStyle/>
-          <a:p>
-            <a:pPr marL="0" indent="0" algn="l">
-              <a:lnSpc>
-                <a:spcPts val="1920"/>
-              </a:lnSpc>
-              <a:buNone/>
-            </a:pPr>
-            <a:r>
-              <a:rPr lang="en-US" sz="1300" b="0" dirty="0">
-                <a:solidFill>
-                  <a:srgbClr val="383838"/>
-                </a:solidFill>
-                <a:latin typeface="Noto Sans SC" pitchFamily="34" charset="0"/>
-                <a:ea typeface="Noto Sans SC" pitchFamily="34" charset="-122"/>
-                <a:cs typeface="Noto Sans SC" pitchFamily="34" charset="-120"/>
-              </a:rPr>
-              <a:t>函数定义与调用</a:t>
-            </a:r>
-            <a:endParaRPr lang="en-US" sz="1280" dirty="0"/>
-          </a:p>
-        </p:txBody>
-      </p:sp>
-      <p:sp>
-        <p:nvSpPr>
-          <p:cNvPr id="5" name="Text 2"/>
-          <p:cNvSpPr/>
-          <p:nvPr/>
-        </p:nvSpPr>
-        <p:spPr>
-          <a:xfrm>
-            <a:off x="1462087" y="3819525"/>
-            <a:ext cx="5610225" cy="381000"/>
-          </a:xfrm>
-          <a:prstGeom prst="rect">
-            <a:avLst/>
-          </a:prstGeom>
-          <a:noFill/>
-        </p:spPr>
-        <p:txBody>
-          <a:bodyPr wrap="square" rtlCol="0" anchor="t"/>
-          <a:lstStyle/>
-          <a:p>
-            <a:pPr marL="0" indent="0" algn="l">
-              <a:lnSpc>
-                <a:spcPts val="1920"/>
-              </a:lnSpc>
-              <a:buNone/>
-            </a:pPr>
-            <a:r>
-              <a:rPr lang="en-US" sz="1300" b="0" dirty="0">
-                <a:solidFill>
-                  <a:srgbClr val="383838"/>
-                </a:solidFill>
-                <a:latin typeface="Noto Sans SC" pitchFamily="34" charset="0"/>
-                <a:ea typeface="Noto Sans SC" pitchFamily="34" charset="-122"/>
-                <a:cs typeface="Noto Sans SC" pitchFamily="34" charset="-120"/>
-              </a:rPr>
-              <a:t>Python模块与包</a:t>
-            </a:r>
-            <a:endParaRPr lang="en-US" sz="1280" dirty="0"/>
-          </a:p>
-        </p:txBody>
-      </p:sp>
-      <p:sp>
-        <p:nvSpPr>
-          <p:cNvPr id="6" name="Text 3"/>
-          <p:cNvSpPr/>
-          <p:nvPr/>
-        </p:nvSpPr>
-        <p:spPr>
-          <a:xfrm>
-            <a:off x="1738312" y="2686050"/>
-            <a:ext cx="5610225" cy="381000"/>
-          </a:xfrm>
-          <a:prstGeom prst="rect">
-            <a:avLst/>
-          </a:prstGeom>
-          <a:noFill/>
-        </p:spPr>
-        <p:txBody>
-          <a:bodyPr wrap="square" rtlCol="0" anchor="t"/>
-          <a:lstStyle/>
-          <a:p>
-            <a:pPr marL="0" indent="0" algn="l">
-              <a:lnSpc>
-                <a:spcPts val="1920"/>
-              </a:lnSpc>
-              <a:buNone/>
-            </a:pPr>
-            <a:r>
-              <a:rPr lang="en-US" sz="1300" b="0" dirty="0">
-                <a:solidFill>
-                  <a:srgbClr val="383838"/>
-                </a:solidFill>
-                <a:latin typeface="Noto Sans SC" pitchFamily="34" charset="0"/>
-                <a:ea typeface="Noto Sans SC" pitchFamily="34" charset="-122"/>
-                <a:cs typeface="Noto Sans SC" pitchFamily="34" charset="-120"/>
-              </a:rPr>
-              <a:t>参数传递</a:t>
-            </a:r>
-            <a:endParaRPr lang="en-US" sz="1280" dirty="0"/>
-          </a:p>
-        </p:txBody>
-      </p:sp>
+          <a:bodyPr wrap="square" rtlCol="0">
+            <a:spAutoFit/>
+          </a:bodyPr>
+          <a:lstStyle/>
+          <a:p>
+            <a:r>
+              <a:rPr lang="zh-CN" altLang="en-US" sz="2400" dirty="0"/>
+              <a:t>非阻塞式通信</a:t>
+            </a:r>
+          </a:p>
+        </p:txBody>
+      </p:sp>
+      <p:pic>
+        <p:nvPicPr>
+          <p:cNvPr id="6" name="图片 5">
+            <a:extLst>
+              <a:ext uri="{FF2B5EF4-FFF2-40B4-BE49-F238E27FC236}">
+                <a16:creationId xmlns:a16="http://schemas.microsoft.com/office/drawing/2014/main" id="{93E79F9D-C1BA-2C6B-3028-42F1ABF5D6BE}"/>
+              </a:ext>
+            </a:extLst>
+          </p:cNvPr>
+          <p:cNvPicPr>
+            <a:picLocks noChangeAspect="1"/>
+          </p:cNvPicPr>
+          <p:nvPr/>
+        </p:nvPicPr>
+        <p:blipFill>
+          <a:blip r:embed="rId4"/>
+          <a:stretch>
+            <a:fillRect/>
+          </a:stretch>
+        </p:blipFill>
+        <p:spPr>
+          <a:xfrm>
+            <a:off x="762000" y="1009650"/>
+            <a:ext cx="2992348" cy="4115420"/>
+          </a:xfrm>
+          <a:prstGeom prst="rect">
+            <a:avLst/>
+          </a:prstGeom>
+        </p:spPr>
+      </p:pic>
+      <p:pic>
+        <p:nvPicPr>
+          <p:cNvPr id="12" name="图片 11">
+            <a:extLst>
+              <a:ext uri="{FF2B5EF4-FFF2-40B4-BE49-F238E27FC236}">
+                <a16:creationId xmlns:a16="http://schemas.microsoft.com/office/drawing/2014/main" id="{36242960-A201-B2EA-F15E-13A796B43396}"/>
+              </a:ext>
+            </a:extLst>
+          </p:cNvPr>
+          <p:cNvPicPr>
+            <a:picLocks noChangeAspect="1"/>
+          </p:cNvPicPr>
+          <p:nvPr/>
+        </p:nvPicPr>
+        <p:blipFill>
+          <a:blip r:embed="rId5"/>
+          <a:stretch>
+            <a:fillRect/>
+          </a:stretch>
+        </p:blipFill>
+        <p:spPr>
+          <a:xfrm>
+            <a:off x="4762500" y="962645"/>
+            <a:ext cx="3276600" cy="4162425"/>
+          </a:xfrm>
+          <a:prstGeom prst="rect">
+            <a:avLst/>
+          </a:prstGeom>
+        </p:spPr>
+      </p:pic>
     </p:spTree>
+    <p:extLst>
+      <p:ext uri="{BB962C8B-B14F-4D97-AF65-F5344CB8AC3E}">
+        <p14:creationId xmlns:p14="http://schemas.microsoft.com/office/powerpoint/2010/main" val="3205941134"/>
+      </p:ext>
+    </p:extLst>
   </p:cSld>
   <p:clrMapOvr>
     <a:masterClrMapping/>
@@ -3907,201 +4715,129 @@
                 <a:ea typeface="Noto Sans SC" pitchFamily="34" charset="-122"/>
                 <a:cs typeface="Noto Sans SC" pitchFamily="34" charset="-120"/>
               </a:rPr>
-              <a:t>5. Python数据结构</a:t>
-            </a:r>
-            <a:endParaRPr lang="en-US" sz="2400" dirty="0"/>
+              <a:t>3. MPI</a:t>
+            </a:r>
+            <a:r>
+              <a:rPr lang="zh-CN" sz="2400" b="1" dirty="0">
+                <a:solidFill>
+                  <a:srgbClr val="3A1515"/>
+                </a:solidFill>
+                <a:latin typeface="Noto Sans SC" pitchFamily="34" charset="0"/>
+                <a:ea typeface="Noto Sans SC" pitchFamily="34" charset="-122"/>
+                <a:cs typeface="Noto Sans SC" pitchFamily="34" charset="-120"/>
+              </a:rPr>
+              <a:t>点对点通信</a:t>
+            </a:r>
+            <a:endParaRPr lang="zh-CN" altLang="zh-CN" sz="2400" b="1" dirty="0">
+              <a:solidFill>
+                <a:srgbClr val="3A1515"/>
+              </a:solidFill>
+              <a:latin typeface="Noto Sans SC" pitchFamily="34" charset="0"/>
+              <a:ea typeface="Noto Sans SC" pitchFamily="34" charset="-122"/>
+              <a:cs typeface="Noto Sans SC" pitchFamily="34" charset="-120"/>
+            </a:endParaRPr>
+          </a:p>
+        </p:txBody>
+      </p:sp>
+      <p:sp>
+        <p:nvSpPr>
+          <p:cNvPr id="4" name="文本框 3">
+            <a:extLst>
+              <a:ext uri="{FF2B5EF4-FFF2-40B4-BE49-F238E27FC236}">
+                <a16:creationId xmlns:a16="http://schemas.microsoft.com/office/drawing/2014/main" id="{03314E22-E3C1-857D-2077-6B9F2A809676}"/>
+              </a:ext>
+            </a:extLst>
+          </p:cNvPr>
+          <p:cNvSpPr txBox="1"/>
+          <p:nvPr/>
+        </p:nvSpPr>
+        <p:spPr>
+          <a:xfrm>
+            <a:off x="3429020" y="269229"/>
+            <a:ext cx="2045887" cy="461665"/>
+          </a:xfrm>
+          <a:prstGeom prst="rect">
+            <a:avLst/>
+          </a:prstGeom>
+          <a:noFill/>
+        </p:spPr>
+        <p:txBody>
+          <a:bodyPr wrap="square" rtlCol="0">
+            <a:spAutoFit/>
+          </a:bodyPr>
+          <a:lstStyle/>
+          <a:p>
+            <a:r>
+              <a:rPr lang="zh-CN" altLang="en-US" sz="2400" dirty="0"/>
+              <a:t>非阻塞式通信</a:t>
+            </a:r>
           </a:p>
         </p:txBody>
       </p:sp>
       <p:pic>
         <p:nvPicPr>
-          <p:cNvPr id="4" name="Image 1" descr="preencoded.png"/>
+          <p:cNvPr id="8" name="图片 7">
+            <a:extLst>
+              <a:ext uri="{FF2B5EF4-FFF2-40B4-BE49-F238E27FC236}">
+                <a16:creationId xmlns:a16="http://schemas.microsoft.com/office/drawing/2014/main" id="{7A295020-9453-BFBA-75E0-58A309FCD302}"/>
+              </a:ext>
+            </a:extLst>
+          </p:cNvPr>
           <p:cNvPicPr>
             <a:picLocks noChangeAspect="1"/>
           </p:cNvPicPr>
           <p:nvPr/>
         </p:nvPicPr>
-        <p:blipFill>
+        <p:blipFill rotWithShape="1">
           <a:blip r:embed="rId4"/>
-          <a:stretch>
-            <a:fillRect/>
-          </a:stretch>
+          <a:srcRect r="8339"/>
+          <a:stretch/>
         </p:blipFill>
         <p:spPr>
           <a:xfrm>
-            <a:off x="895022" y="1304925"/>
-            <a:ext cx="7449207" cy="3333750"/>
+            <a:off x="263167" y="2859789"/>
+            <a:ext cx="7012018" cy="2014482"/>
           </a:xfrm>
           <a:prstGeom prst="rect">
             <a:avLst/>
           </a:prstGeom>
         </p:spPr>
       </p:pic>
-      <p:sp>
-        <p:nvSpPr>
-          <p:cNvPr id="5" name="Text 1"/>
-          <p:cNvSpPr/>
-          <p:nvPr/>
-        </p:nvSpPr>
-        <p:spPr>
-          <a:xfrm>
-            <a:off x="5221999" y="2477485"/>
-            <a:ext cx="2906110" cy="248307"/>
-          </a:xfrm>
-          <a:prstGeom prst="rect">
-            <a:avLst/>
-          </a:prstGeom>
-          <a:noFill/>
-        </p:spPr>
-        <p:txBody>
-          <a:bodyPr wrap="square" rtlCol="0" anchor="t"/>
-          <a:lstStyle/>
-          <a:p>
-            <a:pPr marL="0" indent="0" algn="l">
-              <a:lnSpc>
-                <a:spcPts val="1730"/>
-              </a:lnSpc>
-              <a:buNone/>
-            </a:pPr>
-            <a:r>
-              <a:rPr lang="en-US" sz="1100" b="0" dirty="0">
-                <a:solidFill>
-                  <a:srgbClr val="383838"/>
-                </a:solidFill>
-                <a:latin typeface="Noto Sans SC" pitchFamily="34" charset="0"/>
-                <a:ea typeface="Noto Sans SC" pitchFamily="34" charset="-122"/>
-                <a:cs typeface="Noto Sans SC" pitchFamily="34" charset="-120"/>
-              </a:rPr>
-              <a:t>元组（Tuple）</a:t>
-            </a:r>
-            <a:endParaRPr lang="en-US" sz="1110" dirty="0"/>
-          </a:p>
-        </p:txBody>
-      </p:sp>
-      <p:sp>
-        <p:nvSpPr>
-          <p:cNvPr id="6" name="Text 2"/>
-          <p:cNvSpPr/>
-          <p:nvPr/>
-        </p:nvSpPr>
-        <p:spPr>
-          <a:xfrm>
-            <a:off x="5221999" y="3291380"/>
-            <a:ext cx="2906110" cy="248307"/>
-          </a:xfrm>
-          <a:prstGeom prst="rect">
-            <a:avLst/>
-          </a:prstGeom>
-          <a:noFill/>
-        </p:spPr>
-        <p:txBody>
-          <a:bodyPr wrap="square" rtlCol="0" anchor="t"/>
-          <a:lstStyle/>
-          <a:p>
-            <a:pPr marL="0" indent="0" algn="l">
-              <a:lnSpc>
-                <a:spcPts val="1730"/>
-              </a:lnSpc>
-              <a:buNone/>
-            </a:pPr>
-            <a:r>
-              <a:rPr lang="en-US" sz="1100" b="0" dirty="0">
-                <a:solidFill>
-                  <a:srgbClr val="383838"/>
-                </a:solidFill>
-                <a:latin typeface="Noto Sans SC" pitchFamily="34" charset="0"/>
-                <a:ea typeface="Noto Sans SC" pitchFamily="34" charset="-122"/>
-                <a:cs typeface="Noto Sans SC" pitchFamily="34" charset="-120"/>
-              </a:rPr>
-              <a:t>集合（Set）</a:t>
-            </a:r>
-            <a:endParaRPr lang="en-US" sz="1110" dirty="0"/>
-          </a:p>
-        </p:txBody>
-      </p:sp>
-      <p:sp>
-        <p:nvSpPr>
-          <p:cNvPr id="7" name="Text 3"/>
-          <p:cNvSpPr/>
-          <p:nvPr/>
-        </p:nvSpPr>
-        <p:spPr>
-          <a:xfrm>
-            <a:off x="5221999" y="4169651"/>
-            <a:ext cx="2906110" cy="248307"/>
-          </a:xfrm>
-          <a:prstGeom prst="rect">
-            <a:avLst/>
-          </a:prstGeom>
-          <a:noFill/>
-        </p:spPr>
-        <p:txBody>
-          <a:bodyPr wrap="square" rtlCol="0" anchor="t"/>
-          <a:lstStyle/>
-          <a:p>
-            <a:pPr marL="0" indent="0" algn="l">
-              <a:lnSpc>
-                <a:spcPts val="1730"/>
-              </a:lnSpc>
-              <a:buNone/>
-            </a:pPr>
-            <a:r>
-              <a:rPr lang="en-US" sz="1100" b="0" dirty="0">
-                <a:solidFill>
-                  <a:srgbClr val="383838"/>
-                </a:solidFill>
-                <a:latin typeface="Noto Sans SC" pitchFamily="34" charset="0"/>
-                <a:ea typeface="Noto Sans SC" pitchFamily="34" charset="-122"/>
-                <a:cs typeface="Noto Sans SC" pitchFamily="34" charset="-120"/>
-              </a:rPr>
-              <a:t>字典（Dictionary）</a:t>
-            </a:r>
-            <a:endParaRPr lang="en-US" sz="1110" dirty="0"/>
-          </a:p>
-        </p:txBody>
-      </p:sp>
-      <p:sp>
-        <p:nvSpPr>
-          <p:cNvPr id="8" name="Text 4"/>
-          <p:cNvSpPr/>
-          <p:nvPr/>
-        </p:nvSpPr>
-        <p:spPr>
-          <a:xfrm>
-            <a:off x="5221999" y="1658992"/>
-            <a:ext cx="2906110" cy="248307"/>
-          </a:xfrm>
-          <a:prstGeom prst="rect">
-            <a:avLst/>
-          </a:prstGeom>
-          <a:noFill/>
-        </p:spPr>
-        <p:txBody>
-          <a:bodyPr wrap="square" rtlCol="0" anchor="t"/>
-          <a:lstStyle/>
-          <a:p>
-            <a:pPr marL="0" indent="0" algn="l">
-              <a:lnSpc>
-                <a:spcPts val="1730"/>
-              </a:lnSpc>
-              <a:buNone/>
-            </a:pPr>
-            <a:r>
-              <a:rPr lang="en-US" sz="1100" b="0" dirty="0">
-                <a:solidFill>
-                  <a:srgbClr val="383838"/>
-                </a:solidFill>
-                <a:latin typeface="Noto Sans SC" pitchFamily="34" charset="0"/>
-                <a:ea typeface="Noto Sans SC" pitchFamily="34" charset="-122"/>
-                <a:cs typeface="Noto Sans SC" pitchFamily="34" charset="-120"/>
-              </a:rPr>
-              <a:t>列表（List）</a:t>
-            </a:r>
-            <a:endParaRPr lang="en-US" sz="1110" dirty="0"/>
-          </a:p>
-        </p:txBody>
-      </p:sp>
+      <p:pic>
+        <p:nvPicPr>
+          <p:cNvPr id="10" name="图片 9">
+            <a:extLst>
+              <a:ext uri="{FF2B5EF4-FFF2-40B4-BE49-F238E27FC236}">
+                <a16:creationId xmlns:a16="http://schemas.microsoft.com/office/drawing/2014/main" id="{A0D62C95-67ED-371D-8A1B-902A518BBD00}"/>
+              </a:ext>
+            </a:extLst>
+          </p:cNvPr>
+          <p:cNvPicPr>
+            <a:picLocks noChangeAspect="1"/>
+          </p:cNvPicPr>
+          <p:nvPr/>
+        </p:nvPicPr>
+        <p:blipFill rotWithShape="1">
+          <a:blip r:embed="rId5"/>
+          <a:srcRect l="2096" r="1243"/>
+          <a:stretch/>
+        </p:blipFill>
+        <p:spPr>
+          <a:xfrm>
+            <a:off x="434174" y="1040754"/>
+            <a:ext cx="7596639" cy="1819035"/>
+          </a:xfrm>
+          <a:prstGeom prst="rect">
+            <a:avLst/>
+          </a:prstGeom>
+        </p:spPr>
+      </p:pic>
     </p:spTree>
+    <p:extLst>
+      <p:ext uri="{BB962C8B-B14F-4D97-AF65-F5344CB8AC3E}">
+        <p14:creationId xmlns:p14="http://schemas.microsoft.com/office/powerpoint/2010/main" val="667178930"/>
+      </p:ext>
+    </p:extLst>
   </p:cSld>
   <p:clrMapOvr>
     <a:masterClrMapping/>
@@ -4179,46 +4915,96 @@
                 <a:ea typeface="Noto Sans SC" pitchFamily="34" charset="-122"/>
                 <a:cs typeface="Noto Sans SC" pitchFamily="34" charset="-120"/>
               </a:rPr>
-              <a:t>6. Python面向对象编程</a:t>
-            </a:r>
-            <a:endParaRPr lang="en-US" sz="2400" dirty="0"/>
-          </a:p>
-        </p:txBody>
-      </p:sp>
-      <p:pic>
-        <p:nvPicPr>
-          <p:cNvPr id="4" name="Image 1" descr="preencoded.png"/>
-          <p:cNvPicPr>
-            <a:picLocks noChangeAspect="1"/>
-          </p:cNvPicPr>
-          <p:nvPr/>
-        </p:nvPicPr>
-        <p:blipFill>
-          <a:blip r:embed="rId4"/>
-          <a:stretch>
-            <a:fillRect/>
-          </a:stretch>
-        </p:blipFill>
-        <p:spPr>
-          <a:xfrm>
-            <a:off x="895022" y="1304925"/>
-            <a:ext cx="7449207" cy="3333750"/>
-          </a:xfrm>
-          <a:prstGeom prst="rect">
-            <a:avLst/>
-          </a:prstGeom>
-        </p:spPr>
-      </p:pic>
-      <p:sp>
-        <p:nvSpPr>
-          <p:cNvPr id="5" name="Text 1"/>
-          <p:cNvSpPr/>
-          <p:nvPr/>
-        </p:nvSpPr>
-        <p:spPr>
-          <a:xfrm>
-            <a:off x="3502244" y="1378497"/>
-            <a:ext cx="2234762" cy="344871"/>
+              <a:t>4. MPI</a:t>
+            </a:r>
+            <a:r>
+              <a:rPr lang="zh-CN" altLang="en-US" sz="2400" b="1" dirty="0">
+                <a:solidFill>
+                  <a:srgbClr val="3A1515"/>
+                </a:solidFill>
+                <a:latin typeface="Noto Sans SC" pitchFamily="34" charset="0"/>
+                <a:ea typeface="Noto Sans SC" pitchFamily="34" charset="-122"/>
+                <a:cs typeface="Noto Sans SC" pitchFamily="34" charset="-120"/>
+              </a:rPr>
+              <a:t>集合</a:t>
+            </a:r>
+            <a:r>
+              <a:rPr lang="zh-CN" sz="2400" b="1" dirty="0">
+                <a:solidFill>
+                  <a:srgbClr val="3A1515"/>
+                </a:solidFill>
+                <a:latin typeface="Noto Sans SC" pitchFamily="34" charset="0"/>
+                <a:ea typeface="Noto Sans SC" pitchFamily="34" charset="-122"/>
+                <a:cs typeface="Noto Sans SC" pitchFamily="34" charset="-120"/>
+              </a:rPr>
+              <a:t>通信</a:t>
+            </a:r>
+            <a:r>
+              <a:rPr lang="zh-CN" altLang="en-US" sz="2400" b="1" dirty="0">
+                <a:solidFill>
+                  <a:srgbClr val="3A1515"/>
+                </a:solidFill>
+                <a:latin typeface="Noto Sans SC" pitchFamily="34" charset="0"/>
+                <a:ea typeface="Noto Sans SC" pitchFamily="34" charset="-122"/>
+                <a:cs typeface="Noto Sans SC" pitchFamily="34" charset="-120"/>
+              </a:rPr>
+              <a:t>（</a:t>
+            </a:r>
+            <a:r>
+              <a:rPr lang="en-US" altLang="zh-CN" sz="2400" b="0" i="0" dirty="0">
+                <a:solidFill>
+                  <a:srgbClr val="515151"/>
+                </a:solidFill>
+                <a:effectLst/>
+                <a:latin typeface="Helvetica Neue"/>
+              </a:rPr>
+              <a:t> </a:t>
+            </a:r>
+            <a:r>
+              <a:rPr lang="en-US" altLang="zh-CN" sz="2400" b="0" i="0" dirty="0">
+                <a:effectLst/>
+                <a:latin typeface="Helvetica Neue"/>
+              </a:rPr>
+              <a:t>collective communication </a:t>
+            </a:r>
+            <a:r>
+              <a:rPr lang="zh-CN" altLang="en-US" sz="2400" b="1" dirty="0">
+                <a:solidFill>
+                  <a:srgbClr val="3A1515"/>
+                </a:solidFill>
+                <a:latin typeface="Noto Sans SC" pitchFamily="34" charset="0"/>
+                <a:ea typeface="Noto Sans SC" pitchFamily="34" charset="-122"/>
+                <a:cs typeface="Noto Sans SC" pitchFamily="34" charset="-120"/>
+              </a:rPr>
+              <a:t>）</a:t>
+            </a:r>
+            <a:endParaRPr lang="zh-CN" altLang="zh-CN" sz="2400" b="1" dirty="0">
+              <a:solidFill>
+                <a:srgbClr val="3A1515"/>
+              </a:solidFill>
+              <a:latin typeface="Noto Sans SC" pitchFamily="34" charset="0"/>
+              <a:ea typeface="Noto Sans SC" pitchFamily="34" charset="-122"/>
+              <a:cs typeface="Noto Sans SC" pitchFamily="34" charset="-120"/>
+            </a:endParaRPr>
+          </a:p>
+        </p:txBody>
+      </p:sp>
+      <p:sp>
+        <p:nvSpPr>
+          <p:cNvPr id="5" name="文本框 4">
+            <a:extLst>
+              <a:ext uri="{FF2B5EF4-FFF2-40B4-BE49-F238E27FC236}">
+                <a16:creationId xmlns:a16="http://schemas.microsoft.com/office/drawing/2014/main" id="{A863EFA8-A9D8-29C4-5C48-94CE9E351D7F}"/>
+              </a:ext>
+            </a:extLst>
+          </p:cNvPr>
+          <p:cNvSpPr txBox="1"/>
+          <p:nvPr/>
+        </p:nvSpPr>
+        <p:spPr>
+          <a:xfrm>
+            <a:off x="417729" y="1458880"/>
+            <a:ext cx="7831605" cy="923330"/>
           </a:xfrm>
           <a:prstGeom prst="rect">
             <a:avLst/>
@@ -4226,109 +5012,42 @@
           <a:noFill/>
         </p:spPr>
         <p:txBody>
-          <a:bodyPr wrap="square" rtlCol="0" anchor="t"/>
-          <a:lstStyle/>
-          <a:p>
-            <a:pPr marL="0" indent="0" algn="ctr">
-              <a:lnSpc>
-                <a:spcPts val="2400"/>
-              </a:lnSpc>
-              <a:buNone/>
-            </a:pPr>
-            <a:r>
-              <a:rPr lang="en-US" sz="1500" b="0" dirty="0">
-                <a:solidFill>
-                  <a:srgbClr val="383838"/>
-                </a:solidFill>
-                <a:latin typeface="Noto Sans SC" pitchFamily="34" charset="0"/>
-                <a:ea typeface="Noto Sans SC" pitchFamily="34" charset="-122"/>
-                <a:cs typeface="Noto Sans SC" pitchFamily="34" charset="-120"/>
-              </a:rPr>
-              <a:t>类与对象</a:t>
-            </a:r>
-            <a:endParaRPr lang="en-US" sz="1545" dirty="0"/>
-          </a:p>
-        </p:txBody>
-      </p:sp>
-      <p:sp>
-        <p:nvSpPr>
-          <p:cNvPr id="6" name="Text 2"/>
-          <p:cNvSpPr/>
-          <p:nvPr/>
-        </p:nvSpPr>
-        <p:spPr>
-          <a:xfrm>
-            <a:off x="1028372" y="3355756"/>
-            <a:ext cx="2234762" cy="344871"/>
-          </a:xfrm>
-          <a:prstGeom prst="rect">
-            <a:avLst/>
-          </a:prstGeom>
-          <a:noFill/>
-        </p:spPr>
-        <p:txBody>
-          <a:bodyPr wrap="square" rtlCol="0" anchor="t"/>
-          <a:lstStyle/>
-          <a:p>
-            <a:pPr marL="0" indent="0" algn="r">
-              <a:lnSpc>
-                <a:spcPts val="2400"/>
-              </a:lnSpc>
-              <a:buNone/>
-            </a:pPr>
-            <a:r>
-              <a:rPr lang="en-US" sz="1500" b="0" dirty="0">
-                <a:solidFill>
-                  <a:srgbClr val="383838"/>
-                </a:solidFill>
-                <a:latin typeface="Noto Sans SC" pitchFamily="34" charset="0"/>
-                <a:ea typeface="Noto Sans SC" pitchFamily="34" charset="-122"/>
-                <a:cs typeface="Noto Sans SC" pitchFamily="34" charset="-120"/>
-              </a:rPr>
-              <a:t>封装、继承、多态</a:t>
-            </a:r>
-            <a:endParaRPr lang="en-US" sz="1545" dirty="0"/>
-          </a:p>
-        </p:txBody>
-      </p:sp>
-      <p:sp>
-        <p:nvSpPr>
-          <p:cNvPr id="7" name="Text 3"/>
-          <p:cNvSpPr/>
-          <p:nvPr/>
-        </p:nvSpPr>
-        <p:spPr>
-          <a:xfrm>
-            <a:off x="5980715" y="3355756"/>
-            <a:ext cx="2234762" cy="689741"/>
-          </a:xfrm>
-          <a:prstGeom prst="rect">
-            <a:avLst/>
-          </a:prstGeom>
-          <a:noFill/>
-        </p:spPr>
-        <p:txBody>
-          <a:bodyPr wrap="square" rtlCol="0" anchor="t"/>
-          <a:lstStyle/>
-          <a:p>
-            <a:pPr algn="l">
-              <a:lnSpc>
-                <a:spcPts val="2400"/>
-              </a:lnSpc>
-            </a:pPr>
-            <a:r>
-              <a:rPr lang="en-US" sz="1500" dirty="0">
-                <a:solidFill>
-                  <a:srgbClr val="383838"/>
-                </a:solidFill>
-              </a:rPr>
-              <a:t>特殊方法（如__init__、str）</a:t>
-            </a:r>
-            <a:endParaRPr lang="en-US" sz="1545" dirty="0"/>
+          <a:bodyPr wrap="square">
+            <a:spAutoFit/>
+          </a:bodyPr>
+          <a:lstStyle/>
+          <a:p>
+            <a:r>
+              <a:rPr lang="zh-CN" altLang="en-US" b="0" i="0" dirty="0">
+                <a:effectLst/>
+                <a:latin typeface="Helvetica Neue"/>
+              </a:rPr>
+              <a:t>关于集体通信需要记住的一点是它在进程间引入了</a:t>
+            </a:r>
+            <a:r>
+              <a:rPr lang="zh-CN" altLang="en-US" b="0" i="0" u="sng" dirty="0">
+                <a:effectLst/>
+                <a:latin typeface="Helvetica Neue"/>
+              </a:rPr>
+              <a:t>同步点的概念</a:t>
+            </a:r>
+            <a:r>
+              <a:rPr lang="zh-CN" altLang="en-US" b="0" i="0" dirty="0">
+                <a:effectLst/>
+                <a:latin typeface="Helvetica Neue"/>
+              </a:rPr>
+              <a:t>。这意味着所有的进程在执行代码的时候必须首先全部到达一个同步点才能继续执行后面的代码。</a:t>
+            </a:r>
+            <a:endParaRPr lang="zh-CN" altLang="en-US" dirty="0"/>
           </a:p>
         </p:txBody>
       </p:sp>
     </p:spTree>
+    <p:extLst>
+      <p:ext uri="{BB962C8B-B14F-4D97-AF65-F5344CB8AC3E}">
+        <p14:creationId xmlns:p14="http://schemas.microsoft.com/office/powerpoint/2010/main" val="477792381"/>
+      </p:ext>
+    </p:extLst>
   </p:cSld>
   <p:clrMapOvr>
     <a:masterClrMapping/>
@@ -4355,7 +5074,7 @@
       </p:grpSpPr>
       <p:pic>
         <p:nvPicPr>
-          <p:cNvPr id="2" name="Image 0" descr="preencoded.png"/>
+          <p:cNvPr id="2" name="Image 0" descr="https://assets.mindshow.fun/themes/yellow_bee_honeycomb_vplus_20230307/Content_header.jpg"/>
           <p:cNvPicPr>
             <a:picLocks noChangeAspect="1"/>
           </p:cNvPicPr>
@@ -4370,7 +5089,7 @@
         <p:spPr>
           <a:xfrm>
             <a:off x="0" y="0"/>
-            <a:ext cx="9144000" cy="5143500"/>
+            <a:ext cx="9144000" cy="1000125"/>
           </a:xfrm>
           <a:prstGeom prst="rect">
             <a:avLst/>
@@ -4385,8 +5104,8 @@
         </p:nvSpPr>
         <p:spPr>
           <a:xfrm>
-            <a:off x="1338263" y="433388"/>
-            <a:ext cx="6462712" cy="690563"/>
+            <a:off x="762000" y="228600"/>
+            <a:ext cx="6949440" cy="552450"/>
           </a:xfrm>
           <a:prstGeom prst="rect">
             <a:avLst/>
@@ -4394,190 +5113,199 @@
           <a:noFill/>
         </p:spPr>
         <p:txBody>
-          <a:bodyPr wrap="square" rtlCol="0" anchor="t"/>
-          <a:lstStyle/>
-          <a:p>
-            <a:pPr algn="ctr"/>
-            <a:r>
-              <a:rPr lang="en-US" sz="2600" b="1" dirty="0">
-                <a:solidFill>
-                  <a:srgbClr val="383838"/>
-                </a:solidFill>
-                <a:latin typeface="Noto Sans SC" pitchFamily="34" charset="0"/>
-                <a:ea typeface="Noto Sans SC" pitchFamily="34" charset="-122"/>
-                <a:cs typeface="Noto Sans SC" pitchFamily="34" charset="-120"/>
-              </a:rPr>
-              <a:t>7. &lt;b&gt;常用Python模块&lt;/b&gt;</a:t>
-            </a:r>
-            <a:endParaRPr lang="en-US" sz="2560" dirty="0"/>
-          </a:p>
-        </p:txBody>
-      </p:sp>
-      <p:sp>
-        <p:nvSpPr>
-          <p:cNvPr id="4" name="Text 1"/>
-          <p:cNvSpPr/>
-          <p:nvPr/>
-        </p:nvSpPr>
-        <p:spPr>
-          <a:xfrm>
-            <a:off x="757238" y="2924175"/>
-            <a:ext cx="1562100" cy="381000"/>
+          <a:bodyPr wrap="square" rtlCol="0" anchor="ctr"/>
+          <a:lstStyle/>
+          <a:p>
+            <a:r>
+              <a:rPr lang="en-US" sz="2400" b="1" dirty="0">
+                <a:solidFill>
+                  <a:srgbClr val="3A1515"/>
+                </a:solidFill>
+                <a:latin typeface="Noto Sans SC" pitchFamily="34" charset="0"/>
+                <a:ea typeface="Noto Sans SC" pitchFamily="34" charset="-122"/>
+                <a:cs typeface="Noto Sans SC" pitchFamily="34" charset="-120"/>
+              </a:rPr>
+              <a:t>4. MPI</a:t>
+            </a:r>
+            <a:r>
+              <a:rPr lang="zh-CN" altLang="en-US" sz="2400" b="1" dirty="0">
+                <a:solidFill>
+                  <a:srgbClr val="3A1515"/>
+                </a:solidFill>
+                <a:latin typeface="Noto Sans SC" pitchFamily="34" charset="0"/>
+                <a:ea typeface="Noto Sans SC" pitchFamily="34" charset="-122"/>
+                <a:cs typeface="Noto Sans SC" pitchFamily="34" charset="-120"/>
+              </a:rPr>
+              <a:t>集合</a:t>
+            </a:r>
+            <a:r>
+              <a:rPr lang="zh-CN" sz="2400" b="1" dirty="0">
+                <a:solidFill>
+                  <a:srgbClr val="3A1515"/>
+                </a:solidFill>
+                <a:latin typeface="Noto Sans SC" pitchFamily="34" charset="0"/>
+                <a:ea typeface="Noto Sans SC" pitchFamily="34" charset="-122"/>
+                <a:cs typeface="Noto Sans SC" pitchFamily="34" charset="-120"/>
+              </a:rPr>
+              <a:t>通信</a:t>
+            </a:r>
+            <a:r>
+              <a:rPr lang="zh-CN" altLang="en-US" sz="2400" b="1" dirty="0">
+                <a:solidFill>
+                  <a:srgbClr val="3A1515"/>
+                </a:solidFill>
+                <a:latin typeface="Noto Sans SC" pitchFamily="34" charset="0"/>
+                <a:ea typeface="Noto Sans SC" pitchFamily="34" charset="-122"/>
+                <a:cs typeface="Noto Sans SC" pitchFamily="34" charset="-120"/>
+              </a:rPr>
+              <a:t>（</a:t>
+            </a:r>
+            <a:r>
+              <a:rPr lang="en-US" altLang="zh-CN" sz="2400" b="1" dirty="0">
+                <a:solidFill>
+                  <a:srgbClr val="3A1515"/>
+                </a:solidFill>
+                <a:latin typeface="Noto Sans SC" pitchFamily="34" charset="0"/>
+                <a:ea typeface="Noto Sans SC" pitchFamily="34" charset="-122"/>
+                <a:cs typeface="Noto Sans SC" pitchFamily="34" charset="-120"/>
+              </a:rPr>
+              <a:t>Broadcast</a:t>
+            </a:r>
+            <a:r>
+              <a:rPr lang="zh-CN" altLang="en-US" sz="2400" b="1" dirty="0">
+                <a:solidFill>
+                  <a:srgbClr val="3A1515"/>
+                </a:solidFill>
+                <a:latin typeface="Noto Sans SC" pitchFamily="34" charset="0"/>
+                <a:ea typeface="Noto Sans SC" pitchFamily="34" charset="-122"/>
+                <a:cs typeface="Noto Sans SC" pitchFamily="34" charset="-120"/>
+              </a:rPr>
+              <a:t>）</a:t>
+            </a:r>
+            <a:endParaRPr lang="zh-CN" altLang="zh-CN" sz="2400" b="1" dirty="0">
+              <a:solidFill>
+                <a:srgbClr val="3A1515"/>
+              </a:solidFill>
+              <a:latin typeface="Noto Sans SC" pitchFamily="34" charset="0"/>
+              <a:ea typeface="Noto Sans SC" pitchFamily="34" charset="-122"/>
+              <a:cs typeface="Noto Sans SC" pitchFamily="34" charset="-120"/>
+            </a:endParaRPr>
+          </a:p>
+        </p:txBody>
+      </p:sp>
+      <p:pic>
+        <p:nvPicPr>
+          <p:cNvPr id="1026" name="Picture 2" descr="MPI_Barrier example">
+            <a:extLst>
+              <a:ext uri="{FF2B5EF4-FFF2-40B4-BE49-F238E27FC236}">
+                <a16:creationId xmlns:a16="http://schemas.microsoft.com/office/drawing/2014/main" id="{4CD29A03-A4A4-B9DF-4271-2903E6DEF40E}"/>
+              </a:ext>
+            </a:extLst>
+          </p:cNvPr>
+          <p:cNvPicPr>
+            <a:picLocks noChangeAspect="1" noChangeArrowheads="1"/>
+          </p:cNvPicPr>
+          <p:nvPr/>
+        </p:nvPicPr>
+        <p:blipFill>
+          <a:blip r:embed="rId4">
+            <a:extLst>
+              <a:ext uri="{28A0092B-C50C-407E-A947-70E740481C1C}">
+                <a14:useLocalDpi xmlns:a14="http://schemas.microsoft.com/office/drawing/2010/main" val="0"/>
+              </a:ext>
+            </a:extLst>
+          </a:blip>
+          <a:srcRect/>
+          <a:stretch>
+            <a:fillRect/>
+          </a:stretch>
+        </p:blipFill>
+        <p:spPr bwMode="auto">
+          <a:xfrm>
+            <a:off x="4670468" y="1107802"/>
+            <a:ext cx="3733800" cy="3779195"/>
           </a:xfrm>
           <a:prstGeom prst="rect">
             <a:avLst/>
           </a:prstGeom>
           <a:noFill/>
-        </p:spPr>
-        <p:txBody>
-          <a:bodyPr wrap="square" rtlCol="0" anchor="t"/>
-          <a:lstStyle/>
-          <a:p>
-            <a:pPr marL="0" indent="0" algn="ctr">
-              <a:lnSpc>
-                <a:spcPts val="1920"/>
-              </a:lnSpc>
-              <a:buNone/>
-            </a:pPr>
-            <a:r>
-              <a:rPr lang="en-US" sz="1300" b="0" dirty="0">
-                <a:solidFill>
-                  <a:srgbClr val="383838"/>
-                </a:solidFill>
-                <a:latin typeface="Noto Sans SC" pitchFamily="34" charset="0"/>
-                <a:ea typeface="Noto Sans SC" pitchFamily="34" charset="-122"/>
-                <a:cs typeface="Noto Sans SC" pitchFamily="34" charset="-120"/>
-              </a:rPr>
-              <a:t>os模块</a:t>
-            </a:r>
-            <a:endParaRPr lang="en-US" sz="1280" dirty="0"/>
-          </a:p>
-        </p:txBody>
-      </p:sp>
-      <p:sp>
-        <p:nvSpPr>
-          <p:cNvPr id="5" name="Text 2"/>
-          <p:cNvSpPr/>
-          <p:nvPr/>
-        </p:nvSpPr>
-        <p:spPr>
-          <a:xfrm>
-            <a:off x="2776538" y="2924175"/>
-            <a:ext cx="1562100" cy="381000"/>
-          </a:xfrm>
-          <a:prstGeom prst="rect">
-            <a:avLst/>
-          </a:prstGeom>
-          <a:noFill/>
-        </p:spPr>
-        <p:txBody>
-          <a:bodyPr wrap="square" rtlCol="0" anchor="t"/>
-          <a:lstStyle/>
-          <a:p>
-            <a:pPr marL="0" indent="0" algn="ctr">
-              <a:lnSpc>
-                <a:spcPts val="1920"/>
-              </a:lnSpc>
-              <a:buNone/>
-            </a:pPr>
-            <a:r>
-              <a:rPr lang="en-US" sz="1300" b="0" dirty="0">
-                <a:solidFill>
-                  <a:srgbClr val="383838"/>
-                </a:solidFill>
-                <a:latin typeface="Noto Sans SC" pitchFamily="34" charset="0"/>
-                <a:ea typeface="Noto Sans SC" pitchFamily="34" charset="-122"/>
-                <a:cs typeface="Noto Sans SC" pitchFamily="34" charset="-120"/>
-              </a:rPr>
-              <a:t>sys模块</a:t>
-            </a:r>
-            <a:endParaRPr lang="en-US" sz="1280" dirty="0"/>
-          </a:p>
-        </p:txBody>
-      </p:sp>
-      <p:sp>
-        <p:nvSpPr>
-          <p:cNvPr id="6" name="Text 3"/>
-          <p:cNvSpPr/>
-          <p:nvPr/>
-        </p:nvSpPr>
-        <p:spPr>
-          <a:xfrm>
-            <a:off x="4805363" y="2924175"/>
-            <a:ext cx="1562100" cy="381000"/>
-          </a:xfrm>
-          <a:prstGeom prst="rect">
-            <a:avLst/>
-          </a:prstGeom>
-          <a:noFill/>
-        </p:spPr>
-        <p:txBody>
-          <a:bodyPr wrap="square" rtlCol="0" anchor="t"/>
-          <a:lstStyle/>
-          <a:p>
-            <a:pPr marL="0" indent="0" algn="ctr">
-              <a:lnSpc>
-                <a:spcPts val="1920"/>
-              </a:lnSpc>
-              <a:buNone/>
-            </a:pPr>
-            <a:r>
-              <a:rPr lang="en-US" sz="1300" b="0" dirty="0">
-                <a:solidFill>
-                  <a:srgbClr val="383838"/>
-                </a:solidFill>
-                <a:latin typeface="Noto Sans SC" pitchFamily="34" charset="0"/>
-                <a:ea typeface="Noto Sans SC" pitchFamily="34" charset="-122"/>
-                <a:cs typeface="Noto Sans SC" pitchFamily="34" charset="-120"/>
-              </a:rPr>
-              <a:t>datetime模块</a:t>
-            </a:r>
-            <a:endParaRPr lang="en-US" sz="1280" dirty="0"/>
-          </a:p>
-        </p:txBody>
-      </p:sp>
-      <p:sp>
-        <p:nvSpPr>
-          <p:cNvPr id="7" name="Text 4"/>
-          <p:cNvSpPr/>
-          <p:nvPr/>
-        </p:nvSpPr>
-        <p:spPr>
-          <a:xfrm>
-            <a:off x="6824663" y="2924175"/>
-            <a:ext cx="1562100" cy="381000"/>
-          </a:xfrm>
-          <a:prstGeom prst="rect">
-            <a:avLst/>
-          </a:prstGeom>
-          <a:noFill/>
-        </p:spPr>
-        <p:txBody>
-          <a:bodyPr wrap="square" rtlCol="0" anchor="t"/>
-          <a:lstStyle/>
-          <a:p>
-            <a:pPr marL="0" indent="0" algn="ctr">
-              <a:lnSpc>
-                <a:spcPts val="1920"/>
-              </a:lnSpc>
-              <a:buNone/>
-            </a:pPr>
-            <a:r>
-              <a:rPr lang="en-US" sz="1300" b="0" dirty="0">
-                <a:solidFill>
-                  <a:srgbClr val="383838"/>
-                </a:solidFill>
-                <a:latin typeface="Noto Sans SC" pitchFamily="34" charset="0"/>
-                <a:ea typeface="Noto Sans SC" pitchFamily="34" charset="-122"/>
-                <a:cs typeface="Noto Sans SC" pitchFamily="34" charset="-120"/>
-              </a:rPr>
-              <a:t>math模块</a:t>
-            </a:r>
-            <a:endParaRPr lang="en-US" sz="1280" dirty="0"/>
-          </a:p>
-        </p:txBody>
-      </p:sp>
+          <a:extLst>
+            <a:ext uri="{909E8E84-426E-40DD-AFC4-6F175D3DCCD1}">
+              <a14:hiddenFill xmlns:a14="http://schemas.microsoft.com/office/drawing/2010/main">
+                <a:solidFill>
+                  <a:srgbClr val="FFFFFF"/>
+                </a:solidFill>
+              </a14:hiddenFill>
+            </a:ext>
+          </a:extLst>
+        </p:spPr>
+      </p:pic>
+      <p:pic>
+        <p:nvPicPr>
+          <p:cNvPr id="8" name="图片 7">
+            <a:extLst>
+              <a:ext uri="{FF2B5EF4-FFF2-40B4-BE49-F238E27FC236}">
+                <a16:creationId xmlns:a16="http://schemas.microsoft.com/office/drawing/2014/main" id="{AA997940-5B25-BDC4-6673-CCFFEFEDA5D1}"/>
+              </a:ext>
+            </a:extLst>
+          </p:cNvPr>
+          <p:cNvPicPr>
+            <a:picLocks noChangeAspect="1"/>
+          </p:cNvPicPr>
+          <p:nvPr/>
+        </p:nvPicPr>
+        <p:blipFill>
+          <a:blip r:embed="rId5"/>
+          <a:stretch>
+            <a:fillRect/>
+          </a:stretch>
+        </p:blipFill>
+        <p:spPr>
+          <a:xfrm>
+            <a:off x="455282" y="1387121"/>
+            <a:ext cx="3733800" cy="742950"/>
+          </a:xfrm>
+          <a:prstGeom prst="rect">
+            <a:avLst/>
+          </a:prstGeom>
+        </p:spPr>
+      </p:pic>
+      <p:pic>
+        <p:nvPicPr>
+          <p:cNvPr id="9" name="图片 8">
+            <a:extLst>
+              <a:ext uri="{FF2B5EF4-FFF2-40B4-BE49-F238E27FC236}">
+                <a16:creationId xmlns:a16="http://schemas.microsoft.com/office/drawing/2014/main" id="{86A580B1-9F91-312B-F837-48D0B7AC5D73}"/>
+              </a:ext>
+            </a:extLst>
+          </p:cNvPr>
+          <p:cNvPicPr>
+            <a:picLocks noChangeAspect="1"/>
+          </p:cNvPicPr>
+          <p:nvPr/>
+        </p:nvPicPr>
+        <p:blipFill>
+          <a:blip r:embed="rId6"/>
+          <a:stretch>
+            <a:fillRect/>
+          </a:stretch>
+        </p:blipFill>
+        <p:spPr>
+          <a:xfrm>
+            <a:off x="1162332" y="2630103"/>
+            <a:ext cx="2319700" cy="1909652"/>
+          </a:xfrm>
+          <a:prstGeom prst="rect">
+            <a:avLst/>
+          </a:prstGeom>
+        </p:spPr>
+      </p:pic>
     </p:spTree>
+    <p:extLst>
+      <p:ext uri="{BB962C8B-B14F-4D97-AF65-F5344CB8AC3E}">
+        <p14:creationId xmlns:p14="http://schemas.microsoft.com/office/powerpoint/2010/main" val="3137373603"/>
+      </p:ext>
+    </p:extLst>
   </p:cSld>
   <p:clrMapOvr>
     <a:masterClrMapping/>
@@ -4604,7 +5332,7 @@
       </p:grpSpPr>
       <p:pic>
         <p:nvPicPr>
-          <p:cNvPr id="2" name="Image 0" descr="preencoded.png"/>
+          <p:cNvPr id="2" name="Image 0" descr="https://assets.mindshow.fun/themes/yellow_bee_honeycomb_vplus_20230307/Content_header.jpg"/>
           <p:cNvPicPr>
             <a:picLocks noChangeAspect="1"/>
           </p:cNvPicPr>
@@ -4619,7 +5347,7 @@
         <p:spPr>
           <a:xfrm>
             <a:off x="0" y="0"/>
-            <a:ext cx="9144000" cy="5143500"/>
+            <a:ext cx="9144000" cy="1000125"/>
           </a:xfrm>
           <a:prstGeom prst="rect">
             <a:avLst/>
@@ -4634,8 +5362,8 @@
         </p:nvSpPr>
         <p:spPr>
           <a:xfrm>
-            <a:off x="466725" y="376238"/>
-            <a:ext cx="4086225" cy="552450"/>
+            <a:off x="762000" y="228600"/>
+            <a:ext cx="6949440" cy="552450"/>
           </a:xfrm>
           <a:prstGeom prst="rect">
             <a:avLst/>
@@ -4643,107 +5371,199 @@
           <a:noFill/>
         </p:spPr>
         <p:txBody>
-          <a:bodyPr wrap="square" rtlCol="0" anchor="t"/>
-          <a:lstStyle/>
-          <a:p>
-            <a:r>
-              <a:rPr lang="en-US" sz="1900" b="1" dirty="0">
-                <a:solidFill>
-                  <a:srgbClr val="383838"/>
-                </a:solidFill>
-                <a:latin typeface="Noto Sans SC" pitchFamily="34" charset="0"/>
-                <a:ea typeface="Noto Sans SC" pitchFamily="34" charset="-122"/>
-                <a:cs typeface="Noto Sans SC" pitchFamily="34" charset="-120"/>
-              </a:rPr>
-              <a:t>8. &lt;b&gt;文件操作与异常处理&lt;/b&gt;</a:t>
-            </a:r>
-            <a:endParaRPr lang="en-US" sz="1920" dirty="0"/>
-          </a:p>
-        </p:txBody>
-      </p:sp>
-      <p:sp>
-        <p:nvSpPr>
-          <p:cNvPr id="4" name="Text 1"/>
-          <p:cNvSpPr/>
-          <p:nvPr/>
-        </p:nvSpPr>
-        <p:spPr>
-          <a:xfrm>
-            <a:off x="552450" y="2466975"/>
-            <a:ext cx="2952750" cy="285750"/>
+          <a:bodyPr wrap="square" rtlCol="0" anchor="ctr"/>
+          <a:lstStyle/>
+          <a:p>
+            <a:r>
+              <a:rPr lang="en-US" sz="2400" b="1" dirty="0">
+                <a:solidFill>
+                  <a:srgbClr val="3A1515"/>
+                </a:solidFill>
+                <a:latin typeface="Noto Sans SC" pitchFamily="34" charset="0"/>
+                <a:ea typeface="Noto Sans SC" pitchFamily="34" charset="-122"/>
+                <a:cs typeface="Noto Sans SC" pitchFamily="34" charset="-120"/>
+              </a:rPr>
+              <a:t>4. MPI</a:t>
+            </a:r>
+            <a:r>
+              <a:rPr lang="zh-CN" altLang="en-US" sz="2400" b="1" dirty="0">
+                <a:solidFill>
+                  <a:srgbClr val="3A1515"/>
+                </a:solidFill>
+                <a:latin typeface="Noto Sans SC" pitchFamily="34" charset="0"/>
+                <a:ea typeface="Noto Sans SC" pitchFamily="34" charset="-122"/>
+                <a:cs typeface="Noto Sans SC" pitchFamily="34" charset="-120"/>
+              </a:rPr>
+              <a:t>集合</a:t>
+            </a:r>
+            <a:r>
+              <a:rPr lang="zh-CN" sz="2400" b="1" dirty="0">
+                <a:solidFill>
+                  <a:srgbClr val="3A1515"/>
+                </a:solidFill>
+                <a:latin typeface="Noto Sans SC" pitchFamily="34" charset="0"/>
+                <a:ea typeface="Noto Sans SC" pitchFamily="34" charset="-122"/>
+                <a:cs typeface="Noto Sans SC" pitchFamily="34" charset="-120"/>
+              </a:rPr>
+              <a:t>通信</a:t>
+            </a:r>
+            <a:r>
+              <a:rPr lang="zh-CN" altLang="en-US" sz="2400" b="1" dirty="0">
+                <a:solidFill>
+                  <a:srgbClr val="3A1515"/>
+                </a:solidFill>
+                <a:latin typeface="Noto Sans SC" pitchFamily="34" charset="0"/>
+                <a:ea typeface="Noto Sans SC" pitchFamily="34" charset="-122"/>
+                <a:cs typeface="Noto Sans SC" pitchFamily="34" charset="-120"/>
+              </a:rPr>
+              <a:t>（</a:t>
+            </a:r>
+            <a:r>
+              <a:rPr lang="en-US" altLang="zh-CN" sz="2400" b="1" dirty="0">
+                <a:solidFill>
+                  <a:srgbClr val="3A1515"/>
+                </a:solidFill>
+                <a:latin typeface="Noto Sans SC" pitchFamily="34" charset="0"/>
+                <a:ea typeface="Noto Sans SC" pitchFamily="34" charset="-122"/>
+                <a:cs typeface="Noto Sans SC" pitchFamily="34" charset="-120"/>
+              </a:rPr>
+              <a:t>Broadcast</a:t>
+            </a:r>
+            <a:r>
+              <a:rPr lang="zh-CN" altLang="en-US" sz="2400" b="1" dirty="0">
+                <a:solidFill>
+                  <a:srgbClr val="3A1515"/>
+                </a:solidFill>
+                <a:latin typeface="Noto Sans SC" pitchFamily="34" charset="0"/>
+                <a:ea typeface="Noto Sans SC" pitchFamily="34" charset="-122"/>
+                <a:cs typeface="Noto Sans SC" pitchFamily="34" charset="-120"/>
+              </a:rPr>
+              <a:t>）</a:t>
+            </a:r>
+            <a:endParaRPr lang="zh-CN" altLang="zh-CN" sz="2400" b="1" dirty="0">
+              <a:solidFill>
+                <a:srgbClr val="3A1515"/>
+              </a:solidFill>
+              <a:latin typeface="Noto Sans SC" pitchFamily="34" charset="0"/>
+              <a:ea typeface="Noto Sans SC" pitchFamily="34" charset="-122"/>
+              <a:cs typeface="Noto Sans SC" pitchFamily="34" charset="-120"/>
+            </a:endParaRPr>
+          </a:p>
+        </p:txBody>
+      </p:sp>
+      <p:pic>
+        <p:nvPicPr>
+          <p:cNvPr id="3074" name="Picture 2" descr="MPI_Bcast 模式">
+            <a:extLst>
+              <a:ext uri="{FF2B5EF4-FFF2-40B4-BE49-F238E27FC236}">
+                <a16:creationId xmlns:a16="http://schemas.microsoft.com/office/drawing/2014/main" id="{54296C3F-BFD6-F6D8-52DF-529B83D9E116}"/>
+              </a:ext>
+            </a:extLst>
+          </p:cNvPr>
+          <p:cNvPicPr>
+            <a:picLocks noChangeAspect="1" noChangeArrowheads="1"/>
+          </p:cNvPicPr>
+          <p:nvPr/>
+        </p:nvPicPr>
+        <p:blipFill>
+          <a:blip r:embed="rId4">
+            <a:extLst>
+              <a:ext uri="{28A0092B-C50C-407E-A947-70E740481C1C}">
+                <a14:useLocalDpi xmlns:a14="http://schemas.microsoft.com/office/drawing/2010/main" val="0"/>
+              </a:ext>
+            </a:extLst>
+          </a:blip>
+          <a:srcRect/>
+          <a:stretch>
+            <a:fillRect/>
+          </a:stretch>
+        </p:blipFill>
+        <p:spPr bwMode="auto">
+          <a:xfrm>
+            <a:off x="5373813" y="1519237"/>
+            <a:ext cx="3067050" cy="1162050"/>
           </a:xfrm>
           <a:prstGeom prst="rect">
             <a:avLst/>
           </a:prstGeom>
           <a:noFill/>
-        </p:spPr>
-        <p:txBody>
-          <a:bodyPr wrap="square" rtlCol="0" anchor="t"/>
-          <a:lstStyle/>
-          <a:p>
-            <a:pPr marL="0" indent="0" algn="l">
-              <a:lnSpc>
-                <a:spcPts val="1920"/>
-              </a:lnSpc>
-              <a:buNone/>
-            </a:pPr>
-            <a:r>
-              <a:rPr lang="en-US" sz="1300" b="0" dirty="0">
-                <a:solidFill>
-                  <a:srgbClr val="383838"/>
-                </a:solidFill>
-                <a:latin typeface="Noto Sans SC" pitchFamily="34" charset="0"/>
-                <a:ea typeface="Noto Sans SC" pitchFamily="34" charset="-122"/>
-                <a:cs typeface="Noto Sans SC" pitchFamily="34" charset="-120"/>
-              </a:rPr>
-              <a:t>文件的打开、读写与关闭</a:t>
-            </a:r>
-            <a:endParaRPr lang="en-US" sz="1280" dirty="0"/>
-          </a:p>
-        </p:txBody>
-      </p:sp>
-      <p:sp>
-        <p:nvSpPr>
-          <p:cNvPr id="5" name="Text 2"/>
-          <p:cNvSpPr/>
-          <p:nvPr/>
-        </p:nvSpPr>
-        <p:spPr>
-          <a:xfrm>
-            <a:off x="552450" y="3038475"/>
-            <a:ext cx="2952750" cy="285750"/>
-          </a:xfrm>
-          <a:prstGeom prst="rect">
-            <a:avLst/>
-          </a:prstGeom>
-          <a:noFill/>
-        </p:spPr>
-        <p:txBody>
-          <a:bodyPr wrap="square" rtlCol="0" anchor="t"/>
-          <a:lstStyle/>
-          <a:p>
-            <a:pPr marL="0" indent="0" algn="l">
-              <a:lnSpc>
-                <a:spcPts val="1920"/>
-              </a:lnSpc>
-              <a:buNone/>
-            </a:pPr>
-            <a:r>
-              <a:rPr lang="en-US" sz="1300" b="0" dirty="0">
-                <a:solidFill>
-                  <a:srgbClr val="383838"/>
-                </a:solidFill>
-                <a:latin typeface="Noto Sans SC" pitchFamily="34" charset="0"/>
-                <a:ea typeface="Noto Sans SC" pitchFamily="34" charset="-122"/>
-                <a:cs typeface="Noto Sans SC" pitchFamily="34" charset="-120"/>
-              </a:rPr>
-              <a:t>异常捕捉与处理</a:t>
-            </a:r>
-            <a:endParaRPr lang="en-US" sz="1280" dirty="0"/>
-          </a:p>
-        </p:txBody>
-      </p:sp>
+          <a:extLst>
+            <a:ext uri="{909E8E84-426E-40DD-AFC4-6F175D3DCCD1}">
+              <a14:hiddenFill xmlns:a14="http://schemas.microsoft.com/office/drawing/2010/main">
+                <a:solidFill>
+                  <a:srgbClr val="FFFFFF"/>
+                </a:solidFill>
+              </a14:hiddenFill>
+            </a:ext>
+          </a:extLst>
+        </p:spPr>
+      </p:pic>
+      <p:pic>
+        <p:nvPicPr>
+          <p:cNvPr id="5" name="图片 4">
+            <a:extLst>
+              <a:ext uri="{FF2B5EF4-FFF2-40B4-BE49-F238E27FC236}">
+                <a16:creationId xmlns:a16="http://schemas.microsoft.com/office/drawing/2014/main" id="{A265D092-D6D7-8522-CFF6-97FDE952F770}"/>
+              </a:ext>
+            </a:extLst>
+          </p:cNvPr>
+          <p:cNvPicPr>
+            <a:picLocks noChangeAspect="1"/>
+          </p:cNvPicPr>
+          <p:nvPr/>
+        </p:nvPicPr>
+        <p:blipFill>
+          <a:blip r:embed="rId5"/>
+          <a:stretch>
+            <a:fillRect/>
+          </a:stretch>
+        </p:blipFill>
+        <p:spPr>
+          <a:xfrm>
+            <a:off x="538333" y="1228725"/>
+            <a:ext cx="3629025" cy="1743075"/>
+          </a:xfrm>
+          <a:prstGeom prst="rect">
+            <a:avLst/>
+          </a:prstGeom>
+        </p:spPr>
+      </p:pic>
+      <p:pic>
+        <p:nvPicPr>
+          <p:cNvPr id="12" name="图片 11">
+            <a:extLst>
+              <a:ext uri="{FF2B5EF4-FFF2-40B4-BE49-F238E27FC236}">
+                <a16:creationId xmlns:a16="http://schemas.microsoft.com/office/drawing/2014/main" id="{47051D45-2901-534B-A812-5293F5C0D28F}"/>
+              </a:ext>
+            </a:extLst>
+          </p:cNvPr>
+          <p:cNvPicPr>
+            <a:picLocks noChangeAspect="1"/>
+          </p:cNvPicPr>
+          <p:nvPr/>
+        </p:nvPicPr>
+        <p:blipFill>
+          <a:blip r:embed="rId6"/>
+          <a:stretch>
+            <a:fillRect/>
+          </a:stretch>
+        </p:blipFill>
+        <p:spPr>
+          <a:xfrm>
+            <a:off x="712470" y="3286125"/>
+            <a:ext cx="7048500" cy="1428750"/>
+          </a:xfrm>
+          <a:prstGeom prst="rect">
+            <a:avLst/>
+          </a:prstGeom>
+        </p:spPr>
+      </p:pic>
     </p:spTree>
+    <p:extLst>
+      <p:ext uri="{BB962C8B-B14F-4D97-AF65-F5344CB8AC3E}">
+        <p14:creationId xmlns:p14="http://schemas.microsoft.com/office/powerpoint/2010/main" val="1280755967"/>
+      </p:ext>
+    </p:extLst>
   </p:cSld>
   <p:clrMapOvr>
     <a:masterClrMapping/>
@@ -4770,7 +5590,7 @@
       </p:grpSpPr>
       <p:pic>
         <p:nvPicPr>
-          <p:cNvPr id="2" name="Image 0" descr="preencoded.png"/>
+          <p:cNvPr id="2" name="Image 0" descr="https://assets.mindshow.fun/themes/yellow_bee_honeycomb_vplus_20230307/Content_header.jpg"/>
           <p:cNvPicPr>
             <a:picLocks noChangeAspect="1"/>
           </p:cNvPicPr>
@@ -4785,7 +5605,7 @@
         <p:spPr>
           <a:xfrm>
             <a:off x="0" y="0"/>
-            <a:ext cx="9144000" cy="5143500"/>
+            <a:ext cx="9144000" cy="1000125"/>
           </a:xfrm>
           <a:prstGeom prst="rect">
             <a:avLst/>
@@ -4800,8 +5620,8 @@
         </p:nvSpPr>
         <p:spPr>
           <a:xfrm>
-            <a:off x="971550" y="1090613"/>
-            <a:ext cx="7286625" cy="500063"/>
+            <a:off x="762000" y="228600"/>
+            <a:ext cx="6949440" cy="552450"/>
           </a:xfrm>
           <a:prstGeom prst="rect">
             <a:avLst/>
@@ -4809,76 +5629,179 @@
           <a:noFill/>
         </p:spPr>
         <p:txBody>
-          <a:bodyPr wrap="square" rtlCol="0" anchor="t"/>
-          <a:lstStyle/>
-          <a:p>
-            <a:pPr algn="ctr"/>
-            <a:r>
-              <a:rPr lang="en-US" sz="1800" b="1" dirty="0">
-                <a:solidFill>
-                  <a:srgbClr val="383838"/>
-                </a:solidFill>
-                <a:latin typeface="Noto Sans SC" pitchFamily="34" charset="0"/>
-                <a:ea typeface="Noto Sans SC" pitchFamily="34" charset="-122"/>
-                <a:cs typeface="Noto Sans SC" pitchFamily="34" charset="-120"/>
-              </a:rPr>
-              <a:t>9. &lt;b&gt;实战项目&lt;/b&gt;</a:t>
-            </a:r>
-            <a:endParaRPr lang="en-US" sz="1760" dirty="0"/>
-          </a:p>
-        </p:txBody>
-      </p:sp>
-      <p:sp>
-        <p:nvSpPr>
-          <p:cNvPr id="4" name="Text 1"/>
-          <p:cNvSpPr/>
-          <p:nvPr/>
-        </p:nvSpPr>
-        <p:spPr>
-          <a:xfrm>
-            <a:off x="800100" y="3124200"/>
-            <a:ext cx="2286000" cy="381000"/>
+          <a:bodyPr wrap="square" rtlCol="0" anchor="ctr"/>
+          <a:lstStyle/>
+          <a:p>
+            <a:r>
+              <a:rPr lang="en-US" sz="2400" b="1" dirty="0">
+                <a:solidFill>
+                  <a:srgbClr val="3A1515"/>
+                </a:solidFill>
+                <a:latin typeface="Noto Sans SC" pitchFamily="34" charset="0"/>
+                <a:ea typeface="Noto Sans SC" pitchFamily="34" charset="-122"/>
+                <a:cs typeface="Noto Sans SC" pitchFamily="34" charset="-120"/>
+              </a:rPr>
+              <a:t>4. MPI</a:t>
+            </a:r>
+            <a:r>
+              <a:rPr lang="zh-CN" altLang="en-US" sz="2400" b="1" dirty="0">
+                <a:solidFill>
+                  <a:srgbClr val="3A1515"/>
+                </a:solidFill>
+                <a:latin typeface="Noto Sans SC" pitchFamily="34" charset="0"/>
+                <a:ea typeface="Noto Sans SC" pitchFamily="34" charset="-122"/>
+                <a:cs typeface="Noto Sans SC" pitchFamily="34" charset="-120"/>
+              </a:rPr>
+              <a:t>集合</a:t>
+            </a:r>
+            <a:r>
+              <a:rPr lang="zh-CN" sz="2400" b="1" dirty="0">
+                <a:solidFill>
+                  <a:srgbClr val="3A1515"/>
+                </a:solidFill>
+                <a:latin typeface="Noto Sans SC" pitchFamily="34" charset="0"/>
+                <a:ea typeface="Noto Sans SC" pitchFamily="34" charset="-122"/>
+                <a:cs typeface="Noto Sans SC" pitchFamily="34" charset="-120"/>
+              </a:rPr>
+              <a:t>通信</a:t>
+            </a:r>
+            <a:r>
+              <a:rPr lang="zh-CN" altLang="en-US" sz="2400" b="1" dirty="0">
+                <a:solidFill>
+                  <a:srgbClr val="3A1515"/>
+                </a:solidFill>
+                <a:latin typeface="Noto Sans SC" pitchFamily="34" charset="0"/>
+                <a:ea typeface="Noto Sans SC" pitchFamily="34" charset="-122"/>
+                <a:cs typeface="Noto Sans SC" pitchFamily="34" charset="-120"/>
+              </a:rPr>
+              <a:t>（</a:t>
+            </a:r>
+            <a:r>
+              <a:rPr lang="en-US" altLang="zh-CN" sz="2400" b="1" dirty="0">
+                <a:solidFill>
+                  <a:srgbClr val="3A1515"/>
+                </a:solidFill>
+                <a:latin typeface="Noto Sans SC" pitchFamily="34" charset="0"/>
+                <a:ea typeface="Noto Sans SC" pitchFamily="34" charset="-122"/>
+                <a:cs typeface="Noto Sans SC" pitchFamily="34" charset="-120"/>
+              </a:rPr>
+              <a:t>Broadcast</a:t>
+            </a:r>
+            <a:r>
+              <a:rPr lang="zh-CN" altLang="en-US" sz="2400" b="1" dirty="0">
+                <a:solidFill>
+                  <a:srgbClr val="3A1515"/>
+                </a:solidFill>
+                <a:latin typeface="Noto Sans SC" pitchFamily="34" charset="0"/>
+                <a:ea typeface="Noto Sans SC" pitchFamily="34" charset="-122"/>
+                <a:cs typeface="Noto Sans SC" pitchFamily="34" charset="-120"/>
+              </a:rPr>
+              <a:t>）</a:t>
+            </a:r>
+            <a:endParaRPr lang="zh-CN" altLang="zh-CN" sz="2400" b="1" dirty="0">
+              <a:solidFill>
+                <a:srgbClr val="3A1515"/>
+              </a:solidFill>
+              <a:latin typeface="Noto Sans SC" pitchFamily="34" charset="0"/>
+              <a:ea typeface="Noto Sans SC" pitchFamily="34" charset="-122"/>
+              <a:cs typeface="Noto Sans SC" pitchFamily="34" charset="-120"/>
+            </a:endParaRPr>
+          </a:p>
+        </p:txBody>
+      </p:sp>
+      <p:pic>
+        <p:nvPicPr>
+          <p:cNvPr id="4098" name="Picture 2" descr="MPI_Bcast tree">
+            <a:extLst>
+              <a:ext uri="{FF2B5EF4-FFF2-40B4-BE49-F238E27FC236}">
+                <a16:creationId xmlns:a16="http://schemas.microsoft.com/office/drawing/2014/main" id="{03944899-6703-C375-2161-6F7262FC3AA6}"/>
+              </a:ext>
+            </a:extLst>
+          </p:cNvPr>
+          <p:cNvPicPr>
+            <a:picLocks noChangeAspect="1" noChangeArrowheads="1"/>
+          </p:cNvPicPr>
+          <p:nvPr/>
+        </p:nvPicPr>
+        <p:blipFill>
+          <a:blip r:embed="rId4">
+            <a:extLst>
+              <a:ext uri="{28A0092B-C50C-407E-A947-70E740481C1C}">
+                <a14:useLocalDpi xmlns:a14="http://schemas.microsoft.com/office/drawing/2010/main" val="0"/>
+              </a:ext>
+            </a:extLst>
+          </a:blip>
+          <a:srcRect/>
+          <a:stretch>
+            <a:fillRect/>
+          </a:stretch>
+        </p:blipFill>
+        <p:spPr bwMode="auto">
+          <a:xfrm>
+            <a:off x="5591656" y="3421306"/>
+            <a:ext cx="2980776" cy="1512538"/>
           </a:xfrm>
           <a:prstGeom prst="rect">
             <a:avLst/>
           </a:prstGeom>
           <a:noFill/>
-        </p:spPr>
-        <p:txBody>
-          <a:bodyPr wrap="square" rtlCol="0" anchor="t"/>
-          <a:lstStyle/>
-          <a:p>
-            <a:pPr marL="0" indent="0" algn="l">
-              <a:lnSpc>
-                <a:spcPts val="1920"/>
-              </a:lnSpc>
-              <a:buNone/>
-            </a:pPr>
-            <a:r>
-              <a:rPr lang="en-US" sz="1300" b="0" dirty="0">
-                <a:solidFill>
-                  <a:srgbClr val="383838"/>
-                </a:solidFill>
-                <a:latin typeface="Noto Sans SC" pitchFamily="34" charset="0"/>
-                <a:ea typeface="Noto Sans SC" pitchFamily="34" charset="-122"/>
-                <a:cs typeface="Noto Sans SC" pitchFamily="34" charset="-120"/>
-              </a:rPr>
-              <a:t>示例项目介绍</a:t>
-            </a:r>
-            <a:endParaRPr lang="en-US" sz="1280" dirty="0"/>
-          </a:p>
-        </p:txBody>
-      </p:sp>
-      <p:sp>
-        <p:nvSpPr>
-          <p:cNvPr id="5" name="Text 2"/>
-          <p:cNvSpPr/>
-          <p:nvPr/>
-        </p:nvSpPr>
-        <p:spPr>
-          <a:xfrm>
-            <a:off x="3429000" y="3124200"/>
-            <a:ext cx="2286000" cy="381000"/>
+          <a:extLst>
+            <a:ext uri="{909E8E84-426E-40DD-AFC4-6F175D3DCCD1}">
+              <a14:hiddenFill xmlns:a14="http://schemas.microsoft.com/office/drawing/2010/main">
+                <a:solidFill>
+                  <a:srgbClr val="FFFFFF"/>
+                </a:solidFill>
+              </a14:hiddenFill>
+            </a:ext>
+          </a:extLst>
+        </p:spPr>
+      </p:pic>
+      <p:pic>
+        <p:nvPicPr>
+          <p:cNvPr id="5" name="图片 4">
+            <a:extLst>
+              <a:ext uri="{FF2B5EF4-FFF2-40B4-BE49-F238E27FC236}">
+                <a16:creationId xmlns:a16="http://schemas.microsoft.com/office/drawing/2014/main" id="{84A33883-CE1A-0EEA-8F2A-1045053BAE59}"/>
+              </a:ext>
+            </a:extLst>
+          </p:cNvPr>
+          <p:cNvPicPr>
+            <a:picLocks noChangeAspect="1"/>
+          </p:cNvPicPr>
+          <p:nvPr/>
+        </p:nvPicPr>
+        <p:blipFill>
+          <a:blip r:embed="rId5"/>
+          <a:stretch>
+            <a:fillRect/>
+          </a:stretch>
+        </p:blipFill>
+        <p:spPr>
+          <a:xfrm>
+            <a:off x="0" y="2025330"/>
+            <a:ext cx="5213191" cy="2040132"/>
+          </a:xfrm>
+          <a:prstGeom prst="rect">
+            <a:avLst/>
+          </a:prstGeom>
+        </p:spPr>
+      </p:pic>
+      <p:sp>
+        <p:nvSpPr>
+          <p:cNvPr id="6" name="文本框 5">
+            <a:extLst>
+              <a:ext uri="{FF2B5EF4-FFF2-40B4-BE49-F238E27FC236}">
+                <a16:creationId xmlns:a16="http://schemas.microsoft.com/office/drawing/2014/main" id="{7F375BCE-7F5C-5DDE-6B39-0015B33F0D72}"/>
+              </a:ext>
+            </a:extLst>
+          </p:cNvPr>
+          <p:cNvSpPr txBox="1"/>
+          <p:nvPr/>
+        </p:nvSpPr>
+        <p:spPr>
+          <a:xfrm>
+            <a:off x="670998" y="1276213"/>
+            <a:ext cx="6769191" cy="400110"/>
           </a:xfrm>
           <a:prstGeom prst="rect">
             <a:avLst/>
@@ -4886,72 +5809,103 @@
           <a:noFill/>
         </p:spPr>
         <p:txBody>
-          <a:bodyPr wrap="square" rtlCol="0" anchor="t"/>
-          <a:lstStyle/>
-          <a:p>
-            <a:pPr marL="0" indent="0" algn="l">
-              <a:lnSpc>
-                <a:spcPts val="1920"/>
-              </a:lnSpc>
-              <a:buNone/>
-            </a:pPr>
-            <a:r>
-              <a:rPr lang="en-US" sz="1300" b="0" dirty="0">
-                <a:solidFill>
-                  <a:srgbClr val="383838"/>
-                </a:solidFill>
-                <a:latin typeface="Noto Sans SC" pitchFamily="34" charset="0"/>
-                <a:ea typeface="Noto Sans SC" pitchFamily="34" charset="-122"/>
-                <a:cs typeface="Noto Sans SC" pitchFamily="34" charset="-120"/>
-              </a:rPr>
-              <a:t>逐步实现项目功能</a:t>
-            </a:r>
-            <a:endParaRPr lang="en-US" sz="1280" dirty="0"/>
-          </a:p>
-        </p:txBody>
-      </p:sp>
-      <p:sp>
-        <p:nvSpPr>
-          <p:cNvPr id="6" name="Text 3"/>
-          <p:cNvSpPr/>
-          <p:nvPr/>
-        </p:nvSpPr>
-        <p:spPr>
-          <a:xfrm>
-            <a:off x="6057900" y="3124200"/>
-            <a:ext cx="2286000" cy="381000"/>
+          <a:bodyPr wrap="square" rtlCol="0">
+            <a:spAutoFit/>
+          </a:bodyPr>
+          <a:lstStyle/>
+          <a:p>
+            <a:r>
+              <a:rPr lang="en-US" altLang="zh-CN" sz="2000" dirty="0" err="1"/>
+              <a:t>MPI_Bcast</a:t>
+            </a:r>
+            <a:r>
+              <a:rPr lang="en-US" altLang="zh-CN" sz="2000" dirty="0"/>
+              <a:t>  </a:t>
+            </a:r>
+            <a:r>
+              <a:rPr lang="zh-CN" altLang="en-US" sz="2000" dirty="0"/>
+              <a:t>与 </a:t>
+            </a:r>
+            <a:r>
+              <a:rPr lang="en-US" altLang="zh-CN" sz="2000" dirty="0"/>
+              <a:t>for</a:t>
+            </a:r>
+            <a:r>
+              <a:rPr lang="zh-CN" altLang="en-US" sz="2000" dirty="0"/>
+              <a:t>循环实现的</a:t>
+            </a:r>
+            <a:r>
+              <a:rPr lang="en-US" altLang="zh-CN" sz="2000" dirty="0" err="1"/>
+              <a:t>MPI_Send</a:t>
+            </a:r>
+            <a:r>
+              <a:rPr lang="zh-CN" altLang="en-US" sz="2000" dirty="0"/>
+              <a:t>和</a:t>
+            </a:r>
+            <a:r>
+              <a:rPr lang="en-US" altLang="zh-CN" sz="2000" dirty="0" err="1"/>
+              <a:t>MPI_Recv</a:t>
+            </a:r>
+            <a:r>
+              <a:rPr lang="zh-CN" altLang="en-US" sz="2000" dirty="0"/>
+              <a:t>的对比</a:t>
+            </a:r>
+          </a:p>
+        </p:txBody>
+      </p:sp>
+      <p:pic>
+        <p:nvPicPr>
+          <p:cNvPr id="7" name="Picture 2" descr="MPI_Bcast 模式">
+            <a:extLst>
+              <a:ext uri="{FF2B5EF4-FFF2-40B4-BE49-F238E27FC236}">
+                <a16:creationId xmlns:a16="http://schemas.microsoft.com/office/drawing/2014/main" id="{8DB9F839-A64B-2423-E86D-F8B0799F0FBA}"/>
+              </a:ext>
+            </a:extLst>
+          </p:cNvPr>
+          <p:cNvPicPr>
+            <a:picLocks noChangeAspect="1" noChangeArrowheads="1"/>
+          </p:cNvPicPr>
+          <p:nvPr/>
+        </p:nvPicPr>
+        <p:blipFill>
+          <a:blip r:embed="rId6">
+            <a:extLst>
+              <a:ext uri="{28A0092B-C50C-407E-A947-70E740481C1C}">
+                <a14:useLocalDpi xmlns:a14="http://schemas.microsoft.com/office/drawing/2010/main" val="0"/>
+              </a:ext>
+            </a:extLst>
+          </a:blip>
+          <a:srcRect/>
+          <a:stretch>
+            <a:fillRect/>
+          </a:stretch>
+        </p:blipFill>
+        <p:spPr bwMode="auto">
+          <a:xfrm>
+            <a:off x="5505381" y="1990725"/>
+            <a:ext cx="3067050" cy="1162050"/>
           </a:xfrm>
           <a:prstGeom prst="rect">
             <a:avLst/>
           </a:prstGeom>
           <a:noFill/>
-        </p:spPr>
-        <p:txBody>
-          <a:bodyPr wrap="square" rtlCol="0" anchor="t"/>
-          <a:lstStyle/>
-          <a:p>
-            <a:pPr marL="0" indent="0" algn="l">
-              <a:lnSpc>
-                <a:spcPts val="1920"/>
-              </a:lnSpc>
-              <a:buNone/>
-            </a:pPr>
-            <a:r>
-              <a:rPr lang="en-US" sz="1300" b="0" dirty="0">
-                <a:solidFill>
-                  <a:srgbClr val="383838"/>
-                </a:solidFill>
-                <a:latin typeface="Noto Sans SC" pitchFamily="34" charset="0"/>
-                <a:ea typeface="Noto Sans SC" pitchFamily="34" charset="-122"/>
-                <a:cs typeface="Noto Sans SC" pitchFamily="34" charset="-120"/>
-              </a:rPr>
-              <a:t>总结与优化</a:t>
-            </a:r>
-            <a:endParaRPr lang="en-US" sz="1280" dirty="0"/>
-          </a:p>
-        </p:txBody>
-      </p:sp>
+          <a:extLst>
+            <a:ext uri="{909E8E84-426E-40DD-AFC4-6F175D3DCCD1}">
+              <a14:hiddenFill xmlns:a14="http://schemas.microsoft.com/office/drawing/2010/main">
+                <a:solidFill>
+                  <a:srgbClr val="FFFFFF"/>
+                </a:solidFill>
+              </a14:hiddenFill>
+            </a:ext>
+          </a:extLst>
+        </p:spPr>
+      </p:pic>
     </p:spTree>
+    <p:extLst>
+      <p:ext uri="{BB962C8B-B14F-4D97-AF65-F5344CB8AC3E}">
+        <p14:creationId xmlns:p14="http://schemas.microsoft.com/office/powerpoint/2010/main" val="950129329"/>
+      </p:ext>
+    </p:extLst>
   </p:cSld>
   <p:clrMapOvr>
     <a:masterClrMapping/>
@@ -4976,16 +5930,40 @@
           <a:chExt cx="0" cy="0"/>
         </a:xfrm>
       </p:grpSpPr>
-      <p:sp>
-        <p:nvSpPr>
-          <p:cNvPr id="2" name="文本框 1"/>
-          <p:cNvSpPr txBox="1"/>
-          <p:nvPr/>
-        </p:nvSpPr>
-        <p:spPr>
-          <a:xfrm>
-            <a:off x="1450428" y="1324303"/>
-            <a:ext cx="3153103" cy="1477328"/>
+      <p:pic>
+        <p:nvPicPr>
+          <p:cNvPr id="2" name="Image 0" descr="https://assets.mindshow.fun/themes/yellow_bee_honeycomb_vplus_20230307/Content_header.jpg"/>
+          <p:cNvPicPr>
+            <a:picLocks noChangeAspect="1"/>
+          </p:cNvPicPr>
+          <p:nvPr/>
+        </p:nvPicPr>
+        <p:blipFill>
+          <a:blip r:embed="rId3"/>
+          <a:stretch>
+            <a:fillRect/>
+          </a:stretch>
+        </p:blipFill>
+        <p:spPr>
+          <a:xfrm>
+            <a:off x="0" y="0"/>
+            <a:ext cx="9144000" cy="1000125"/>
+          </a:xfrm>
+          <a:prstGeom prst="rect">
+            <a:avLst/>
+          </a:prstGeom>
+        </p:spPr>
+      </p:pic>
+      <p:sp>
+        <p:nvSpPr>
+          <p:cNvPr id="3" name="Text 0"/>
+          <p:cNvSpPr/>
+          <p:nvPr/>
+        </p:nvSpPr>
+        <p:spPr>
+          <a:xfrm>
+            <a:off x="762000" y="228600"/>
+            <a:ext cx="6949440" cy="552450"/>
           </a:xfrm>
           <a:prstGeom prst="rect">
             <a:avLst/>
@@ -4993,60 +5971,167 @@
           <a:noFill/>
         </p:spPr>
         <p:txBody>
-          <a:bodyPr wrap="square" rtlCol="0">
-            <a:spAutoFit/>
-          </a:bodyPr>
-          <a:lstStyle/>
-          <a:p>
-            <a:r>
-              <a:rPr lang="en-US" altLang="zh-CN" dirty="0"/>
-              <a:t>Xx</a:t>
-            </a:r>
-          </a:p>
-          <a:p>
-            <a:r>
-              <a:rPr lang="en-US" altLang="zh-CN" dirty="0" err="1">
-                <a:latin typeface="黑体" panose="02010609060101010101" pitchFamily="49" charset="-122"/>
-                <a:ea typeface="黑体" panose="02010609060101010101" pitchFamily="49" charset="-122"/>
-              </a:rPr>
-              <a:t>Xxxxxxxx</a:t>
-            </a:r>
-            <a:endParaRPr lang="en-US" altLang="zh-CN" dirty="0">
-              <a:latin typeface="黑体" panose="02010609060101010101" pitchFamily="49" charset="-122"/>
-              <a:ea typeface="黑体" panose="02010609060101010101" pitchFamily="49" charset="-122"/>
+          <a:bodyPr wrap="square" rtlCol="0" anchor="ctr"/>
+          <a:lstStyle/>
+          <a:p>
+            <a:r>
+              <a:rPr lang="en-US" sz="2400" b="1" dirty="0">
+                <a:solidFill>
+                  <a:srgbClr val="3A1515"/>
+                </a:solidFill>
+                <a:latin typeface="Noto Sans SC" pitchFamily="34" charset="0"/>
+                <a:ea typeface="Noto Sans SC" pitchFamily="34" charset="-122"/>
+                <a:cs typeface="Noto Sans SC" pitchFamily="34" charset="-120"/>
+              </a:rPr>
+              <a:t>4. MPI</a:t>
+            </a:r>
+            <a:r>
+              <a:rPr lang="zh-CN" altLang="en-US" sz="2400" b="1" dirty="0">
+                <a:solidFill>
+                  <a:srgbClr val="3A1515"/>
+                </a:solidFill>
+                <a:latin typeface="Noto Sans SC" pitchFamily="34" charset="0"/>
+                <a:ea typeface="Noto Sans SC" pitchFamily="34" charset="-122"/>
+                <a:cs typeface="Noto Sans SC" pitchFamily="34" charset="-120"/>
+              </a:rPr>
+              <a:t>集合</a:t>
+            </a:r>
+            <a:r>
+              <a:rPr lang="zh-CN" sz="2400" b="1" dirty="0">
+                <a:solidFill>
+                  <a:srgbClr val="3A1515"/>
+                </a:solidFill>
+                <a:latin typeface="Noto Sans SC" pitchFamily="34" charset="0"/>
+                <a:ea typeface="Noto Sans SC" pitchFamily="34" charset="-122"/>
+                <a:cs typeface="Noto Sans SC" pitchFamily="34" charset="-120"/>
+              </a:rPr>
+              <a:t>通信</a:t>
+            </a:r>
+            <a:r>
+              <a:rPr lang="zh-CN" altLang="en-US" sz="2400" b="1" dirty="0">
+                <a:solidFill>
+                  <a:srgbClr val="3A1515"/>
+                </a:solidFill>
+                <a:latin typeface="Noto Sans SC" pitchFamily="34" charset="0"/>
+                <a:ea typeface="Noto Sans SC" pitchFamily="34" charset="-122"/>
+                <a:cs typeface="Noto Sans SC" pitchFamily="34" charset="-120"/>
+              </a:rPr>
+              <a:t>（</a:t>
+            </a:r>
+            <a:r>
+              <a:rPr lang="en-US" altLang="zh-CN" sz="2400" b="1" dirty="0">
+                <a:solidFill>
+                  <a:srgbClr val="3A1515"/>
+                </a:solidFill>
+                <a:latin typeface="Noto Sans SC" pitchFamily="34" charset="0"/>
+                <a:ea typeface="Noto Sans SC" pitchFamily="34" charset="-122"/>
+                <a:cs typeface="Noto Sans SC" pitchFamily="34" charset="-120"/>
+              </a:rPr>
+              <a:t>Scatter</a:t>
+            </a:r>
+            <a:r>
+              <a:rPr lang="zh-CN" altLang="en-US" sz="2400" b="1" dirty="0">
+                <a:solidFill>
+                  <a:srgbClr val="3A1515"/>
+                </a:solidFill>
+                <a:latin typeface="Noto Sans SC" pitchFamily="34" charset="0"/>
+                <a:ea typeface="Noto Sans SC" pitchFamily="34" charset="-122"/>
+                <a:cs typeface="Noto Sans SC" pitchFamily="34" charset="-120"/>
+              </a:rPr>
+              <a:t>）</a:t>
+            </a:r>
+            <a:endParaRPr lang="zh-CN" altLang="zh-CN" sz="2400" b="1" dirty="0">
+              <a:solidFill>
+                <a:srgbClr val="3A1515"/>
+              </a:solidFill>
+              <a:latin typeface="Noto Sans SC" pitchFamily="34" charset="0"/>
+              <a:ea typeface="Noto Sans SC" pitchFamily="34" charset="-122"/>
+              <a:cs typeface="Noto Sans SC" pitchFamily="34" charset="-120"/>
             </a:endParaRPr>
           </a:p>
-          <a:p>
-            <a:r>
-              <a:rPr lang="en-US" altLang="zh-CN" dirty="0" err="1">
-                <a:latin typeface="楷体" panose="02010609060101010101" pitchFamily="49" charset="-122"/>
-                <a:ea typeface="楷体" panose="02010609060101010101" pitchFamily="49" charset="-122"/>
-                <a:cs typeface="Ebrima" panose="02000000000000000000" pitchFamily="2" charset="0"/>
-              </a:rPr>
-              <a:t>Xxxxxxx</a:t>
-            </a:r>
-            <a:endParaRPr lang="en-US" altLang="zh-CN" dirty="0">
-              <a:latin typeface="楷体" panose="02010609060101010101" pitchFamily="49" charset="-122"/>
-              <a:ea typeface="楷体" panose="02010609060101010101" pitchFamily="49" charset="-122"/>
-              <a:cs typeface="Ebrima" panose="02000000000000000000" pitchFamily="2" charset="0"/>
-            </a:endParaRPr>
-          </a:p>
-          <a:p>
-            <a:endParaRPr lang="en-US" altLang="zh-CN" dirty="0"/>
-          </a:p>
-          <a:p>
-            <a:r>
-              <a:rPr lang="en-US" altLang="zh-CN" dirty="0" err="1"/>
-              <a:t>xxxxx</a:t>
-            </a:r>
-            <a:endParaRPr lang="zh-CN" altLang="en-US" dirty="0"/>
-          </a:p>
-        </p:txBody>
-      </p:sp>
+        </p:txBody>
+      </p:sp>
+      <p:pic>
+        <p:nvPicPr>
+          <p:cNvPr id="5122" name="Picture 2" descr="MPI_Bcast vs MPI_Scatter">
+            <a:extLst>
+              <a:ext uri="{FF2B5EF4-FFF2-40B4-BE49-F238E27FC236}">
+                <a16:creationId xmlns:a16="http://schemas.microsoft.com/office/drawing/2014/main" id="{6FA23571-4F87-F04C-0394-12168ED5F297}"/>
+              </a:ext>
+            </a:extLst>
+          </p:cNvPr>
+          <p:cNvPicPr>
+            <a:picLocks noChangeAspect="1" noChangeArrowheads="1"/>
+          </p:cNvPicPr>
+          <p:nvPr/>
+        </p:nvPicPr>
+        <p:blipFill>
+          <a:blip r:embed="rId4">
+            <a:extLst>
+              <a:ext uri="{28A0092B-C50C-407E-A947-70E740481C1C}">
+                <a14:useLocalDpi xmlns:a14="http://schemas.microsoft.com/office/drawing/2010/main" val="0"/>
+              </a:ext>
+            </a:extLst>
+          </a:blip>
+          <a:srcRect/>
+          <a:stretch>
+            <a:fillRect/>
+          </a:stretch>
+        </p:blipFill>
+        <p:spPr bwMode="auto">
+          <a:xfrm>
+            <a:off x="5718119" y="1294578"/>
+            <a:ext cx="2733675" cy="3238500"/>
+          </a:xfrm>
+          <a:prstGeom prst="rect">
+            <a:avLst/>
+          </a:prstGeom>
+          <a:noFill/>
+          <a:extLst>
+            <a:ext uri="{909E8E84-426E-40DD-AFC4-6F175D3DCCD1}">
+              <a14:hiddenFill xmlns:a14="http://schemas.microsoft.com/office/drawing/2010/main">
+                <a:solidFill>
+                  <a:srgbClr val="FFFFFF"/>
+                </a:solidFill>
+              </a14:hiddenFill>
+            </a:ext>
+          </a:extLst>
+        </p:spPr>
+      </p:pic>
+      <p:pic>
+        <p:nvPicPr>
+          <p:cNvPr id="5" name="图片 4">
+            <a:extLst>
+              <a:ext uri="{FF2B5EF4-FFF2-40B4-BE49-F238E27FC236}">
+                <a16:creationId xmlns:a16="http://schemas.microsoft.com/office/drawing/2014/main" id="{26CE5F24-D401-1C10-D6AD-59E9F7A00EA1}"/>
+              </a:ext>
+            </a:extLst>
+          </p:cNvPr>
+          <p:cNvPicPr>
+            <a:picLocks noChangeAspect="1"/>
+          </p:cNvPicPr>
+          <p:nvPr/>
+        </p:nvPicPr>
+        <p:blipFill>
+          <a:blip r:embed="rId5"/>
+          <a:stretch>
+            <a:fillRect/>
+          </a:stretch>
+        </p:blipFill>
+        <p:spPr>
+          <a:xfrm>
+            <a:off x="335705" y="1228725"/>
+            <a:ext cx="3006770" cy="2020944"/>
+          </a:xfrm>
+          <a:prstGeom prst="rect">
+            <a:avLst/>
+          </a:prstGeom>
+        </p:spPr>
+      </p:pic>
     </p:spTree>
     <p:extLst>
       <p:ext uri="{BB962C8B-B14F-4D97-AF65-F5344CB8AC3E}">
-        <p14:creationId xmlns:p14="http://schemas.microsoft.com/office/powerpoint/2010/main" val="103434313"/>
+        <p14:creationId xmlns:p14="http://schemas.microsoft.com/office/powerpoint/2010/main" val="1854070838"/>
       </p:ext>
     </p:extLst>
   </p:cSld>
@@ -5152,6 +6237,731 @@
 </file>
 
 <file path=ppt/slides/slide20.xml><?xml version="1.0" encoding="utf-8"?>
+<p:sld xmlns:a="http://schemas.openxmlformats.org/drawingml/2006/main" xmlns:r="http://schemas.openxmlformats.org/officeDocument/2006/relationships" xmlns:p="http://schemas.openxmlformats.org/presentationml/2006/main">
+  <p:cSld>
+    <p:spTree>
+      <p:nvGrpSpPr>
+        <p:cNvPr id="1" name=""/>
+        <p:cNvGrpSpPr/>
+        <p:nvPr/>
+      </p:nvGrpSpPr>
+      <p:grpSpPr>
+        <a:xfrm>
+          <a:off x="0" y="0"/>
+          <a:ext cx="0" cy="0"/>
+          <a:chOff x="0" y="0"/>
+          <a:chExt cx="0" cy="0"/>
+        </a:xfrm>
+      </p:grpSpPr>
+      <p:pic>
+        <p:nvPicPr>
+          <p:cNvPr id="2" name="Image 0" descr="https://assets.mindshow.fun/themes/yellow_bee_honeycomb_vplus_20230307/Content_header.jpg"/>
+          <p:cNvPicPr>
+            <a:picLocks noChangeAspect="1"/>
+          </p:cNvPicPr>
+          <p:nvPr/>
+        </p:nvPicPr>
+        <p:blipFill>
+          <a:blip r:embed="rId3"/>
+          <a:stretch>
+            <a:fillRect/>
+          </a:stretch>
+        </p:blipFill>
+        <p:spPr>
+          <a:xfrm>
+            <a:off x="0" y="0"/>
+            <a:ext cx="9144000" cy="1000125"/>
+          </a:xfrm>
+          <a:prstGeom prst="rect">
+            <a:avLst/>
+          </a:prstGeom>
+        </p:spPr>
+      </p:pic>
+      <p:sp>
+        <p:nvSpPr>
+          <p:cNvPr id="3" name="Text 0"/>
+          <p:cNvSpPr/>
+          <p:nvPr/>
+        </p:nvSpPr>
+        <p:spPr>
+          <a:xfrm>
+            <a:off x="762000" y="228600"/>
+            <a:ext cx="6949440" cy="552450"/>
+          </a:xfrm>
+          <a:prstGeom prst="rect">
+            <a:avLst/>
+          </a:prstGeom>
+          <a:noFill/>
+        </p:spPr>
+        <p:txBody>
+          <a:bodyPr wrap="square" rtlCol="0" anchor="ctr"/>
+          <a:lstStyle/>
+          <a:p>
+            <a:r>
+              <a:rPr lang="en-US" sz="2400" b="1" dirty="0">
+                <a:solidFill>
+                  <a:srgbClr val="3A1515"/>
+                </a:solidFill>
+                <a:latin typeface="Noto Sans SC" pitchFamily="34" charset="0"/>
+                <a:ea typeface="Noto Sans SC" pitchFamily="34" charset="-122"/>
+                <a:cs typeface="Noto Sans SC" pitchFamily="34" charset="-120"/>
+              </a:rPr>
+              <a:t>4. MPI</a:t>
+            </a:r>
+            <a:r>
+              <a:rPr lang="zh-CN" altLang="en-US" sz="2400" b="1" dirty="0">
+                <a:solidFill>
+                  <a:srgbClr val="3A1515"/>
+                </a:solidFill>
+                <a:latin typeface="Noto Sans SC" pitchFamily="34" charset="0"/>
+                <a:ea typeface="Noto Sans SC" pitchFamily="34" charset="-122"/>
+                <a:cs typeface="Noto Sans SC" pitchFamily="34" charset="-120"/>
+              </a:rPr>
+              <a:t>集合</a:t>
+            </a:r>
+            <a:r>
+              <a:rPr lang="zh-CN" sz="2400" b="1" dirty="0">
+                <a:solidFill>
+                  <a:srgbClr val="3A1515"/>
+                </a:solidFill>
+                <a:latin typeface="Noto Sans SC" pitchFamily="34" charset="0"/>
+                <a:ea typeface="Noto Sans SC" pitchFamily="34" charset="-122"/>
+                <a:cs typeface="Noto Sans SC" pitchFamily="34" charset="-120"/>
+              </a:rPr>
+              <a:t>通信</a:t>
+            </a:r>
+            <a:r>
+              <a:rPr lang="zh-CN" altLang="en-US" sz="2400" b="1" dirty="0">
+                <a:solidFill>
+                  <a:srgbClr val="3A1515"/>
+                </a:solidFill>
+                <a:latin typeface="Noto Sans SC" pitchFamily="34" charset="0"/>
+                <a:ea typeface="Noto Sans SC" pitchFamily="34" charset="-122"/>
+                <a:cs typeface="Noto Sans SC" pitchFamily="34" charset="-120"/>
+              </a:rPr>
+              <a:t>（</a:t>
+            </a:r>
+            <a:r>
+              <a:rPr lang="en-US" altLang="zh-CN" sz="2400" b="1" dirty="0">
+                <a:solidFill>
+                  <a:srgbClr val="3A1515"/>
+                </a:solidFill>
+                <a:latin typeface="Noto Sans SC" pitchFamily="34" charset="0"/>
+                <a:ea typeface="Noto Sans SC" pitchFamily="34" charset="-122"/>
+                <a:cs typeface="Noto Sans SC" pitchFamily="34" charset="-120"/>
+              </a:rPr>
+              <a:t>Gather</a:t>
+            </a:r>
+            <a:r>
+              <a:rPr lang="zh-CN" altLang="en-US" sz="2400" b="1" dirty="0">
+                <a:solidFill>
+                  <a:srgbClr val="3A1515"/>
+                </a:solidFill>
+                <a:latin typeface="Noto Sans SC" pitchFamily="34" charset="0"/>
+                <a:ea typeface="Noto Sans SC" pitchFamily="34" charset="-122"/>
+                <a:cs typeface="Noto Sans SC" pitchFamily="34" charset="-120"/>
+              </a:rPr>
+              <a:t>）</a:t>
+            </a:r>
+            <a:endParaRPr lang="zh-CN" altLang="zh-CN" sz="2400" b="1" dirty="0">
+              <a:solidFill>
+                <a:srgbClr val="3A1515"/>
+              </a:solidFill>
+              <a:latin typeface="Noto Sans SC" pitchFamily="34" charset="0"/>
+              <a:ea typeface="Noto Sans SC" pitchFamily="34" charset="-122"/>
+              <a:cs typeface="Noto Sans SC" pitchFamily="34" charset="-120"/>
+            </a:endParaRPr>
+          </a:p>
+        </p:txBody>
+      </p:sp>
+      <p:pic>
+        <p:nvPicPr>
+          <p:cNvPr id="6146" name="Picture 2" descr="MPI_Gather">
+            <a:extLst>
+              <a:ext uri="{FF2B5EF4-FFF2-40B4-BE49-F238E27FC236}">
+                <a16:creationId xmlns:a16="http://schemas.microsoft.com/office/drawing/2014/main" id="{9441C44F-1CBE-9589-BD41-64E43B29ED51}"/>
+              </a:ext>
+            </a:extLst>
+          </p:cNvPr>
+          <p:cNvPicPr>
+            <a:picLocks noChangeAspect="1" noChangeArrowheads="1"/>
+          </p:cNvPicPr>
+          <p:nvPr/>
+        </p:nvPicPr>
+        <p:blipFill>
+          <a:blip r:embed="rId4">
+            <a:extLst>
+              <a:ext uri="{28A0092B-C50C-407E-A947-70E740481C1C}">
+                <a14:useLocalDpi xmlns:a14="http://schemas.microsoft.com/office/drawing/2010/main" val="0"/>
+              </a:ext>
+            </a:extLst>
+          </a:blip>
+          <a:srcRect/>
+          <a:stretch>
+            <a:fillRect/>
+          </a:stretch>
+        </p:blipFill>
+        <p:spPr bwMode="auto">
+          <a:xfrm>
+            <a:off x="5100983" y="1410728"/>
+            <a:ext cx="2667000" cy="1466850"/>
+          </a:xfrm>
+          <a:prstGeom prst="rect">
+            <a:avLst/>
+          </a:prstGeom>
+          <a:noFill/>
+          <a:extLst>
+            <a:ext uri="{909E8E84-426E-40DD-AFC4-6F175D3DCCD1}">
+              <a14:hiddenFill xmlns:a14="http://schemas.microsoft.com/office/drawing/2010/main">
+                <a:solidFill>
+                  <a:srgbClr val="FFFFFF"/>
+                </a:solidFill>
+              </a14:hiddenFill>
+            </a:ext>
+          </a:extLst>
+        </p:spPr>
+      </p:pic>
+      <p:pic>
+        <p:nvPicPr>
+          <p:cNvPr id="6" name="图片 5">
+            <a:extLst>
+              <a:ext uri="{FF2B5EF4-FFF2-40B4-BE49-F238E27FC236}">
+                <a16:creationId xmlns:a16="http://schemas.microsoft.com/office/drawing/2014/main" id="{3AEF1F08-FDA6-5866-5AAC-FAD1DB9FE917}"/>
+              </a:ext>
+            </a:extLst>
+          </p:cNvPr>
+          <p:cNvPicPr>
+            <a:picLocks noChangeAspect="1"/>
+          </p:cNvPicPr>
+          <p:nvPr/>
+        </p:nvPicPr>
+        <p:blipFill>
+          <a:blip r:embed="rId5"/>
+          <a:stretch>
+            <a:fillRect/>
+          </a:stretch>
+        </p:blipFill>
+        <p:spPr>
+          <a:xfrm>
+            <a:off x="509244" y="1228725"/>
+            <a:ext cx="3533775" cy="2190750"/>
+          </a:xfrm>
+          <a:prstGeom prst="rect">
+            <a:avLst/>
+          </a:prstGeom>
+        </p:spPr>
+      </p:pic>
+    </p:spTree>
+    <p:extLst>
+      <p:ext uri="{BB962C8B-B14F-4D97-AF65-F5344CB8AC3E}">
+        <p14:creationId xmlns:p14="http://schemas.microsoft.com/office/powerpoint/2010/main" val="3675039055"/>
+      </p:ext>
+    </p:extLst>
+  </p:cSld>
+  <p:clrMapOvr>
+    <a:masterClrMapping/>
+  </p:clrMapOvr>
+</p:sld>
+</file>
+
+<file path=ppt/slides/slide21.xml><?xml version="1.0" encoding="utf-8"?>
+<p:sld xmlns:a="http://schemas.openxmlformats.org/drawingml/2006/main" xmlns:r="http://schemas.openxmlformats.org/officeDocument/2006/relationships" xmlns:p="http://schemas.openxmlformats.org/presentationml/2006/main">
+  <p:cSld>
+    <p:spTree>
+      <p:nvGrpSpPr>
+        <p:cNvPr id="1" name=""/>
+        <p:cNvGrpSpPr/>
+        <p:nvPr/>
+      </p:nvGrpSpPr>
+      <p:grpSpPr>
+        <a:xfrm>
+          <a:off x="0" y="0"/>
+          <a:ext cx="0" cy="0"/>
+          <a:chOff x="0" y="0"/>
+          <a:chExt cx="0" cy="0"/>
+        </a:xfrm>
+      </p:grpSpPr>
+      <p:pic>
+        <p:nvPicPr>
+          <p:cNvPr id="2" name="Image 0" descr="https://assets.mindshow.fun/themes/yellow_bee_honeycomb_vplus_20230307/Content_header.jpg"/>
+          <p:cNvPicPr>
+            <a:picLocks noChangeAspect="1"/>
+          </p:cNvPicPr>
+          <p:nvPr/>
+        </p:nvPicPr>
+        <p:blipFill>
+          <a:blip r:embed="rId3"/>
+          <a:stretch>
+            <a:fillRect/>
+          </a:stretch>
+        </p:blipFill>
+        <p:spPr>
+          <a:xfrm>
+            <a:off x="0" y="0"/>
+            <a:ext cx="9144000" cy="1000125"/>
+          </a:xfrm>
+          <a:prstGeom prst="rect">
+            <a:avLst/>
+          </a:prstGeom>
+        </p:spPr>
+      </p:pic>
+      <p:sp>
+        <p:nvSpPr>
+          <p:cNvPr id="3" name="Text 0"/>
+          <p:cNvSpPr/>
+          <p:nvPr/>
+        </p:nvSpPr>
+        <p:spPr>
+          <a:xfrm>
+            <a:off x="762000" y="228600"/>
+            <a:ext cx="6949440" cy="552450"/>
+          </a:xfrm>
+          <a:prstGeom prst="rect">
+            <a:avLst/>
+          </a:prstGeom>
+          <a:noFill/>
+        </p:spPr>
+        <p:txBody>
+          <a:bodyPr wrap="square" rtlCol="0" anchor="ctr"/>
+          <a:lstStyle/>
+          <a:p>
+            <a:r>
+              <a:rPr lang="en-US" sz="2400" b="1" dirty="0">
+                <a:solidFill>
+                  <a:srgbClr val="3A1515"/>
+                </a:solidFill>
+                <a:latin typeface="Noto Sans SC" pitchFamily="34" charset="0"/>
+                <a:ea typeface="Noto Sans SC" pitchFamily="34" charset="-122"/>
+                <a:cs typeface="Noto Sans SC" pitchFamily="34" charset="-120"/>
+              </a:rPr>
+              <a:t>4. MPI</a:t>
+            </a:r>
+            <a:r>
+              <a:rPr lang="zh-CN" altLang="en-US" sz="2400" b="1" dirty="0">
+                <a:solidFill>
+                  <a:srgbClr val="3A1515"/>
+                </a:solidFill>
+                <a:latin typeface="Noto Sans SC" pitchFamily="34" charset="0"/>
+                <a:ea typeface="Noto Sans SC" pitchFamily="34" charset="-122"/>
+                <a:cs typeface="Noto Sans SC" pitchFamily="34" charset="-120"/>
+              </a:rPr>
+              <a:t>集合</a:t>
+            </a:r>
+            <a:r>
+              <a:rPr lang="zh-CN" sz="2400" b="1" dirty="0">
+                <a:solidFill>
+                  <a:srgbClr val="3A1515"/>
+                </a:solidFill>
+                <a:latin typeface="Noto Sans SC" pitchFamily="34" charset="0"/>
+                <a:ea typeface="Noto Sans SC" pitchFamily="34" charset="-122"/>
+                <a:cs typeface="Noto Sans SC" pitchFamily="34" charset="-120"/>
+              </a:rPr>
+              <a:t>通信</a:t>
+            </a:r>
+            <a:r>
+              <a:rPr lang="zh-CN" altLang="en-US" sz="2400" b="1" dirty="0">
+                <a:solidFill>
+                  <a:srgbClr val="3A1515"/>
+                </a:solidFill>
+                <a:latin typeface="Noto Sans SC" pitchFamily="34" charset="0"/>
+                <a:ea typeface="Noto Sans SC" pitchFamily="34" charset="-122"/>
+                <a:cs typeface="Noto Sans SC" pitchFamily="34" charset="-120"/>
+              </a:rPr>
+              <a:t>（</a:t>
+            </a:r>
+            <a:r>
+              <a:rPr lang="en-US" altLang="zh-CN" sz="2400" b="1" dirty="0" err="1">
+                <a:solidFill>
+                  <a:srgbClr val="3A1515"/>
+                </a:solidFill>
+                <a:latin typeface="Noto Sans SC" pitchFamily="34" charset="0"/>
+                <a:ea typeface="Noto Sans SC" pitchFamily="34" charset="-122"/>
+                <a:cs typeface="Noto Sans SC" pitchFamily="34" charset="-120"/>
+              </a:rPr>
+              <a:t>ALL_Gather</a:t>
+            </a:r>
+            <a:r>
+              <a:rPr lang="zh-CN" altLang="en-US" sz="2400" b="1" dirty="0">
+                <a:solidFill>
+                  <a:srgbClr val="3A1515"/>
+                </a:solidFill>
+                <a:latin typeface="Noto Sans SC" pitchFamily="34" charset="0"/>
+                <a:ea typeface="Noto Sans SC" pitchFamily="34" charset="-122"/>
+                <a:cs typeface="Noto Sans SC" pitchFamily="34" charset="-120"/>
+              </a:rPr>
+              <a:t>）</a:t>
+            </a:r>
+            <a:endParaRPr lang="zh-CN" altLang="zh-CN" sz="2400" b="1" dirty="0">
+              <a:solidFill>
+                <a:srgbClr val="3A1515"/>
+              </a:solidFill>
+              <a:latin typeface="Noto Sans SC" pitchFamily="34" charset="0"/>
+              <a:ea typeface="Noto Sans SC" pitchFamily="34" charset="-122"/>
+              <a:cs typeface="Noto Sans SC" pitchFamily="34" charset="-120"/>
+            </a:endParaRPr>
+          </a:p>
+        </p:txBody>
+      </p:sp>
+      <p:pic>
+        <p:nvPicPr>
+          <p:cNvPr id="7170" name="Picture 2" descr="MPI_Allgather">
+            <a:extLst>
+              <a:ext uri="{FF2B5EF4-FFF2-40B4-BE49-F238E27FC236}">
+                <a16:creationId xmlns:a16="http://schemas.microsoft.com/office/drawing/2014/main" id="{F9C5B39F-6392-F437-6C66-0F60AACFAC22}"/>
+              </a:ext>
+            </a:extLst>
+          </p:cNvPr>
+          <p:cNvPicPr>
+            <a:picLocks noChangeAspect="1" noChangeArrowheads="1"/>
+          </p:cNvPicPr>
+          <p:nvPr/>
+        </p:nvPicPr>
+        <p:blipFill>
+          <a:blip r:embed="rId4">
+            <a:extLst>
+              <a:ext uri="{28A0092B-C50C-407E-A947-70E740481C1C}">
+                <a14:useLocalDpi xmlns:a14="http://schemas.microsoft.com/office/drawing/2010/main" val="0"/>
+              </a:ext>
+            </a:extLst>
+          </a:blip>
+          <a:srcRect/>
+          <a:stretch>
+            <a:fillRect/>
+          </a:stretch>
+        </p:blipFill>
+        <p:spPr bwMode="auto">
+          <a:xfrm>
+            <a:off x="5100983" y="1228725"/>
+            <a:ext cx="2839167" cy="2274025"/>
+          </a:xfrm>
+          <a:prstGeom prst="rect">
+            <a:avLst/>
+          </a:prstGeom>
+          <a:noFill/>
+          <a:extLst>
+            <a:ext uri="{909E8E84-426E-40DD-AFC4-6F175D3DCCD1}">
+              <a14:hiddenFill xmlns:a14="http://schemas.microsoft.com/office/drawing/2010/main">
+                <a:solidFill>
+                  <a:srgbClr val="FFFFFF"/>
+                </a:solidFill>
+              </a14:hiddenFill>
+            </a:ext>
+          </a:extLst>
+        </p:spPr>
+      </p:pic>
+      <p:pic>
+        <p:nvPicPr>
+          <p:cNvPr id="5" name="图片 4">
+            <a:extLst>
+              <a:ext uri="{FF2B5EF4-FFF2-40B4-BE49-F238E27FC236}">
+                <a16:creationId xmlns:a16="http://schemas.microsoft.com/office/drawing/2014/main" id="{9E483E78-0A0B-B3F2-8B35-5F340F82879A}"/>
+              </a:ext>
+            </a:extLst>
+          </p:cNvPr>
+          <p:cNvPicPr>
+            <a:picLocks noChangeAspect="1"/>
+          </p:cNvPicPr>
+          <p:nvPr/>
+        </p:nvPicPr>
+        <p:blipFill>
+          <a:blip r:embed="rId5"/>
+          <a:stretch>
+            <a:fillRect/>
+          </a:stretch>
+        </p:blipFill>
+        <p:spPr>
+          <a:xfrm>
+            <a:off x="480668" y="1340558"/>
+            <a:ext cx="3562350" cy="2047875"/>
+          </a:xfrm>
+          <a:prstGeom prst="rect">
+            <a:avLst/>
+          </a:prstGeom>
+        </p:spPr>
+      </p:pic>
+    </p:spTree>
+    <p:extLst>
+      <p:ext uri="{BB962C8B-B14F-4D97-AF65-F5344CB8AC3E}">
+        <p14:creationId xmlns:p14="http://schemas.microsoft.com/office/powerpoint/2010/main" val="2819470027"/>
+      </p:ext>
+    </p:extLst>
+  </p:cSld>
+  <p:clrMapOvr>
+    <a:masterClrMapping/>
+  </p:clrMapOvr>
+</p:sld>
+</file>
+
+<file path=ppt/slides/slide22.xml><?xml version="1.0" encoding="utf-8"?>
+<p:sld xmlns:a="http://schemas.openxmlformats.org/drawingml/2006/main" xmlns:r="http://schemas.openxmlformats.org/officeDocument/2006/relationships" xmlns:p="http://schemas.openxmlformats.org/presentationml/2006/main">
+  <p:cSld>
+    <p:spTree>
+      <p:nvGrpSpPr>
+        <p:cNvPr id="1" name=""/>
+        <p:cNvGrpSpPr/>
+        <p:nvPr/>
+      </p:nvGrpSpPr>
+      <p:grpSpPr>
+        <a:xfrm>
+          <a:off x="0" y="0"/>
+          <a:ext cx="0" cy="0"/>
+          <a:chOff x="0" y="0"/>
+          <a:chExt cx="0" cy="0"/>
+        </a:xfrm>
+      </p:grpSpPr>
+      <p:pic>
+        <p:nvPicPr>
+          <p:cNvPr id="2" name="Image 0" descr="https://assets.mindshow.fun/themes/yellow_bee_honeycomb_vplus_20230307/Content_header.jpg"/>
+          <p:cNvPicPr>
+            <a:picLocks noChangeAspect="1"/>
+          </p:cNvPicPr>
+          <p:nvPr/>
+        </p:nvPicPr>
+        <p:blipFill>
+          <a:blip r:embed="rId3"/>
+          <a:stretch>
+            <a:fillRect/>
+          </a:stretch>
+        </p:blipFill>
+        <p:spPr>
+          <a:xfrm>
+            <a:off x="0" y="0"/>
+            <a:ext cx="9144000" cy="1000125"/>
+          </a:xfrm>
+          <a:prstGeom prst="rect">
+            <a:avLst/>
+          </a:prstGeom>
+        </p:spPr>
+      </p:pic>
+      <p:sp>
+        <p:nvSpPr>
+          <p:cNvPr id="3" name="Text 0"/>
+          <p:cNvSpPr/>
+          <p:nvPr/>
+        </p:nvSpPr>
+        <p:spPr>
+          <a:xfrm>
+            <a:off x="762000" y="228600"/>
+            <a:ext cx="6949440" cy="552450"/>
+          </a:xfrm>
+          <a:prstGeom prst="rect">
+            <a:avLst/>
+          </a:prstGeom>
+          <a:noFill/>
+        </p:spPr>
+        <p:txBody>
+          <a:bodyPr wrap="square" rtlCol="0" anchor="ctr"/>
+          <a:lstStyle/>
+          <a:p>
+            <a:r>
+              <a:rPr lang="en-US" sz="2400" b="1" dirty="0">
+                <a:solidFill>
+                  <a:srgbClr val="3A1515"/>
+                </a:solidFill>
+                <a:latin typeface="Noto Sans SC" pitchFamily="34" charset="0"/>
+                <a:ea typeface="Noto Sans SC" pitchFamily="34" charset="-122"/>
+                <a:cs typeface="Noto Sans SC" pitchFamily="34" charset="-120"/>
+              </a:rPr>
+              <a:t>4. MPI</a:t>
+            </a:r>
+            <a:r>
+              <a:rPr lang="zh-CN" altLang="en-US" sz="2400" b="1" dirty="0">
+                <a:solidFill>
+                  <a:srgbClr val="3A1515"/>
+                </a:solidFill>
+                <a:latin typeface="Noto Sans SC" pitchFamily="34" charset="0"/>
+                <a:ea typeface="Noto Sans SC" pitchFamily="34" charset="-122"/>
+                <a:cs typeface="Noto Sans SC" pitchFamily="34" charset="-120"/>
+              </a:rPr>
+              <a:t>集合</a:t>
+            </a:r>
+            <a:r>
+              <a:rPr lang="zh-CN" sz="2400" b="1" dirty="0">
+                <a:solidFill>
+                  <a:srgbClr val="3A1515"/>
+                </a:solidFill>
+                <a:latin typeface="Noto Sans SC" pitchFamily="34" charset="0"/>
+                <a:ea typeface="Noto Sans SC" pitchFamily="34" charset="-122"/>
+                <a:cs typeface="Noto Sans SC" pitchFamily="34" charset="-120"/>
+              </a:rPr>
+              <a:t>通信</a:t>
+            </a:r>
+            <a:r>
+              <a:rPr lang="zh-CN" altLang="en-US" sz="2400" b="1" dirty="0">
+                <a:solidFill>
+                  <a:srgbClr val="3A1515"/>
+                </a:solidFill>
+                <a:latin typeface="Noto Sans SC" pitchFamily="34" charset="0"/>
+                <a:ea typeface="Noto Sans SC" pitchFamily="34" charset="-122"/>
+                <a:cs typeface="Noto Sans SC" pitchFamily="34" charset="-120"/>
+              </a:rPr>
+              <a:t>（</a:t>
+            </a:r>
+            <a:r>
+              <a:rPr lang="en-US" altLang="zh-CN" sz="2400" b="1" dirty="0">
+                <a:solidFill>
+                  <a:srgbClr val="3A1515"/>
+                </a:solidFill>
+                <a:latin typeface="Noto Sans SC" pitchFamily="34" charset="0"/>
+                <a:ea typeface="Noto Sans SC" pitchFamily="34" charset="-122"/>
+                <a:cs typeface="Noto Sans SC" pitchFamily="34" charset="-120"/>
+              </a:rPr>
+              <a:t>Reduce</a:t>
+            </a:r>
+            <a:r>
+              <a:rPr lang="zh-CN" altLang="en-US" sz="2400" b="1" dirty="0">
+                <a:solidFill>
+                  <a:srgbClr val="3A1515"/>
+                </a:solidFill>
+                <a:latin typeface="Noto Sans SC" pitchFamily="34" charset="0"/>
+                <a:ea typeface="Noto Sans SC" pitchFamily="34" charset="-122"/>
+                <a:cs typeface="Noto Sans SC" pitchFamily="34" charset="-120"/>
+              </a:rPr>
+              <a:t>）</a:t>
+            </a:r>
+            <a:endParaRPr lang="zh-CN" altLang="zh-CN" sz="2400" b="1" dirty="0">
+              <a:solidFill>
+                <a:srgbClr val="3A1515"/>
+              </a:solidFill>
+              <a:latin typeface="Noto Sans SC" pitchFamily="34" charset="0"/>
+              <a:ea typeface="Noto Sans SC" pitchFamily="34" charset="-122"/>
+              <a:cs typeface="Noto Sans SC" pitchFamily="34" charset="-120"/>
+            </a:endParaRPr>
+          </a:p>
+        </p:txBody>
+      </p:sp>
+    </p:spTree>
+    <p:extLst>
+      <p:ext uri="{BB962C8B-B14F-4D97-AF65-F5344CB8AC3E}">
+        <p14:creationId xmlns:p14="http://schemas.microsoft.com/office/powerpoint/2010/main" val="4276413001"/>
+      </p:ext>
+    </p:extLst>
+  </p:cSld>
+  <p:clrMapOvr>
+    <a:masterClrMapping/>
+  </p:clrMapOvr>
+</p:sld>
+</file>
+
+<file path=ppt/slides/slide23.xml><?xml version="1.0" encoding="utf-8"?>
+<p:sld xmlns:a="http://schemas.openxmlformats.org/drawingml/2006/main" xmlns:r="http://schemas.openxmlformats.org/officeDocument/2006/relationships" xmlns:p="http://schemas.openxmlformats.org/presentationml/2006/main">
+  <p:cSld>
+    <p:spTree>
+      <p:nvGrpSpPr>
+        <p:cNvPr id="1" name=""/>
+        <p:cNvGrpSpPr/>
+        <p:nvPr/>
+      </p:nvGrpSpPr>
+      <p:grpSpPr>
+        <a:xfrm>
+          <a:off x="0" y="0"/>
+          <a:ext cx="0" cy="0"/>
+          <a:chOff x="0" y="0"/>
+          <a:chExt cx="0" cy="0"/>
+        </a:xfrm>
+      </p:grpSpPr>
+      <p:pic>
+        <p:nvPicPr>
+          <p:cNvPr id="2" name="Image 0" descr="https://assets.mindshow.fun/themes/yellow_bee_honeycomb_vplus_20230307/Content_header.jpg"/>
+          <p:cNvPicPr>
+            <a:picLocks noChangeAspect="1"/>
+          </p:cNvPicPr>
+          <p:nvPr/>
+        </p:nvPicPr>
+        <p:blipFill>
+          <a:blip r:embed="rId3"/>
+          <a:stretch>
+            <a:fillRect/>
+          </a:stretch>
+        </p:blipFill>
+        <p:spPr>
+          <a:xfrm>
+            <a:off x="0" y="0"/>
+            <a:ext cx="9144000" cy="1000125"/>
+          </a:xfrm>
+          <a:prstGeom prst="rect">
+            <a:avLst/>
+          </a:prstGeom>
+        </p:spPr>
+      </p:pic>
+      <p:sp>
+        <p:nvSpPr>
+          <p:cNvPr id="3" name="Text 0"/>
+          <p:cNvSpPr/>
+          <p:nvPr/>
+        </p:nvSpPr>
+        <p:spPr>
+          <a:xfrm>
+            <a:off x="762000" y="228600"/>
+            <a:ext cx="6949440" cy="552450"/>
+          </a:xfrm>
+          <a:prstGeom prst="rect">
+            <a:avLst/>
+          </a:prstGeom>
+          <a:noFill/>
+        </p:spPr>
+        <p:txBody>
+          <a:bodyPr wrap="square" rtlCol="0" anchor="ctr"/>
+          <a:lstStyle/>
+          <a:p>
+            <a:r>
+              <a:rPr lang="en-US" sz="2400" b="1" dirty="0">
+                <a:solidFill>
+                  <a:srgbClr val="3A1515"/>
+                </a:solidFill>
+                <a:latin typeface="Noto Sans SC" pitchFamily="34" charset="0"/>
+                <a:ea typeface="Noto Sans SC" pitchFamily="34" charset="-122"/>
+                <a:cs typeface="Noto Sans SC" pitchFamily="34" charset="-120"/>
+              </a:rPr>
+              <a:t>4. MPI</a:t>
+            </a:r>
+            <a:r>
+              <a:rPr lang="zh-CN" altLang="en-US" sz="2400" b="1" dirty="0">
+                <a:solidFill>
+                  <a:srgbClr val="3A1515"/>
+                </a:solidFill>
+                <a:latin typeface="Noto Sans SC" pitchFamily="34" charset="0"/>
+                <a:ea typeface="Noto Sans SC" pitchFamily="34" charset="-122"/>
+                <a:cs typeface="Noto Sans SC" pitchFamily="34" charset="-120"/>
+              </a:rPr>
+              <a:t>集合</a:t>
+            </a:r>
+            <a:r>
+              <a:rPr lang="zh-CN" sz="2400" b="1" dirty="0">
+                <a:solidFill>
+                  <a:srgbClr val="3A1515"/>
+                </a:solidFill>
+                <a:latin typeface="Noto Sans SC" pitchFamily="34" charset="0"/>
+                <a:ea typeface="Noto Sans SC" pitchFamily="34" charset="-122"/>
+                <a:cs typeface="Noto Sans SC" pitchFamily="34" charset="-120"/>
+              </a:rPr>
+              <a:t>通信</a:t>
+            </a:r>
+            <a:endParaRPr lang="zh-CN" altLang="zh-CN" sz="2400" b="1" dirty="0">
+              <a:solidFill>
+                <a:srgbClr val="3A1515"/>
+              </a:solidFill>
+              <a:latin typeface="Noto Sans SC" pitchFamily="34" charset="0"/>
+              <a:ea typeface="Noto Sans SC" pitchFamily="34" charset="-122"/>
+              <a:cs typeface="Noto Sans SC" pitchFamily="34" charset="-120"/>
+            </a:endParaRPr>
+          </a:p>
+        </p:txBody>
+      </p:sp>
+    </p:spTree>
+    <p:extLst>
+      <p:ext uri="{BB962C8B-B14F-4D97-AF65-F5344CB8AC3E}">
+        <p14:creationId xmlns:p14="http://schemas.microsoft.com/office/powerpoint/2010/main" val="2192847608"/>
+      </p:ext>
+    </p:extLst>
+  </p:cSld>
+  <p:clrMapOvr>
+    <a:masterClrMapping/>
+  </p:clrMapOvr>
+</p:sld>
+</file>
+
+<file path=ppt/slides/slide24.xml><?xml version="1.0" encoding="utf-8"?>
 <p:sld xmlns:a="http://schemas.openxmlformats.org/drawingml/2006/main" xmlns:r="http://schemas.openxmlformats.org/officeDocument/2006/relationships" xmlns:p="http://schemas.openxmlformats.org/presentationml/2006/main">
   <p:cSld>
     <p:spTree>
@@ -6987,10 +8797,10 @@
                 <a:ea typeface="Noto Sans SC" pitchFamily="34" charset="-122"/>
                 <a:cs typeface="Noto Sans SC" pitchFamily="34" charset="-120"/>
               </a:rPr>
-              <a:t>3. MPI</a:t>
-            </a:r>
-            <a:r>
-              <a:rPr lang="zh-CN" sz="2400" b="1" dirty="0">
+              <a:t>2. MPI</a:t>
+            </a:r>
+            <a:r>
+              <a:rPr lang="zh-CN" altLang="en-US" sz="2400" b="1" dirty="0">
                 <a:solidFill>
                   <a:srgbClr val="3A1515"/>
                 </a:solidFill>
@@ -6998,9 +8808,20 @@
                 <a:ea typeface="Noto Sans SC" pitchFamily="34" charset="-122"/>
                 <a:cs typeface="Noto Sans SC" pitchFamily="34" charset="-120"/>
               </a:rPr>
-              <a:t>点对点通信</a:t>
-            </a:r>
-            <a:endParaRPr lang="zh-CN" altLang="zh-CN" sz="2400" b="1" dirty="0">
+              <a:t>的</a:t>
+            </a:r>
+            <a:r>
+              <a:rPr lang="en-US" sz="2400" b="1" dirty="0">
+                <a:solidFill>
+                  <a:srgbClr val="3A1515"/>
+                </a:solidFill>
+                <a:latin typeface="Noto Sans SC" pitchFamily="34" charset="0"/>
+                <a:ea typeface="Noto Sans SC" pitchFamily="34" charset="-122"/>
+                <a:cs typeface="Noto Sans SC" pitchFamily="34" charset="-120"/>
+              </a:rPr>
+              <a:t>Hello world</a:t>
+            </a:r>
+            <a:endParaRPr lang="zh-CN" altLang="en-US" sz="2400" b="1" dirty="0">
               <a:solidFill>
                 <a:srgbClr val="3A1515"/>
               </a:solidFill>
@@ -7011,9 +8832,57 @@
           </a:p>
         </p:txBody>
       </p:sp>
+      <p:sp>
+        <p:nvSpPr>
+          <p:cNvPr id="7" name="文本框 6">
+            <a:extLst>
+              <a:ext uri="{FF2B5EF4-FFF2-40B4-BE49-F238E27FC236}">
+                <a16:creationId xmlns:a16="http://schemas.microsoft.com/office/drawing/2014/main" id="{38643DB6-8457-A3AF-DE25-71DF263F94F2}"/>
+              </a:ext>
+            </a:extLst>
+          </p:cNvPr>
+          <p:cNvSpPr txBox="1"/>
+          <p:nvPr/>
+        </p:nvSpPr>
+        <p:spPr>
+          <a:xfrm>
+            <a:off x="6190290" y="1598555"/>
+            <a:ext cx="2835297" cy="646331"/>
+          </a:xfrm>
+          <a:prstGeom prst="rect">
+            <a:avLst/>
+          </a:prstGeom>
+          <a:noFill/>
+        </p:spPr>
+        <p:txBody>
+          <a:bodyPr wrap="square" rtlCol="0">
+            <a:spAutoFit/>
+          </a:bodyPr>
+          <a:lstStyle/>
+          <a:p>
+            <a:r>
+              <a:rPr lang="en-US" altLang="zh-CN" dirty="0"/>
+              <a:t>SPMD</a:t>
+            </a:r>
+          </a:p>
+          <a:p>
+            <a:r>
+              <a:rPr lang="en-US" altLang="zh-CN" dirty="0"/>
+              <a:t>Simple Program Multi Data</a:t>
+            </a:r>
+            <a:endParaRPr lang="zh-CN" altLang="en-US" dirty="0"/>
+          </a:p>
+        </p:txBody>
+      </p:sp>
       <p:pic>
         <p:nvPicPr>
-          <p:cNvPr id="5" name="图片 4"/>
+          <p:cNvPr id="11" name="图片 10">
+            <a:extLst>
+              <a:ext uri="{FF2B5EF4-FFF2-40B4-BE49-F238E27FC236}">
+                <a16:creationId xmlns:a16="http://schemas.microsoft.com/office/drawing/2014/main" id="{65C72F3F-A438-B865-E62F-9115BA426A43}"/>
+              </a:ext>
+            </a:extLst>
+          </p:cNvPr>
           <p:cNvPicPr>
             <a:picLocks noChangeAspect="1"/>
           </p:cNvPicPr>
@@ -7027,48 +8896,18 @@
         </p:blipFill>
         <p:spPr>
           <a:xfrm>
-            <a:off x="630621" y="2076662"/>
-            <a:ext cx="6412919" cy="2513928"/>
+            <a:off x="118412" y="1009650"/>
+            <a:ext cx="5782285" cy="3979928"/>
           </a:xfrm>
           <a:prstGeom prst="rect">
             <a:avLst/>
           </a:prstGeom>
         </p:spPr>
       </p:pic>
-      <p:sp>
-        <p:nvSpPr>
-          <p:cNvPr id="6" name="文本框 5"/>
-          <p:cNvSpPr txBox="1"/>
-          <p:nvPr/>
-        </p:nvSpPr>
-        <p:spPr>
-          <a:xfrm>
-            <a:off x="630621" y="1179261"/>
-            <a:ext cx="4231465" cy="646331"/>
-          </a:xfrm>
-          <a:prstGeom prst="rect">
-            <a:avLst/>
-          </a:prstGeom>
-          <a:noFill/>
-        </p:spPr>
-        <p:txBody>
-          <a:bodyPr wrap="square" rtlCol="0">
-            <a:spAutoFit/>
-          </a:bodyPr>
-          <a:lstStyle/>
-          <a:p>
-            <a:r>
-              <a:rPr lang="en-US" altLang="zh-CN" sz="3600" dirty="0"/>
-              <a:t>Ping-Pong</a:t>
-            </a:r>
-            <a:endParaRPr lang="zh-CN" altLang="en-US" dirty="0"/>
-          </a:p>
-        </p:txBody>
-      </p:sp>
     </p:spTree>
     <p:extLst>
       <p:ext uri="{BB962C8B-B14F-4D97-AF65-F5344CB8AC3E}">
-        <p14:creationId xmlns:p14="http://schemas.microsoft.com/office/powerpoint/2010/main" val="3685335218"/>
+        <p14:creationId xmlns:p14="http://schemas.microsoft.com/office/powerpoint/2010/main" val="3027938336"/>
       </p:ext>
     </p:extLst>
   </p:cSld>
@@ -7174,7 +9013,7 @@
       </p:sp>
       <p:pic>
         <p:nvPicPr>
-          <p:cNvPr id="4" name="图片 3"/>
+          <p:cNvPr id="5" name="图片 4"/>
           <p:cNvPicPr>
             <a:picLocks noChangeAspect="1"/>
           </p:cNvPicPr>
@@ -7188,17 +9027,53 @@
         </p:blipFill>
         <p:spPr>
           <a:xfrm>
-            <a:off x="4572000" y="1387362"/>
-            <a:ext cx="4390190" cy="3614146"/>
+            <a:off x="124082" y="1825591"/>
+            <a:ext cx="5982310" cy="2345125"/>
           </a:xfrm>
           <a:prstGeom prst="rect">
             <a:avLst/>
           </a:prstGeom>
         </p:spPr>
       </p:pic>
+      <p:sp>
+        <p:nvSpPr>
+          <p:cNvPr id="6" name="文本框 5"/>
+          <p:cNvSpPr txBox="1"/>
+          <p:nvPr/>
+        </p:nvSpPr>
+        <p:spPr>
+          <a:xfrm>
+            <a:off x="196445" y="1071682"/>
+            <a:ext cx="4231465" cy="646331"/>
+          </a:xfrm>
+          <a:prstGeom prst="rect">
+            <a:avLst/>
+          </a:prstGeom>
+          <a:noFill/>
+        </p:spPr>
+        <p:txBody>
+          <a:bodyPr wrap="square" rtlCol="0">
+            <a:spAutoFit/>
+          </a:bodyPr>
+          <a:lstStyle/>
+          <a:p>
+            <a:r>
+              <a:rPr lang="en-US" altLang="zh-CN" sz="3600" dirty="0"/>
+              <a:t>Ping-Pong</a:t>
+            </a:r>
+            <a:endParaRPr lang="zh-CN" altLang="en-US" dirty="0"/>
+          </a:p>
+        </p:txBody>
+      </p:sp>
       <p:pic>
         <p:nvPicPr>
-          <p:cNvPr id="5" name="图片 4"/>
+          <p:cNvPr id="7" name="图片 6">
+            <a:extLst>
+              <a:ext uri="{FF2B5EF4-FFF2-40B4-BE49-F238E27FC236}">
+                <a16:creationId xmlns:a16="http://schemas.microsoft.com/office/drawing/2014/main" id="{A1F6BDB5-2619-CB68-284B-71D3D91C213C}"/>
+              </a:ext>
+            </a:extLst>
+          </p:cNvPr>
           <p:cNvPicPr>
             <a:picLocks noChangeAspect="1"/>
           </p:cNvPicPr>
@@ -7212,45 +9087,20 @@
         </p:blipFill>
         <p:spPr>
           <a:xfrm>
-            <a:off x="346841" y="1903650"/>
-            <a:ext cx="4112303" cy="2964198"/>
+            <a:off x="6352078" y="2252778"/>
+            <a:ext cx="2228850" cy="1314450"/>
           </a:xfrm>
           <a:prstGeom prst="rect">
             <a:avLst/>
           </a:prstGeom>
         </p:spPr>
       </p:pic>
-      <p:sp>
-        <p:nvSpPr>
-          <p:cNvPr id="6" name="文本框 5"/>
-          <p:cNvSpPr txBox="1"/>
-          <p:nvPr/>
-        </p:nvSpPr>
-        <p:spPr>
-          <a:xfrm>
-            <a:off x="346841" y="1166648"/>
-            <a:ext cx="2837793" cy="646331"/>
-          </a:xfrm>
-          <a:prstGeom prst="rect">
-            <a:avLst/>
-          </a:prstGeom>
-          <a:noFill/>
-        </p:spPr>
-        <p:txBody>
-          <a:bodyPr wrap="square" rtlCol="0">
-            <a:spAutoFit/>
-          </a:bodyPr>
-          <a:lstStyle/>
-          <a:p>
-            <a:r>
-              <a:rPr lang="en-US" altLang="zh-CN" sz="3600" dirty="0"/>
-              <a:t>Ring</a:t>
-            </a:r>
-            <a:endParaRPr lang="zh-CN" altLang="en-US" dirty="0"/>
-          </a:p>
-        </p:txBody>
-      </p:sp>
     </p:spTree>
+    <p:extLst>
+      <p:ext uri="{BB962C8B-B14F-4D97-AF65-F5344CB8AC3E}">
+        <p14:creationId xmlns:p14="http://schemas.microsoft.com/office/powerpoint/2010/main" val="3685335218"/>
+      </p:ext>
+    </p:extLst>
   </p:cSld>
   <p:clrMapOvr>
     <a:masterClrMapping/>

--- a/MPI.pptx
+++ b/MPI.pptx
@@ -6,7 +6,7 @@
     <p:sldMasterId id="2147483655" r:id="rId2"/>
   </p:sldMasterIdLst>
   <p:notesMasterIdLst>
-    <p:notesMasterId r:id="rId27"/>
+    <p:notesMasterId r:id="rId29"/>
   </p:notesMasterIdLst>
   <p:sldIdLst>
     <p:sldId id="256" r:id="rId3"/>
@@ -31,8 +31,10 @@
     <p:sldId id="289" r:id="rId22"/>
     <p:sldId id="290" r:id="rId23"/>
     <p:sldId id="291" r:id="rId24"/>
-    <p:sldId id="287" r:id="rId25"/>
-    <p:sldId id="269" r:id="rId26"/>
+    <p:sldId id="292" r:id="rId25"/>
+    <p:sldId id="293" r:id="rId26"/>
+    <p:sldId id="269" r:id="rId27"/>
+    <p:sldId id="294" r:id="rId28"/>
   </p:sldIdLst>
   <p:sldSz cx="9144000" cy="5143500" type="screen16x9"/>
   <p:notesSz cx="5143500" cy="9144000"/>
@@ -218,7 +220,7 @@
           <a:p>
             <a:fld id="{5282F153-3F37-0F45-9E97-73ACFA13230C}" type="datetimeFigureOut">
               <a:rPr lang="en-US"/>
-              <a:t>2/19/2024</a:t>
+              <a:t>2/21/2024</a:t>
             </a:fld>
             <a:endParaRPr lang="en-US"/>
           </a:p>
@@ -1814,7 +1816,13 @@
   <p:cSld>
     <p:spTree>
       <p:nvGrpSpPr>
-        <p:cNvPr id="1" name=""/>
+        <p:cNvPr id="1" name="">
+          <a:extLst>
+            <a:ext uri="{FF2B5EF4-FFF2-40B4-BE49-F238E27FC236}">
+              <a16:creationId xmlns:a16="http://schemas.microsoft.com/office/drawing/2014/main" id="{25AF63B6-3E3F-F1FD-76D4-77A91DC091B1}"/>
+            </a:ext>
+          </a:extLst>
+        </p:cNvPr>
         <p:cNvGrpSpPr/>
         <p:nvPr/>
       </p:nvGrpSpPr>
@@ -1828,7 +1836,13 @@
       </p:grpSpPr>
       <p:sp>
         <p:nvSpPr>
-          <p:cNvPr id="2" name="Slide Image Placeholder 1"/>
+          <p:cNvPr id="2" name="Slide Image Placeholder 1">
+            <a:extLst>
+              <a:ext uri="{FF2B5EF4-FFF2-40B4-BE49-F238E27FC236}">
+                <a16:creationId xmlns:a16="http://schemas.microsoft.com/office/drawing/2014/main" id="{1B080973-AD86-06AA-3C93-A29DE7256785}"/>
+              </a:ext>
+            </a:extLst>
+          </p:cNvPr>
           <p:cNvSpPr>
             <a:spLocks noGrp="1" noRot="1" noChangeAspect="1"/>
           </p:cNvSpPr>
@@ -1840,7 +1854,13 @@
       </p:sp>
       <p:sp>
         <p:nvSpPr>
-          <p:cNvPr id="3" name="Notes Placeholder 2"/>
+          <p:cNvPr id="3" name="Notes Placeholder 2">
+            <a:extLst>
+              <a:ext uri="{FF2B5EF4-FFF2-40B4-BE49-F238E27FC236}">
+                <a16:creationId xmlns:a16="http://schemas.microsoft.com/office/drawing/2014/main" id="{C9751511-204C-6B6C-B07D-24E2BF99BDAD}"/>
+              </a:ext>
+            </a:extLst>
+          </p:cNvPr>
           <p:cNvSpPr>
             <a:spLocks noGrp="1"/>
           </p:cNvSpPr>
@@ -1859,7 +1879,13 @@
       </p:sp>
       <p:sp>
         <p:nvSpPr>
-          <p:cNvPr id="4" name="Slide Number Placeholder 3"/>
+          <p:cNvPr id="4" name="Slide Number Placeholder 3">
+            <a:extLst>
+              <a:ext uri="{FF2B5EF4-FFF2-40B4-BE49-F238E27FC236}">
+                <a16:creationId xmlns:a16="http://schemas.microsoft.com/office/drawing/2014/main" id="{043496C0-6789-0814-06AB-03ED06D3C86F}"/>
+              </a:ext>
+            </a:extLst>
+          </p:cNvPr>
           <p:cNvSpPr>
             <a:spLocks noGrp="1"/>
           </p:cNvSpPr>
@@ -1883,7 +1909,7 @@
     </p:spTree>
     <p:extLst>
       <p:ext uri="{BB962C8B-B14F-4D97-AF65-F5344CB8AC3E}">
-        <p14:creationId xmlns:p14="http://schemas.microsoft.com/office/powerpoint/2010/main" val="3622705938"/>
+        <p14:creationId xmlns:p14="http://schemas.microsoft.com/office/powerpoint/2010/main" val="3068712554"/>
       </p:ext>
     </p:extLst>
   </p:cSld>
@@ -1894,6 +1920,114 @@
 </file>
 
 <file path=ppt/notesSlides/notesSlide24.xml><?xml version="1.0" encoding="utf-8"?>
+<p:notes xmlns:a="http://schemas.openxmlformats.org/drawingml/2006/main" xmlns:r="http://schemas.openxmlformats.org/officeDocument/2006/relationships" xmlns:p="http://schemas.openxmlformats.org/presentationml/2006/main">
+  <p:cSld>
+    <p:spTree>
+      <p:nvGrpSpPr>
+        <p:cNvPr id="1" name="">
+          <a:extLst>
+            <a:ext uri="{FF2B5EF4-FFF2-40B4-BE49-F238E27FC236}">
+              <a16:creationId xmlns:a16="http://schemas.microsoft.com/office/drawing/2014/main" id="{039DDDE6-F418-2EB0-A656-A7422EEB890D}"/>
+            </a:ext>
+          </a:extLst>
+        </p:cNvPr>
+        <p:cNvGrpSpPr/>
+        <p:nvPr/>
+      </p:nvGrpSpPr>
+      <p:grpSpPr>
+        <a:xfrm>
+          <a:off x="0" y="0"/>
+          <a:ext cx="0" cy="0"/>
+          <a:chOff x="0" y="0"/>
+          <a:chExt cx="0" cy="0"/>
+        </a:xfrm>
+      </p:grpSpPr>
+      <p:sp>
+        <p:nvSpPr>
+          <p:cNvPr id="2" name="Slide Image Placeholder 1">
+            <a:extLst>
+              <a:ext uri="{FF2B5EF4-FFF2-40B4-BE49-F238E27FC236}">
+                <a16:creationId xmlns:a16="http://schemas.microsoft.com/office/drawing/2014/main" id="{5AB2DB9F-1452-84A8-33B8-C03F37FC0857}"/>
+              </a:ext>
+            </a:extLst>
+          </p:cNvPr>
+          <p:cNvSpPr>
+            <a:spLocks noGrp="1" noRot="1" noChangeAspect="1"/>
+          </p:cNvSpPr>
+          <p:nvPr>
+            <p:ph type="sldImg"/>
+          </p:nvPr>
+        </p:nvSpPr>
+        <p:spPr/>
+      </p:sp>
+      <p:sp>
+        <p:nvSpPr>
+          <p:cNvPr id="3" name="Notes Placeholder 2">
+            <a:extLst>
+              <a:ext uri="{FF2B5EF4-FFF2-40B4-BE49-F238E27FC236}">
+                <a16:creationId xmlns:a16="http://schemas.microsoft.com/office/drawing/2014/main" id="{B4C604A1-4093-025D-16BE-A5861AB0DFDE}"/>
+              </a:ext>
+            </a:extLst>
+          </p:cNvPr>
+          <p:cNvSpPr>
+            <a:spLocks noGrp="1"/>
+          </p:cNvSpPr>
+          <p:nvPr>
+            <p:ph type="body" idx="1"/>
+          </p:nvPr>
+        </p:nvSpPr>
+        <p:spPr/>
+        <p:txBody>
+          <a:bodyPr/>
+          <a:lstStyle/>
+          <a:p>
+            <a:endParaRPr lang="en-US" dirty="0"/>
+          </a:p>
+        </p:txBody>
+      </p:sp>
+      <p:sp>
+        <p:nvSpPr>
+          <p:cNvPr id="4" name="Slide Number Placeholder 3">
+            <a:extLst>
+              <a:ext uri="{FF2B5EF4-FFF2-40B4-BE49-F238E27FC236}">
+                <a16:creationId xmlns:a16="http://schemas.microsoft.com/office/drawing/2014/main" id="{FC65169E-F821-0604-1C1B-143BE8981F8B}"/>
+              </a:ext>
+            </a:extLst>
+          </p:cNvPr>
+          <p:cNvSpPr>
+            <a:spLocks noGrp="1"/>
+          </p:cNvSpPr>
+          <p:nvPr>
+            <p:ph type="sldNum" sz="quarter" idx="10"/>
+          </p:nvPr>
+        </p:nvSpPr>
+        <p:spPr/>
+        <p:txBody>
+          <a:bodyPr/>
+          <a:lstStyle/>
+          <a:p>
+            <a:fld id="{F7021451-1387-4CA6-816F-3879F97B5CBC}" type="slidenum">
+              <a:rPr lang="en-US"/>
+              <a:t>24</a:t>
+            </a:fld>
+            <a:endParaRPr lang="en-US"/>
+          </a:p>
+        </p:txBody>
+      </p:sp>
+    </p:spTree>
+    <p:extLst>
+      <p:ext uri="{BB962C8B-B14F-4D97-AF65-F5344CB8AC3E}">
+        <p14:creationId xmlns:p14="http://schemas.microsoft.com/office/powerpoint/2010/main" val="1270581025"/>
+      </p:ext>
+    </p:extLst>
+  </p:cSld>
+  <p:clrMapOvr>
+    <a:masterClrMapping/>
+  </p:clrMapOvr>
+</p:notes>
+</file>
+
+<file path=ppt/notesSlides/notesSlide25.xml><?xml version="1.0" encoding="utf-8"?>
 <p:notes xmlns:a="http://schemas.openxmlformats.org/drawingml/2006/main" xmlns:r="http://schemas.openxmlformats.org/officeDocument/2006/relationships" xmlns:p="http://schemas.openxmlformats.org/presentationml/2006/main">
   <p:cSld>
     <p:spTree>
@@ -1958,13 +2092,121 @@
           <a:p>
             <a:fld id="{F7021451-1387-4CA6-816F-3879F97B5CBC}" type="slidenum">
               <a:rPr lang="en-US"/>
-              <a:t>24</a:t>
+              <a:t>25</a:t>
             </a:fld>
             <a:endParaRPr lang="en-US"/>
           </a:p>
         </p:txBody>
       </p:sp>
     </p:spTree>
+  </p:cSld>
+  <p:clrMapOvr>
+    <a:masterClrMapping/>
+  </p:clrMapOvr>
+</p:notes>
+</file>
+
+<file path=ppt/notesSlides/notesSlide26.xml><?xml version="1.0" encoding="utf-8"?>
+<p:notes xmlns:a="http://schemas.openxmlformats.org/drawingml/2006/main" xmlns:r="http://schemas.openxmlformats.org/officeDocument/2006/relationships" xmlns:p="http://schemas.openxmlformats.org/presentationml/2006/main">
+  <p:cSld>
+    <p:spTree>
+      <p:nvGrpSpPr>
+        <p:cNvPr id="1" name="">
+          <a:extLst>
+            <a:ext uri="{FF2B5EF4-FFF2-40B4-BE49-F238E27FC236}">
+              <a16:creationId xmlns:a16="http://schemas.microsoft.com/office/drawing/2014/main" id="{40B4346E-B673-E139-682D-AECEE27FF99D}"/>
+            </a:ext>
+          </a:extLst>
+        </p:cNvPr>
+        <p:cNvGrpSpPr/>
+        <p:nvPr/>
+      </p:nvGrpSpPr>
+      <p:grpSpPr>
+        <a:xfrm>
+          <a:off x="0" y="0"/>
+          <a:ext cx="0" cy="0"/>
+          <a:chOff x="0" y="0"/>
+          <a:chExt cx="0" cy="0"/>
+        </a:xfrm>
+      </p:grpSpPr>
+      <p:sp>
+        <p:nvSpPr>
+          <p:cNvPr id="2" name="Slide Image Placeholder 1">
+            <a:extLst>
+              <a:ext uri="{FF2B5EF4-FFF2-40B4-BE49-F238E27FC236}">
+                <a16:creationId xmlns:a16="http://schemas.microsoft.com/office/drawing/2014/main" id="{8323A6D7-AB1F-B428-D438-E4E1A6A83142}"/>
+              </a:ext>
+            </a:extLst>
+          </p:cNvPr>
+          <p:cNvSpPr>
+            <a:spLocks noGrp="1" noRot="1" noChangeAspect="1"/>
+          </p:cNvSpPr>
+          <p:nvPr>
+            <p:ph type="sldImg"/>
+          </p:nvPr>
+        </p:nvSpPr>
+        <p:spPr/>
+      </p:sp>
+      <p:sp>
+        <p:nvSpPr>
+          <p:cNvPr id="3" name="Notes Placeholder 2">
+            <a:extLst>
+              <a:ext uri="{FF2B5EF4-FFF2-40B4-BE49-F238E27FC236}">
+                <a16:creationId xmlns:a16="http://schemas.microsoft.com/office/drawing/2014/main" id="{F232133E-E4D0-88BB-B919-9318284DDC95}"/>
+              </a:ext>
+            </a:extLst>
+          </p:cNvPr>
+          <p:cNvSpPr>
+            <a:spLocks noGrp="1"/>
+          </p:cNvSpPr>
+          <p:nvPr>
+            <p:ph type="body" idx="1"/>
+          </p:nvPr>
+        </p:nvSpPr>
+        <p:spPr/>
+        <p:txBody>
+          <a:bodyPr/>
+          <a:lstStyle/>
+          <a:p>
+            <a:endParaRPr lang="en-US" dirty="0"/>
+          </a:p>
+        </p:txBody>
+      </p:sp>
+      <p:sp>
+        <p:nvSpPr>
+          <p:cNvPr id="4" name="Slide Number Placeholder 3">
+            <a:extLst>
+              <a:ext uri="{FF2B5EF4-FFF2-40B4-BE49-F238E27FC236}">
+                <a16:creationId xmlns:a16="http://schemas.microsoft.com/office/drawing/2014/main" id="{9C800D62-497E-10DD-EC47-6DCE84651521}"/>
+              </a:ext>
+            </a:extLst>
+          </p:cNvPr>
+          <p:cNvSpPr>
+            <a:spLocks noGrp="1"/>
+          </p:cNvSpPr>
+          <p:nvPr>
+            <p:ph type="sldNum" sz="quarter" idx="10"/>
+          </p:nvPr>
+        </p:nvSpPr>
+        <p:spPr/>
+        <p:txBody>
+          <a:bodyPr/>
+          <a:lstStyle/>
+          <a:p>
+            <a:fld id="{F7021451-1387-4CA6-816F-3879F97B5CBC}" type="slidenum">
+              <a:rPr lang="en-US"/>
+              <a:t>26</a:t>
+            </a:fld>
+            <a:endParaRPr lang="en-US"/>
+          </a:p>
+        </p:txBody>
+      </p:sp>
+    </p:spTree>
+    <p:extLst>
+      <p:ext uri="{BB962C8B-B14F-4D97-AF65-F5344CB8AC3E}">
+        <p14:creationId xmlns:p14="http://schemas.microsoft.com/office/powerpoint/2010/main" val="2418094088"/>
+      </p:ext>
+    </p:extLst>
   </p:cSld>
   <p:clrMapOvr>
     <a:masterClrMapping/>
@@ -6830,6 +7072,162 @@
           </a:p>
         </p:txBody>
       </p:sp>
+      <p:sp>
+        <p:nvSpPr>
+          <p:cNvPr id="5" name="文本框 4">
+            <a:extLst>
+              <a:ext uri="{FF2B5EF4-FFF2-40B4-BE49-F238E27FC236}">
+                <a16:creationId xmlns:a16="http://schemas.microsoft.com/office/drawing/2014/main" id="{7A7B683A-CCE0-DD1B-D76E-B2372D918B3E}"/>
+              </a:ext>
+            </a:extLst>
+          </p:cNvPr>
+          <p:cNvSpPr txBox="1"/>
+          <p:nvPr/>
+        </p:nvSpPr>
+        <p:spPr>
+          <a:xfrm>
+            <a:off x="246691" y="1091546"/>
+            <a:ext cx="1654472" cy="369332"/>
+          </a:xfrm>
+          <a:prstGeom prst="rect">
+            <a:avLst/>
+          </a:prstGeom>
+          <a:noFill/>
+        </p:spPr>
+        <p:txBody>
+          <a:bodyPr wrap="square">
+            <a:spAutoFit/>
+          </a:bodyPr>
+          <a:lstStyle/>
+          <a:p>
+            <a:pPr algn="l"/>
+            <a:r>
+              <a:rPr lang="en-US" altLang="zh-CN" b="1" i="0" dirty="0" err="1">
+                <a:solidFill>
+                  <a:srgbClr val="313131"/>
+                </a:solidFill>
+                <a:effectLst/>
+                <a:latin typeface="Helvetica Neue"/>
+              </a:rPr>
+              <a:t>MPI_Reduce</a:t>
+            </a:r>
+            <a:endParaRPr lang="en-US" altLang="zh-CN" b="1" i="0" dirty="0">
+              <a:solidFill>
+                <a:srgbClr val="313131"/>
+              </a:solidFill>
+              <a:effectLst/>
+              <a:latin typeface="Helvetica Neue"/>
+            </a:endParaRPr>
+          </a:p>
+        </p:txBody>
+      </p:sp>
+      <p:pic>
+        <p:nvPicPr>
+          <p:cNvPr id="7" name="图片 6">
+            <a:extLst>
+              <a:ext uri="{FF2B5EF4-FFF2-40B4-BE49-F238E27FC236}">
+                <a16:creationId xmlns:a16="http://schemas.microsoft.com/office/drawing/2014/main" id="{B140477C-474C-63DD-6B61-593811916968}"/>
+              </a:ext>
+            </a:extLst>
+          </p:cNvPr>
+          <p:cNvPicPr>
+            <a:picLocks noChangeAspect="1"/>
+          </p:cNvPicPr>
+          <p:nvPr/>
+        </p:nvPicPr>
+        <p:blipFill>
+          <a:blip r:embed="rId4"/>
+          <a:stretch>
+            <a:fillRect/>
+          </a:stretch>
+        </p:blipFill>
+        <p:spPr>
+          <a:xfrm>
+            <a:off x="246691" y="2838450"/>
+            <a:ext cx="2914650" cy="2076450"/>
+          </a:xfrm>
+          <a:prstGeom prst="rect">
+            <a:avLst/>
+          </a:prstGeom>
+        </p:spPr>
+      </p:pic>
+      <p:pic>
+        <p:nvPicPr>
+          <p:cNvPr id="9" name="图片 8">
+            <a:extLst>
+              <a:ext uri="{FF2B5EF4-FFF2-40B4-BE49-F238E27FC236}">
+                <a16:creationId xmlns:a16="http://schemas.microsoft.com/office/drawing/2014/main" id="{25E8D9AC-6905-F7EB-73CF-408539DEFC09}"/>
+              </a:ext>
+            </a:extLst>
+          </p:cNvPr>
+          <p:cNvPicPr>
+            <a:picLocks noChangeAspect="1"/>
+          </p:cNvPicPr>
+          <p:nvPr/>
+        </p:nvPicPr>
+        <p:blipFill>
+          <a:blip r:embed="rId5"/>
+          <a:stretch>
+            <a:fillRect/>
+          </a:stretch>
+        </p:blipFill>
+        <p:spPr>
+          <a:xfrm>
+            <a:off x="3161341" y="1176646"/>
+            <a:ext cx="5183863" cy="3738254"/>
+          </a:xfrm>
+          <a:prstGeom prst="rect">
+            <a:avLst/>
+          </a:prstGeom>
+        </p:spPr>
+      </p:pic>
+      <p:pic>
+        <p:nvPicPr>
+          <p:cNvPr id="1026" name="Picture 2" descr="MPI_Reduce">
+            <a:extLst>
+              <a:ext uri="{FF2B5EF4-FFF2-40B4-BE49-F238E27FC236}">
+                <a16:creationId xmlns:a16="http://schemas.microsoft.com/office/drawing/2014/main" id="{374E5947-EC22-3424-2C5F-CCCF584ED310}"/>
+              </a:ext>
+            </a:extLst>
+          </p:cNvPr>
+          <p:cNvPicPr>
+            <a:picLocks noChangeAspect="1" noChangeArrowheads="1"/>
+          </p:cNvPicPr>
+          <p:nvPr/>
+        </p:nvPicPr>
+        <p:blipFill>
+          <a:blip r:embed="rId6">
+            <a:extLst>
+              <a:ext uri="{28A0092B-C50C-407E-A947-70E740481C1C}">
+                <a14:useLocalDpi xmlns:a14="http://schemas.microsoft.com/office/drawing/2010/main" val="0"/>
+              </a:ext>
+            </a:extLst>
+          </a:blip>
+          <a:srcRect/>
+          <a:stretch>
+            <a:fillRect/>
+          </a:stretch>
+        </p:blipFill>
+        <p:spPr bwMode="auto">
+          <a:xfrm>
+            <a:off x="246691" y="1460878"/>
+            <a:ext cx="2914650" cy="1377572"/>
+          </a:xfrm>
+          <a:prstGeom prst="rect">
+            <a:avLst/>
+          </a:prstGeom>
+          <a:noFill/>
+          <a:extLst>
+            <a:ext uri="{909E8E84-426E-40DD-AFC4-6F175D3DCCD1}">
+              <a14:hiddenFill xmlns:a14="http://schemas.microsoft.com/office/drawing/2010/main">
+                <a:solidFill>
+                  <a:srgbClr val="FFFFFF"/>
+                </a:solidFill>
+              </a14:hiddenFill>
+            </a:ext>
+          </a:extLst>
+        </p:spPr>
+      </p:pic>
     </p:spTree>
     <p:extLst>
       <p:ext uri="{BB962C8B-B14F-4D97-AF65-F5344CB8AC3E}">
@@ -6848,7 +7246,13 @@
   <p:cSld>
     <p:spTree>
       <p:nvGrpSpPr>
-        <p:cNvPr id="1" name=""/>
+        <p:cNvPr id="1" name="">
+          <a:extLst>
+            <a:ext uri="{FF2B5EF4-FFF2-40B4-BE49-F238E27FC236}">
+              <a16:creationId xmlns:a16="http://schemas.microsoft.com/office/drawing/2014/main" id="{CEC7F195-4E67-22CB-D2D7-E4C7E57424F5}"/>
+            </a:ext>
+          </a:extLst>
+        </p:cNvPr>
         <p:cNvGrpSpPr/>
         <p:nvPr/>
       </p:nvGrpSpPr>
@@ -6862,7 +7266,13 @@
       </p:grpSpPr>
       <p:pic>
         <p:nvPicPr>
-          <p:cNvPr id="2" name="Image 0" descr="https://assets.mindshow.fun/themes/yellow_bee_honeycomb_vplus_20230307/Content_header.jpg"/>
+          <p:cNvPr id="2" name="Image 0" descr="https://assets.mindshow.fun/themes/yellow_bee_honeycomb_vplus_20230307/Content_header.jpg">
+            <a:extLst>
+              <a:ext uri="{FF2B5EF4-FFF2-40B4-BE49-F238E27FC236}">
+                <a16:creationId xmlns:a16="http://schemas.microsoft.com/office/drawing/2014/main" id="{17254877-AA22-B35C-FB11-5773BFD98DBB}"/>
+              </a:ext>
+            </a:extLst>
+          </p:cNvPr>
           <p:cNvPicPr>
             <a:picLocks noChangeAspect="1"/>
           </p:cNvPicPr>
@@ -6886,7 +7296,13 @@
       </p:pic>
       <p:sp>
         <p:nvSpPr>
-          <p:cNvPr id="3" name="Text 0"/>
+          <p:cNvPr id="3" name="Text 0">
+            <a:extLst>
+              <a:ext uri="{FF2B5EF4-FFF2-40B4-BE49-F238E27FC236}">
+                <a16:creationId xmlns:a16="http://schemas.microsoft.com/office/drawing/2014/main" id="{D67576B9-67ED-E15A-21BD-446FED469E46}"/>
+              </a:ext>
+            </a:extLst>
+          </p:cNvPr>
           <p:cNvSpPr/>
           <p:nvPr/>
         </p:nvSpPr>
@@ -6936,6 +7352,39 @@
                 <a:cs typeface="Noto Sans SC" pitchFamily="34" charset="-120"/>
               </a:rPr>
               <a:t>通信</a:t>
+            </a:r>
+            <a:r>
+              <a:rPr lang="zh-CN" altLang="en-US" sz="2400" b="1" dirty="0">
+                <a:solidFill>
+                  <a:srgbClr val="3A1515"/>
+                </a:solidFill>
+                <a:latin typeface="Noto Sans SC" pitchFamily="34" charset="0"/>
+                <a:ea typeface="Noto Sans SC" pitchFamily="34" charset="-122"/>
+                <a:cs typeface="Noto Sans SC" pitchFamily="34" charset="-120"/>
+              </a:rPr>
+              <a:t>（</a:t>
+            </a:r>
+            <a:r>
+              <a:rPr lang="en-US" altLang="zh-CN" sz="2400" b="1" dirty="0">
+                <a:solidFill>
+                  <a:srgbClr val="3A1515"/>
+                </a:solidFill>
+                <a:latin typeface="Noto Sans SC" pitchFamily="34" charset="0"/>
+                <a:ea typeface="Noto Sans SC" pitchFamily="34" charset="-122"/>
+                <a:cs typeface="Noto Sans SC" pitchFamily="34" charset="-120"/>
+              </a:rPr>
+              <a:t>Reduce</a:t>
+            </a:r>
+            <a:r>
+              <a:rPr lang="zh-CN" altLang="en-US" sz="2400" b="1" dirty="0">
+                <a:solidFill>
+                  <a:srgbClr val="3A1515"/>
+                </a:solidFill>
+                <a:latin typeface="Noto Sans SC" pitchFamily="34" charset="0"/>
+                <a:ea typeface="Noto Sans SC" pitchFamily="34" charset="-122"/>
+                <a:cs typeface="Noto Sans SC" pitchFamily="34" charset="-120"/>
+              </a:rPr>
+              <a:t>）</a:t>
             </a:r>
             <a:endParaRPr lang="zh-CN" altLang="zh-CN" sz="2400" b="1" dirty="0">
               <a:solidFill>
@@ -6948,10 +7397,136 @@
           </a:p>
         </p:txBody>
       </p:sp>
+      <p:sp>
+        <p:nvSpPr>
+          <p:cNvPr id="5" name="文本框 4">
+            <a:extLst>
+              <a:ext uri="{FF2B5EF4-FFF2-40B4-BE49-F238E27FC236}">
+                <a16:creationId xmlns:a16="http://schemas.microsoft.com/office/drawing/2014/main" id="{F22F32AB-0DDF-FBBB-404A-828870E1817E}"/>
+              </a:ext>
+            </a:extLst>
+          </p:cNvPr>
+          <p:cNvSpPr txBox="1"/>
+          <p:nvPr/>
+        </p:nvSpPr>
+        <p:spPr>
+          <a:xfrm>
+            <a:off x="404573" y="1334948"/>
+            <a:ext cx="1983392" cy="369332"/>
+          </a:xfrm>
+          <a:prstGeom prst="rect">
+            <a:avLst/>
+          </a:prstGeom>
+          <a:noFill/>
+        </p:spPr>
+        <p:txBody>
+          <a:bodyPr wrap="square">
+            <a:spAutoFit/>
+          </a:bodyPr>
+          <a:lstStyle/>
+          <a:p>
+            <a:pPr algn="l"/>
+            <a:r>
+              <a:rPr lang="en-US" altLang="zh-CN" b="1" i="0" dirty="0" err="1">
+                <a:solidFill>
+                  <a:srgbClr val="313131"/>
+                </a:solidFill>
+                <a:effectLst/>
+                <a:latin typeface="Helvetica Neue"/>
+              </a:rPr>
+              <a:t>MPI_AllReduce</a:t>
+            </a:r>
+            <a:endParaRPr lang="en-US" altLang="zh-CN" b="1" i="0" dirty="0">
+              <a:solidFill>
+                <a:srgbClr val="313131"/>
+              </a:solidFill>
+              <a:effectLst/>
+              <a:latin typeface="Helvetica Neue"/>
+            </a:endParaRPr>
+          </a:p>
+        </p:txBody>
+      </p:sp>
+      <p:pic>
+        <p:nvPicPr>
+          <p:cNvPr id="6" name="图片 5">
+            <a:extLst>
+              <a:ext uri="{FF2B5EF4-FFF2-40B4-BE49-F238E27FC236}">
+                <a16:creationId xmlns:a16="http://schemas.microsoft.com/office/drawing/2014/main" id="{3E856629-B3CD-46C6-0E65-AC40E4759578}"/>
+              </a:ext>
+            </a:extLst>
+          </p:cNvPr>
+          <p:cNvPicPr>
+            <a:picLocks noChangeAspect="1"/>
+          </p:cNvPicPr>
+          <p:nvPr/>
+        </p:nvPicPr>
+        <p:blipFill>
+          <a:blip r:embed="rId4"/>
+          <a:stretch>
+            <a:fillRect/>
+          </a:stretch>
+        </p:blipFill>
+        <p:spPr>
+          <a:xfrm>
+            <a:off x="404573" y="1884168"/>
+            <a:ext cx="2628900" cy="1638300"/>
+          </a:xfrm>
+          <a:prstGeom prst="rect">
+            <a:avLst/>
+          </a:prstGeom>
+        </p:spPr>
+      </p:pic>
+      <p:pic>
+        <p:nvPicPr>
+          <p:cNvPr id="2050" name="Picture 2" descr="MPI_Allreduce">
+            <a:extLst>
+              <a:ext uri="{FF2B5EF4-FFF2-40B4-BE49-F238E27FC236}">
+                <a16:creationId xmlns:a16="http://schemas.microsoft.com/office/drawing/2014/main" id="{491E430E-82A6-7241-7E53-BE9BFBC8402F}"/>
+              </a:ext>
+            </a:extLst>
+          </p:cNvPr>
+          <p:cNvPicPr>
+            <a:picLocks noChangeAspect="1" noChangeArrowheads="1"/>
+          </p:cNvPicPr>
+          <p:nvPr/>
+        </p:nvPicPr>
+        <p:blipFill>
+          <a:blip r:embed="rId5">
+            <a:extLst>
+              <a:ext uri="{28A0092B-C50C-407E-A947-70E740481C1C}">
+                <a14:useLocalDpi xmlns:a14="http://schemas.microsoft.com/office/drawing/2010/main" val="0"/>
+              </a:ext>
+            </a:extLst>
+          </a:blip>
+          <a:srcRect/>
+          <a:stretch>
+            <a:fillRect/>
+          </a:stretch>
+        </p:blipFill>
+        <p:spPr bwMode="auto">
+          <a:xfrm>
+            <a:off x="3180014" y="1704280"/>
+            <a:ext cx="5879947" cy="2584848"/>
+          </a:xfrm>
+          <a:prstGeom prst="rect">
+            <a:avLst/>
+          </a:prstGeom>
+          <a:noFill/>
+          <a:extLst>
+            <a:ext uri="{909E8E84-426E-40DD-AFC4-6F175D3DCCD1}">
+              <a14:hiddenFill xmlns:a14="http://schemas.microsoft.com/office/drawing/2010/main">
+                <a:solidFill>
+                  <a:srgbClr val="FFFFFF"/>
+                </a:solidFill>
+              </a14:hiddenFill>
+            </a:ext>
+          </a:extLst>
+        </p:spPr>
+      </p:pic>
     </p:spTree>
     <p:extLst>
       <p:ext uri="{BB962C8B-B14F-4D97-AF65-F5344CB8AC3E}">
-        <p14:creationId xmlns:p14="http://schemas.microsoft.com/office/powerpoint/2010/main" val="2192847608"/>
+        <p14:creationId xmlns:p14="http://schemas.microsoft.com/office/powerpoint/2010/main" val="204428854"/>
       </p:ext>
     </p:extLst>
   </p:cSld>
@@ -6962,6 +7537,153 @@
 </file>
 
 <file path=ppt/slides/slide24.xml><?xml version="1.0" encoding="utf-8"?>
+<p:sld xmlns:a="http://schemas.openxmlformats.org/drawingml/2006/main" xmlns:r="http://schemas.openxmlformats.org/officeDocument/2006/relationships" xmlns:p="http://schemas.openxmlformats.org/presentationml/2006/main">
+  <p:cSld>
+    <p:spTree>
+      <p:nvGrpSpPr>
+        <p:cNvPr id="1" name="">
+          <a:extLst>
+            <a:ext uri="{FF2B5EF4-FFF2-40B4-BE49-F238E27FC236}">
+              <a16:creationId xmlns:a16="http://schemas.microsoft.com/office/drawing/2014/main" id="{B78CB4DC-34AA-3A77-BF9F-2B032A9395DE}"/>
+            </a:ext>
+          </a:extLst>
+        </p:cNvPr>
+        <p:cNvGrpSpPr/>
+        <p:nvPr/>
+      </p:nvGrpSpPr>
+      <p:grpSpPr>
+        <a:xfrm>
+          <a:off x="0" y="0"/>
+          <a:ext cx="0" cy="0"/>
+          <a:chOff x="0" y="0"/>
+          <a:chExt cx="0" cy="0"/>
+        </a:xfrm>
+      </p:grpSpPr>
+      <p:pic>
+        <p:nvPicPr>
+          <p:cNvPr id="2" name="Image 0" descr="https://assets.mindshow.fun/themes/yellow_bee_honeycomb_vplus_20230307/Content_header.jpg">
+            <a:extLst>
+              <a:ext uri="{FF2B5EF4-FFF2-40B4-BE49-F238E27FC236}">
+                <a16:creationId xmlns:a16="http://schemas.microsoft.com/office/drawing/2014/main" id="{9AAB7657-98FC-B00E-E399-CBF84ECFC843}"/>
+              </a:ext>
+            </a:extLst>
+          </p:cNvPr>
+          <p:cNvPicPr>
+            <a:picLocks noChangeAspect="1"/>
+          </p:cNvPicPr>
+          <p:nvPr/>
+        </p:nvPicPr>
+        <p:blipFill>
+          <a:blip r:embed="rId3"/>
+          <a:stretch>
+            <a:fillRect/>
+          </a:stretch>
+        </p:blipFill>
+        <p:spPr>
+          <a:xfrm>
+            <a:off x="0" y="0"/>
+            <a:ext cx="9144000" cy="1000125"/>
+          </a:xfrm>
+          <a:prstGeom prst="rect">
+            <a:avLst/>
+          </a:prstGeom>
+        </p:spPr>
+      </p:pic>
+      <p:sp>
+        <p:nvSpPr>
+          <p:cNvPr id="3" name="Text 0">
+            <a:extLst>
+              <a:ext uri="{FF2B5EF4-FFF2-40B4-BE49-F238E27FC236}">
+                <a16:creationId xmlns:a16="http://schemas.microsoft.com/office/drawing/2014/main" id="{631EB83A-2681-3361-0DDB-887B000A4451}"/>
+              </a:ext>
+            </a:extLst>
+          </p:cNvPr>
+          <p:cNvSpPr/>
+          <p:nvPr/>
+        </p:nvSpPr>
+        <p:spPr>
+          <a:xfrm>
+            <a:off x="762000" y="228600"/>
+            <a:ext cx="6949440" cy="552450"/>
+          </a:xfrm>
+          <a:prstGeom prst="rect">
+            <a:avLst/>
+          </a:prstGeom>
+          <a:noFill/>
+        </p:spPr>
+        <p:txBody>
+          <a:bodyPr wrap="square" rtlCol="0" anchor="ctr"/>
+          <a:lstStyle/>
+          <a:p>
+            <a:r>
+              <a:rPr lang="en-US" sz="2400" b="1" dirty="0">
+                <a:solidFill>
+                  <a:srgbClr val="3A1515"/>
+                </a:solidFill>
+                <a:latin typeface="Noto Sans SC" pitchFamily="34" charset="0"/>
+                <a:ea typeface="Noto Sans SC" pitchFamily="34" charset="-122"/>
+                <a:cs typeface="Noto Sans SC" pitchFamily="34" charset="-120"/>
+              </a:rPr>
+              <a:t>5. MPI</a:t>
+            </a:r>
+            <a:r>
+              <a:rPr lang="zh-CN" altLang="en-US" sz="2400" b="1" dirty="0">
+                <a:solidFill>
+                  <a:srgbClr val="3A1515"/>
+                </a:solidFill>
+                <a:latin typeface="Noto Sans SC" pitchFamily="34" charset="0"/>
+                <a:ea typeface="Noto Sans SC" pitchFamily="34" charset="-122"/>
+                <a:cs typeface="Noto Sans SC" pitchFamily="34" charset="-120"/>
+              </a:rPr>
+              <a:t>集合</a:t>
+            </a:r>
+            <a:r>
+              <a:rPr lang="zh-CN" sz="2400" b="1" dirty="0">
+                <a:solidFill>
+                  <a:srgbClr val="3A1515"/>
+                </a:solidFill>
+                <a:latin typeface="Noto Sans SC" pitchFamily="34" charset="0"/>
+                <a:ea typeface="Noto Sans SC" pitchFamily="34" charset="-122"/>
+                <a:cs typeface="Noto Sans SC" pitchFamily="34" charset="-120"/>
+              </a:rPr>
+              <a:t>通信</a:t>
+            </a:r>
+            <a:r>
+              <a:rPr lang="zh-CN" altLang="en-US" sz="2400" b="1" dirty="0">
+                <a:solidFill>
+                  <a:srgbClr val="3A1515"/>
+                </a:solidFill>
+                <a:latin typeface="Noto Sans SC" pitchFamily="34" charset="0"/>
+                <a:ea typeface="Noto Sans SC" pitchFamily="34" charset="-122"/>
+                <a:cs typeface="Noto Sans SC" pitchFamily="34" charset="-120"/>
+              </a:rPr>
+              <a:t>（分组通信）</a:t>
+            </a:r>
+            <a:endParaRPr lang="zh-CN" altLang="zh-CN" sz="2400" b="1" dirty="0">
+              <a:solidFill>
+                <a:srgbClr val="3A1515"/>
+              </a:solidFill>
+              <a:latin typeface="Noto Sans SC" pitchFamily="34" charset="0"/>
+              <a:ea typeface="Noto Sans SC" pitchFamily="34" charset="-122"/>
+              <a:cs typeface="Noto Sans SC" pitchFamily="34" charset="-120"/>
+            </a:endParaRPr>
+          </a:p>
+        </p:txBody>
+      </p:sp>
+    </p:spTree>
+    <p:extLst>
+      <p:ext uri="{BB962C8B-B14F-4D97-AF65-F5344CB8AC3E}">
+        <p14:creationId xmlns:p14="http://schemas.microsoft.com/office/powerpoint/2010/main" val="1348865835"/>
+      </p:ext>
+    </p:extLst>
+  </p:cSld>
+  <p:clrMapOvr>
+    <a:masterClrMapping/>
+  </p:clrMapOvr>
+</p:sld>
+</file>
+
+<file path=ppt/slides/slide25.xml><?xml version="1.0" encoding="utf-8"?>
 <p:sld xmlns:a="http://schemas.openxmlformats.org/drawingml/2006/main" xmlns:r="http://schemas.openxmlformats.org/officeDocument/2006/relationships" xmlns:p="http://schemas.openxmlformats.org/presentationml/2006/main">
   <p:cSld>
     <p:spTree>
@@ -7051,6 +7773,128 @@
         </p:txBody>
       </p:sp>
     </p:spTree>
+  </p:cSld>
+  <p:clrMapOvr>
+    <a:masterClrMapping/>
+  </p:clrMapOvr>
+</p:sld>
+</file>
+
+<file path=ppt/slides/slide26.xml><?xml version="1.0" encoding="utf-8"?>
+<p:sld xmlns:a="http://schemas.openxmlformats.org/drawingml/2006/main" xmlns:r="http://schemas.openxmlformats.org/officeDocument/2006/relationships" xmlns:p="http://schemas.openxmlformats.org/presentationml/2006/main">
+  <p:cSld>
+    <p:spTree>
+      <p:nvGrpSpPr>
+        <p:cNvPr id="1" name="">
+          <a:extLst>
+            <a:ext uri="{FF2B5EF4-FFF2-40B4-BE49-F238E27FC236}">
+              <a16:creationId xmlns:a16="http://schemas.microsoft.com/office/drawing/2014/main" id="{5A5E2818-357F-CF15-55A0-1C03B23CAFAF}"/>
+            </a:ext>
+          </a:extLst>
+        </p:cNvPr>
+        <p:cNvGrpSpPr/>
+        <p:nvPr/>
+      </p:nvGrpSpPr>
+      <p:grpSpPr>
+        <a:xfrm>
+          <a:off x="0" y="0"/>
+          <a:ext cx="0" cy="0"/>
+          <a:chOff x="0" y="0"/>
+          <a:chExt cx="0" cy="0"/>
+        </a:xfrm>
+      </p:grpSpPr>
+      <p:pic>
+        <p:nvPicPr>
+          <p:cNvPr id="2" name="Image 0" descr="https://assets.mindshow.fun/themes/yellow_bee_honeycomb_vplus_20230307/Content_header.jpg">
+            <a:extLst>
+              <a:ext uri="{FF2B5EF4-FFF2-40B4-BE49-F238E27FC236}">
+                <a16:creationId xmlns:a16="http://schemas.microsoft.com/office/drawing/2014/main" id="{5B53CDD4-C72A-DBED-D6F8-8A2D8B7117F9}"/>
+              </a:ext>
+            </a:extLst>
+          </p:cNvPr>
+          <p:cNvPicPr>
+            <a:picLocks noChangeAspect="1"/>
+          </p:cNvPicPr>
+          <p:nvPr/>
+        </p:nvPicPr>
+        <p:blipFill>
+          <a:blip r:embed="rId3"/>
+          <a:stretch>
+            <a:fillRect/>
+          </a:stretch>
+        </p:blipFill>
+        <p:spPr>
+          <a:xfrm>
+            <a:off x="0" y="0"/>
+            <a:ext cx="9144000" cy="1000125"/>
+          </a:xfrm>
+          <a:prstGeom prst="rect">
+            <a:avLst/>
+          </a:prstGeom>
+        </p:spPr>
+      </p:pic>
+      <p:sp>
+        <p:nvSpPr>
+          <p:cNvPr id="5" name="文本框 4">
+            <a:extLst>
+              <a:ext uri="{FF2B5EF4-FFF2-40B4-BE49-F238E27FC236}">
+                <a16:creationId xmlns:a16="http://schemas.microsoft.com/office/drawing/2014/main" id="{F1E76FBE-A0B2-722B-741F-0AC52369552E}"/>
+              </a:ext>
+            </a:extLst>
+          </p:cNvPr>
+          <p:cNvSpPr txBox="1"/>
+          <p:nvPr/>
+        </p:nvSpPr>
+        <p:spPr>
+          <a:xfrm>
+            <a:off x="667708" y="1577997"/>
+            <a:ext cx="4884475" cy="1477328"/>
+          </a:xfrm>
+          <a:prstGeom prst="rect">
+            <a:avLst/>
+          </a:prstGeom>
+          <a:noFill/>
+        </p:spPr>
+        <p:txBody>
+          <a:bodyPr wrap="square">
+            <a:spAutoFit/>
+          </a:bodyPr>
+          <a:lstStyle/>
+          <a:p>
+            <a:r>
+              <a:rPr lang="zh-CN" altLang="en-US" dirty="0">
+                <a:hlinkClick r:id="rId4"/>
+              </a:rPr>
+              <a:t>https://www.bilibili.com/video/BV13v4y1v7y7/</a:t>
+            </a:r>
+            <a:endParaRPr lang="en-US" altLang="zh-CN" dirty="0"/>
+          </a:p>
+          <a:p>
+            <a:endParaRPr lang="en-US" altLang="zh-CN" dirty="0"/>
+          </a:p>
+          <a:p>
+            <a:r>
+              <a:rPr lang="en-US" altLang="zh-CN" dirty="0">
+                <a:hlinkClick r:id="rId5"/>
+              </a:rPr>
+              <a:t>https://mpitutorial.com/</a:t>
+            </a:r>
+            <a:endParaRPr lang="en-US" altLang="zh-CN" dirty="0"/>
+          </a:p>
+          <a:p>
+            <a:endParaRPr lang="en-US" altLang="zh-CN" dirty="0"/>
+          </a:p>
+          <a:p>
+            <a:endParaRPr lang="zh-CN" altLang="en-US" dirty="0"/>
+          </a:p>
+        </p:txBody>
+      </p:sp>
+    </p:spTree>
+    <p:extLst>
+      <p:ext uri="{BB962C8B-B14F-4D97-AF65-F5344CB8AC3E}">
+        <p14:creationId xmlns:p14="http://schemas.microsoft.com/office/powerpoint/2010/main" val="1361340391"/>
+      </p:ext>
+    </p:extLst>
   </p:cSld>
   <p:clrMapOvr>
     <a:masterClrMapping/>
